--- a/Design Profile.pptx
+++ b/Design Profile.pptx
@@ -4,8 +4,16 @@
   <p:sldMasterIdLst>
     <p:sldMasterId id="2147483648" r:id="rId1"/>
   </p:sldMasterIdLst>
+  <p:notesMasterIdLst>
+    <p:notesMasterId r:id="rId8"/>
+  </p:notesMasterIdLst>
   <p:sldIdLst>
-    <p:sldId id="256" r:id="rId2"/>
+    <p:sldId id="258" r:id="rId2"/>
+    <p:sldId id="256" r:id="rId3"/>
+    <p:sldId id="259" r:id="rId4"/>
+    <p:sldId id="260" r:id="rId5"/>
+    <p:sldId id="261" r:id="rId6"/>
+    <p:sldId id="257" r:id="rId7"/>
   </p:sldIdLst>
   <p:sldSz cx="12192000" cy="6858000"/>
   <p:notesSz cx="6858000" cy="9144000"/>
@@ -104,6 +112,11 @@
       </a:defRPr>
     </a:lvl9pPr>
   </p:defaultTextStyle>
+  <p:extLst>
+    <p:ext uri="{EFAFB233-063F-42B5-8137-9DF3F51BA10A}">
+      <p15:sldGuideLst xmlns:p15="http://schemas.microsoft.com/office/powerpoint/2012/main"/>
+    </p:ext>
+  </p:extLst>
 </p:presentation>
 </file>
 
@@ -111,13 +124,13 @@
 <pc:chgInfo xmlns:a="http://schemas.openxmlformats.org/drawingml/2006/main" xmlns:r="http://schemas.openxmlformats.org/officeDocument/2006/relationships" xmlns:ac="http://schemas.microsoft.com/office/drawing/2013/main/command" xmlns:pc="http://schemas.microsoft.com/office/powerpoint/2013/main/command">
   <pc:docChgLst>
     <pc:chgData name="sourovtalukder69@gmail.com" userId="cbc4c1c8925b0f38" providerId="LiveId" clId="{866442A1-97D0-4EFA-9AAC-56F7F34526AA}"/>
-    <pc:docChg chg="undo custSel addSld modSld">
-      <pc:chgData name="sourovtalukder69@gmail.com" userId="cbc4c1c8925b0f38" providerId="LiveId" clId="{866442A1-97D0-4EFA-9AAC-56F7F34526AA}" dt="2025-11-12T13:27:18.143" v="286" actId="1076"/>
+    <pc:docChg chg="undo custSel addSld delSld modSld sldOrd modMainMaster modNotesMaster">
+      <pc:chgData name="sourovtalukder69@gmail.com" userId="cbc4c1c8925b0f38" providerId="LiveId" clId="{866442A1-97D0-4EFA-9AAC-56F7F34526AA}" dt="2025-11-18T13:37:10.146" v="1266" actId="207"/>
       <pc:docMkLst>
         <pc:docMk/>
       </pc:docMkLst>
-      <pc:sldChg chg="addSp delSp modSp new mod setBg">
-        <pc:chgData name="sourovtalukder69@gmail.com" userId="cbc4c1c8925b0f38" providerId="LiveId" clId="{866442A1-97D0-4EFA-9AAC-56F7F34526AA}" dt="2025-11-12T13:27:18.143" v="286" actId="1076"/>
+      <pc:sldChg chg="addSp delSp modSp new mod ord setBg modNotes">
+        <pc:chgData name="sourovtalukder69@gmail.com" userId="cbc4c1c8925b0f38" providerId="LiveId" clId="{866442A1-97D0-4EFA-9AAC-56F7F34526AA}" dt="2025-11-18T13:37:10.146" v="1266" actId="207"/>
         <pc:sldMkLst>
           <pc:docMk/>
           <pc:sldMk cId="3798572397" sldId="256"/>
@@ -139,7 +152,15 @@
           </ac:spMkLst>
         </pc:spChg>
         <pc:spChg chg="add mod">
-          <ac:chgData name="sourovtalukder69@gmail.com" userId="cbc4c1c8925b0f38" providerId="LiveId" clId="{866442A1-97D0-4EFA-9AAC-56F7F34526AA}" dt="2025-11-12T13:27:18.143" v="286" actId="1076"/>
+          <ac:chgData name="sourovtalukder69@gmail.com" userId="cbc4c1c8925b0f38" providerId="LiveId" clId="{866442A1-97D0-4EFA-9AAC-56F7F34526AA}" dt="2025-11-17T14:11:25.684" v="1123"/>
+          <ac:spMkLst>
+            <pc:docMk/>
+            <pc:sldMk cId="3798572397" sldId="256"/>
+            <ac:spMk id="3" creationId="{C3708F4E-CE80-4B9A-8AA2-820FAA563440}"/>
+          </ac:spMkLst>
+        </pc:spChg>
+        <pc:spChg chg="add del mod">
+          <ac:chgData name="sourovtalukder69@gmail.com" userId="cbc4c1c8925b0f38" providerId="LiveId" clId="{866442A1-97D0-4EFA-9AAC-56F7F34526AA}" dt="2025-11-16T10:46:13.594" v="857" actId="478"/>
           <ac:spMkLst>
             <pc:docMk/>
             <pc:sldMk cId="3798572397" sldId="256"/>
@@ -154,8 +175,8 @@
             <ac:spMk id="7" creationId="{4319623D-BCBD-4084-B4E5-7842B7FD3AED}"/>
           </ac:spMkLst>
         </pc:spChg>
-        <pc:spChg chg="add mod">
-          <ac:chgData name="sourovtalukder69@gmail.com" userId="cbc4c1c8925b0f38" providerId="LiveId" clId="{866442A1-97D0-4EFA-9AAC-56F7F34526AA}" dt="2025-11-12T13:27:18.143" v="286" actId="1076"/>
+        <pc:spChg chg="add del mod">
+          <ac:chgData name="sourovtalukder69@gmail.com" userId="cbc4c1c8925b0f38" providerId="LiveId" clId="{866442A1-97D0-4EFA-9AAC-56F7F34526AA}" dt="2025-11-16T10:46:15.981" v="858" actId="478"/>
           <ac:spMkLst>
             <pc:docMk/>
             <pc:sldMk cId="3798572397" sldId="256"/>
@@ -170,6 +191,14 @@
             <ac:spMk id="9" creationId="{61CD0C07-1B6A-4C73-B63A-2C5019D9EED3}"/>
           </ac:spMkLst>
         </pc:spChg>
+        <pc:spChg chg="add mod">
+          <ac:chgData name="sourovtalukder69@gmail.com" userId="cbc4c1c8925b0f38" providerId="LiveId" clId="{866442A1-97D0-4EFA-9AAC-56F7F34526AA}" dt="2025-11-17T14:11:25.684" v="1123"/>
+          <ac:spMkLst>
+            <pc:docMk/>
+            <pc:sldMk cId="3798572397" sldId="256"/>
+            <ac:spMk id="9" creationId="{F7380DDD-973E-46D0-A95E-3BE6702069C9}"/>
+          </ac:spMkLst>
+        </pc:spChg>
         <pc:spChg chg="add del mod">
           <ac:chgData name="sourovtalukder69@gmail.com" userId="cbc4c1c8925b0f38" providerId="LiveId" clId="{866442A1-97D0-4EFA-9AAC-56F7F34526AA}" dt="2025-11-12T13:09:47.853" v="87"/>
           <ac:spMkLst>
@@ -179,7 +208,7 @@
           </ac:spMkLst>
         </pc:spChg>
         <pc:spChg chg="add mod">
-          <ac:chgData name="sourovtalukder69@gmail.com" userId="cbc4c1c8925b0f38" providerId="LiveId" clId="{866442A1-97D0-4EFA-9AAC-56F7F34526AA}" dt="2025-11-12T13:27:18.143" v="286" actId="1076"/>
+          <ac:chgData name="sourovtalukder69@gmail.com" userId="cbc4c1c8925b0f38" providerId="LiveId" clId="{866442A1-97D0-4EFA-9AAC-56F7F34526AA}" dt="2025-11-17T14:11:25.684" v="1123"/>
           <ac:spMkLst>
             <pc:docMk/>
             <pc:sldMk cId="3798572397" sldId="256"/>
@@ -187,11 +216,19 @@
           </ac:spMkLst>
         </pc:spChg>
         <pc:spChg chg="add mod">
-          <ac:chgData name="sourovtalukder69@gmail.com" userId="cbc4c1c8925b0f38" providerId="LiveId" clId="{866442A1-97D0-4EFA-9AAC-56F7F34526AA}" dt="2025-11-12T13:27:18.143" v="286" actId="1076"/>
+          <ac:chgData name="sourovtalukder69@gmail.com" userId="cbc4c1c8925b0f38" providerId="LiveId" clId="{866442A1-97D0-4EFA-9AAC-56F7F34526AA}" dt="2025-11-17T14:11:25.684" v="1123"/>
           <ac:spMkLst>
             <pc:docMk/>
             <pc:sldMk cId="3798572397" sldId="256"/>
             <ac:spMk id="12" creationId="{428B58AD-6B73-4A01-8E59-70D6AA3AEBF2}"/>
+          </ac:spMkLst>
+        </pc:spChg>
+        <pc:spChg chg="add mod">
+          <ac:chgData name="sourovtalukder69@gmail.com" userId="cbc4c1c8925b0f38" providerId="LiveId" clId="{866442A1-97D0-4EFA-9AAC-56F7F34526AA}" dt="2025-11-17T14:11:25.684" v="1123"/>
+          <ac:spMkLst>
+            <pc:docMk/>
+            <pc:sldMk cId="3798572397" sldId="256"/>
+            <ac:spMk id="13" creationId="{02BF6A6E-FF8C-43E4-91A9-BA782273A25A}"/>
           </ac:spMkLst>
         </pc:spChg>
         <pc:spChg chg="add del mod">
@@ -203,23 +240,79 @@
           </ac:spMkLst>
         </pc:spChg>
         <pc:spChg chg="add mod">
-          <ac:chgData name="sourovtalukder69@gmail.com" userId="cbc4c1c8925b0f38" providerId="LiveId" clId="{866442A1-97D0-4EFA-9AAC-56F7F34526AA}" dt="2025-11-12T13:27:18.143" v="286" actId="1076"/>
+          <ac:chgData name="sourovtalukder69@gmail.com" userId="cbc4c1c8925b0f38" providerId="LiveId" clId="{866442A1-97D0-4EFA-9AAC-56F7F34526AA}" dt="2025-11-17T14:11:25.684" v="1123"/>
+          <ac:spMkLst>
+            <pc:docMk/>
+            <pc:sldMk cId="3798572397" sldId="256"/>
+            <ac:spMk id="15" creationId="{7F95BDBC-C819-4404-B0A3-5C25701246B1}"/>
+          </ac:spMkLst>
+        </pc:spChg>
+        <pc:spChg chg="add del mod">
+          <ac:chgData name="sourovtalukder69@gmail.com" userId="cbc4c1c8925b0f38" providerId="LiveId" clId="{866442A1-97D0-4EFA-9AAC-56F7F34526AA}" dt="2025-11-16T10:46:22.525" v="861" actId="478"/>
           <ac:spMkLst>
             <pc:docMk/>
             <pc:sldMk cId="3798572397" sldId="256"/>
             <ac:spMk id="16" creationId="{886148B4-1223-494F-97FD-30DAABCBAE60}"/>
           </ac:spMkLst>
         </pc:spChg>
-        <pc:picChg chg="add mod modCrop">
-          <ac:chgData name="sourovtalukder69@gmail.com" userId="cbc4c1c8925b0f38" providerId="LiveId" clId="{866442A1-97D0-4EFA-9AAC-56F7F34526AA}" dt="2025-11-12T13:27:18.143" v="286" actId="1076"/>
+        <pc:spChg chg="add mod">
+          <ac:chgData name="sourovtalukder69@gmail.com" userId="cbc4c1c8925b0f38" providerId="LiveId" clId="{866442A1-97D0-4EFA-9AAC-56F7F34526AA}" dt="2025-11-17T14:11:25.684" v="1123"/>
+          <ac:spMkLst>
+            <pc:docMk/>
+            <pc:sldMk cId="3798572397" sldId="256"/>
+            <ac:spMk id="17" creationId="{EE225A4A-67BD-4F79-84D7-A6A14B5EEEE2}"/>
+          </ac:spMkLst>
+        </pc:spChg>
+        <pc:spChg chg="add mod">
+          <ac:chgData name="sourovtalukder69@gmail.com" userId="cbc4c1c8925b0f38" providerId="LiveId" clId="{866442A1-97D0-4EFA-9AAC-56F7F34526AA}" dt="2025-11-17T14:11:25.684" v="1123"/>
+          <ac:spMkLst>
+            <pc:docMk/>
+            <pc:sldMk cId="3798572397" sldId="256"/>
+            <ac:spMk id="18" creationId="{FD2DFD5B-E0AD-4C65-BD45-1ED908A7BA07}"/>
+          </ac:spMkLst>
+        </pc:spChg>
+        <pc:spChg chg="add mod ord">
+          <ac:chgData name="sourovtalukder69@gmail.com" userId="cbc4c1c8925b0f38" providerId="LiveId" clId="{866442A1-97D0-4EFA-9AAC-56F7F34526AA}" dt="2025-11-18T13:36:57.724" v="1265" actId="207"/>
+          <ac:spMkLst>
+            <pc:docMk/>
+            <pc:sldMk cId="3798572397" sldId="256"/>
+            <ac:spMk id="19" creationId="{C9FFC704-D7AA-44AA-B963-1A3B79CE523D}"/>
+          </ac:spMkLst>
+        </pc:spChg>
+        <pc:spChg chg="add mod">
+          <ac:chgData name="sourovtalukder69@gmail.com" userId="cbc4c1c8925b0f38" providerId="LiveId" clId="{866442A1-97D0-4EFA-9AAC-56F7F34526AA}" dt="2025-11-18T13:37:10.146" v="1266" actId="207"/>
+          <ac:spMkLst>
+            <pc:docMk/>
+            <pc:sldMk cId="3798572397" sldId="256"/>
+            <ac:spMk id="21" creationId="{FADA3E3F-24E6-4865-9599-F0AC00463A37}"/>
+          </ac:spMkLst>
+        </pc:spChg>
+        <pc:spChg chg="add mod">
+          <ac:chgData name="sourovtalukder69@gmail.com" userId="cbc4c1c8925b0f38" providerId="LiveId" clId="{866442A1-97D0-4EFA-9AAC-56F7F34526AA}" dt="2025-11-18T10:59:32.415" v="1264" actId="1076"/>
+          <ac:spMkLst>
+            <pc:docMk/>
+            <pc:sldMk cId="3798572397" sldId="256"/>
+            <ac:spMk id="22" creationId="{6CD75328-BDE2-4487-A24B-7A71B759F9CA}"/>
+          </ac:spMkLst>
+        </pc:spChg>
+        <pc:picChg chg="add del mod modCrop">
+          <ac:chgData name="sourovtalukder69@gmail.com" userId="cbc4c1c8925b0f38" providerId="LiveId" clId="{866442A1-97D0-4EFA-9AAC-56F7F34526AA}" dt="2025-11-16T10:46:18.156" v="859" actId="478"/>
           <ac:picMkLst>
             <pc:docMk/>
             <pc:sldMk cId="3798572397" sldId="256"/>
             <ac:picMk id="6" creationId="{A44B1828-D239-4E76-812C-2C50304EB4B6}"/>
           </ac:picMkLst>
         </pc:picChg>
+        <pc:picChg chg="add mod">
+          <ac:chgData name="sourovtalukder69@gmail.com" userId="cbc4c1c8925b0f38" providerId="LiveId" clId="{866442A1-97D0-4EFA-9AAC-56F7F34526AA}" dt="2025-11-17T14:11:25.684" v="1123"/>
+          <ac:picMkLst>
+            <pc:docMk/>
+            <pc:sldMk cId="3798572397" sldId="256"/>
+            <ac:picMk id="20" creationId="{C5AFF610-9A9C-459E-868C-1ABFEDA6413B}"/>
+          </ac:picMkLst>
+        </pc:picChg>
         <pc:cxnChg chg="add mod">
-          <ac:chgData name="sourovtalukder69@gmail.com" userId="cbc4c1c8925b0f38" providerId="LiveId" clId="{866442A1-97D0-4EFA-9AAC-56F7F34526AA}" dt="2025-11-12T13:27:18.143" v="286" actId="1076"/>
+          <ac:chgData name="sourovtalukder69@gmail.com" userId="cbc4c1c8925b0f38" providerId="LiveId" clId="{866442A1-97D0-4EFA-9AAC-56F7F34526AA}" dt="2025-11-17T14:11:25.684" v="1123"/>
           <ac:cxnSpMkLst>
             <pc:docMk/>
             <pc:sldMk cId="3798572397" sldId="256"/>
@@ -227,9 +320,1567 @@
           </ac:cxnSpMkLst>
         </pc:cxnChg>
       </pc:sldChg>
+      <pc:sldChg chg="addSp delSp modSp new mod">
+        <pc:chgData name="sourovtalukder69@gmail.com" userId="cbc4c1c8925b0f38" providerId="LiveId" clId="{866442A1-97D0-4EFA-9AAC-56F7F34526AA}" dt="2025-11-17T15:35:39.845" v="1213" actId="478"/>
+        <pc:sldMkLst>
+          <pc:docMk/>
+          <pc:sldMk cId="242927789" sldId="257"/>
+        </pc:sldMkLst>
+        <pc:spChg chg="del">
+          <ac:chgData name="sourovtalukder69@gmail.com" userId="cbc4c1c8925b0f38" providerId="LiveId" clId="{866442A1-97D0-4EFA-9AAC-56F7F34526AA}" dt="2025-11-14T11:48:38.327" v="288" actId="478"/>
+          <ac:spMkLst>
+            <pc:docMk/>
+            <pc:sldMk cId="242927789" sldId="257"/>
+            <ac:spMk id="2" creationId="{FC3E3E26-B4B5-4460-96EF-D523BA4066FD}"/>
+          </ac:spMkLst>
+        </pc:spChg>
+        <pc:spChg chg="del">
+          <ac:chgData name="sourovtalukder69@gmail.com" userId="cbc4c1c8925b0f38" providerId="LiveId" clId="{866442A1-97D0-4EFA-9AAC-56F7F34526AA}" dt="2025-11-14T11:48:41.067" v="289" actId="478"/>
+          <ac:spMkLst>
+            <pc:docMk/>
+            <pc:sldMk cId="242927789" sldId="257"/>
+            <ac:spMk id="3" creationId="{2F199AD2-B840-41EC-AAD2-D0E4E043696E}"/>
+          </ac:spMkLst>
+        </pc:spChg>
+        <pc:spChg chg="add mod">
+          <ac:chgData name="sourovtalukder69@gmail.com" userId="cbc4c1c8925b0f38" providerId="LiveId" clId="{866442A1-97D0-4EFA-9AAC-56F7F34526AA}" dt="2025-11-17T14:11:25.684" v="1123"/>
+          <ac:spMkLst>
+            <pc:docMk/>
+            <pc:sldMk cId="242927789" sldId="257"/>
+            <ac:spMk id="5" creationId="{8F0E4E01-AEE9-4FB1-ACA5-E62EA177610E}"/>
+          </ac:spMkLst>
+        </pc:spChg>
+        <pc:picChg chg="add del mod modCrop">
+          <ac:chgData name="sourovtalukder69@gmail.com" userId="cbc4c1c8925b0f38" providerId="LiveId" clId="{866442A1-97D0-4EFA-9AAC-56F7F34526AA}" dt="2025-11-17T15:35:39.845" v="1213" actId="478"/>
+          <ac:picMkLst>
+            <pc:docMk/>
+            <pc:sldMk cId="242927789" sldId="257"/>
+            <ac:picMk id="3" creationId="{0426489F-DBAA-4FA3-BCC6-2D3708D9F0FC}"/>
+          </ac:picMkLst>
+        </pc:picChg>
+        <pc:picChg chg="add">
+          <ac:chgData name="sourovtalukder69@gmail.com" userId="cbc4c1c8925b0f38" providerId="LiveId" clId="{866442A1-97D0-4EFA-9AAC-56F7F34526AA}" dt="2025-11-17T14:36:04.048" v="1199"/>
+          <ac:picMkLst>
+            <pc:docMk/>
+            <pc:sldMk cId="242927789" sldId="257"/>
+            <ac:picMk id="1026" creationId="{75608183-B3AC-40B0-9484-6B971BAAFBC4}"/>
+          </ac:picMkLst>
+        </pc:picChg>
+      </pc:sldChg>
+      <pc:sldChg chg="modSp add mod">
+        <pc:chgData name="sourovtalukder69@gmail.com" userId="cbc4c1c8925b0f38" providerId="LiveId" clId="{866442A1-97D0-4EFA-9AAC-56F7F34526AA}" dt="2025-11-17T14:11:25.684" v="1123"/>
+        <pc:sldMkLst>
+          <pc:docMk/>
+          <pc:sldMk cId="1563125235" sldId="258"/>
+        </pc:sldMkLst>
+        <pc:spChg chg="mod">
+          <ac:chgData name="sourovtalukder69@gmail.com" userId="cbc4c1c8925b0f38" providerId="LiveId" clId="{866442A1-97D0-4EFA-9AAC-56F7F34526AA}" dt="2025-11-17T14:11:25.684" v="1123"/>
+          <ac:spMkLst>
+            <pc:docMk/>
+            <pc:sldMk cId="1563125235" sldId="258"/>
+            <ac:spMk id="4" creationId="{F90CFDF3-478B-474F-8B41-A5867C2BC549}"/>
+          </ac:spMkLst>
+        </pc:spChg>
+        <pc:spChg chg="mod">
+          <ac:chgData name="sourovtalukder69@gmail.com" userId="cbc4c1c8925b0f38" providerId="LiveId" clId="{866442A1-97D0-4EFA-9AAC-56F7F34526AA}" dt="2025-11-17T14:11:25.684" v="1123"/>
+          <ac:spMkLst>
+            <pc:docMk/>
+            <pc:sldMk cId="1563125235" sldId="258"/>
+            <ac:spMk id="8" creationId="{6B52DC3E-EFB8-4F6F-A9B1-8B6240286C86}"/>
+          </ac:spMkLst>
+        </pc:spChg>
+        <pc:spChg chg="mod">
+          <ac:chgData name="sourovtalukder69@gmail.com" userId="cbc4c1c8925b0f38" providerId="LiveId" clId="{866442A1-97D0-4EFA-9AAC-56F7F34526AA}" dt="2025-11-17T14:11:25.684" v="1123"/>
+          <ac:spMkLst>
+            <pc:docMk/>
+            <pc:sldMk cId="1563125235" sldId="258"/>
+            <ac:spMk id="11" creationId="{2A0E3186-0D08-440F-A77C-30F4B9EC9034}"/>
+          </ac:spMkLst>
+        </pc:spChg>
+        <pc:spChg chg="mod">
+          <ac:chgData name="sourovtalukder69@gmail.com" userId="cbc4c1c8925b0f38" providerId="LiveId" clId="{866442A1-97D0-4EFA-9AAC-56F7F34526AA}" dt="2025-11-17T14:11:25.684" v="1123"/>
+          <ac:spMkLst>
+            <pc:docMk/>
+            <pc:sldMk cId="1563125235" sldId="258"/>
+            <ac:spMk id="12" creationId="{428B58AD-6B73-4A01-8E59-70D6AA3AEBF2}"/>
+          </ac:spMkLst>
+        </pc:spChg>
+        <pc:spChg chg="mod">
+          <ac:chgData name="sourovtalukder69@gmail.com" userId="cbc4c1c8925b0f38" providerId="LiveId" clId="{866442A1-97D0-4EFA-9AAC-56F7F34526AA}" dt="2025-11-17T14:11:25.684" v="1123"/>
+          <ac:spMkLst>
+            <pc:docMk/>
+            <pc:sldMk cId="1563125235" sldId="258"/>
+            <ac:spMk id="16" creationId="{886148B4-1223-494F-97FD-30DAABCBAE60}"/>
+          </ac:spMkLst>
+        </pc:spChg>
+        <pc:picChg chg="mod">
+          <ac:chgData name="sourovtalukder69@gmail.com" userId="cbc4c1c8925b0f38" providerId="LiveId" clId="{866442A1-97D0-4EFA-9AAC-56F7F34526AA}" dt="2025-11-17T14:11:25.684" v="1123"/>
+          <ac:picMkLst>
+            <pc:docMk/>
+            <pc:sldMk cId="1563125235" sldId="258"/>
+            <ac:picMk id="6" creationId="{A44B1828-D239-4E76-812C-2C50304EB4B6}"/>
+          </ac:picMkLst>
+        </pc:picChg>
+        <pc:cxnChg chg="mod">
+          <ac:chgData name="sourovtalukder69@gmail.com" userId="cbc4c1c8925b0f38" providerId="LiveId" clId="{866442A1-97D0-4EFA-9AAC-56F7F34526AA}" dt="2025-11-17T14:11:25.684" v="1123"/>
+          <ac:cxnSpMkLst>
+            <pc:docMk/>
+            <pc:sldMk cId="1563125235" sldId="258"/>
+            <ac:cxnSpMk id="14" creationId="{3D55CEB3-A522-41A9-91BD-ADF144B33741}"/>
+          </ac:cxnSpMkLst>
+        </pc:cxnChg>
+      </pc:sldChg>
+      <pc:sldChg chg="addSp modSp add mod modNotes">
+        <pc:chgData name="sourovtalukder69@gmail.com" userId="cbc4c1c8925b0f38" providerId="LiveId" clId="{866442A1-97D0-4EFA-9AAC-56F7F34526AA}" dt="2025-11-17T14:11:25.684" v="1123"/>
+        <pc:sldMkLst>
+          <pc:docMk/>
+          <pc:sldMk cId="3383594600" sldId="259"/>
+        </pc:sldMkLst>
+        <pc:spChg chg="add mod">
+          <ac:chgData name="sourovtalukder69@gmail.com" userId="cbc4c1c8925b0f38" providerId="LiveId" clId="{866442A1-97D0-4EFA-9AAC-56F7F34526AA}" dt="2025-11-17T14:11:25.684" v="1123"/>
+          <ac:spMkLst>
+            <pc:docMk/>
+            <pc:sldMk cId="3383594600" sldId="259"/>
+            <ac:spMk id="2" creationId="{E9A5C1B0-9443-4E3E-BC18-A9B5F7BE7ED8}"/>
+          </ac:spMkLst>
+        </pc:spChg>
+        <pc:spChg chg="mod">
+          <ac:chgData name="sourovtalukder69@gmail.com" userId="cbc4c1c8925b0f38" providerId="LiveId" clId="{866442A1-97D0-4EFA-9AAC-56F7F34526AA}" dt="2025-11-17T14:11:25.684" v="1123"/>
+          <ac:spMkLst>
+            <pc:docMk/>
+            <pc:sldMk cId="3383594600" sldId="259"/>
+            <ac:spMk id="3" creationId="{C3708F4E-CE80-4B9A-8AA2-820FAA563440}"/>
+          </ac:spMkLst>
+        </pc:spChg>
+        <pc:spChg chg="add mod">
+          <ac:chgData name="sourovtalukder69@gmail.com" userId="cbc4c1c8925b0f38" providerId="LiveId" clId="{866442A1-97D0-4EFA-9AAC-56F7F34526AA}" dt="2025-11-17T14:11:25.684" v="1123"/>
+          <ac:spMkLst>
+            <pc:docMk/>
+            <pc:sldMk cId="3383594600" sldId="259"/>
+            <ac:spMk id="4" creationId="{F37D2F9F-32C2-4007-9386-FF912BAC6DD1}"/>
+          </ac:spMkLst>
+        </pc:spChg>
+        <pc:spChg chg="mod">
+          <ac:chgData name="sourovtalukder69@gmail.com" userId="cbc4c1c8925b0f38" providerId="LiveId" clId="{866442A1-97D0-4EFA-9AAC-56F7F34526AA}" dt="2025-11-17T14:11:25.684" v="1123"/>
+          <ac:spMkLst>
+            <pc:docMk/>
+            <pc:sldMk cId="3383594600" sldId="259"/>
+            <ac:spMk id="9" creationId="{F7380DDD-973E-46D0-A95E-3BE6702069C9}"/>
+          </ac:spMkLst>
+        </pc:spChg>
+        <pc:spChg chg="mod">
+          <ac:chgData name="sourovtalukder69@gmail.com" userId="cbc4c1c8925b0f38" providerId="LiveId" clId="{866442A1-97D0-4EFA-9AAC-56F7F34526AA}" dt="2025-11-17T14:11:25.684" v="1123"/>
+          <ac:spMkLst>
+            <pc:docMk/>
+            <pc:sldMk cId="3383594600" sldId="259"/>
+            <ac:spMk id="11" creationId="{2A0E3186-0D08-440F-A77C-30F4B9EC9034}"/>
+          </ac:spMkLst>
+        </pc:spChg>
+        <pc:spChg chg="mod">
+          <ac:chgData name="sourovtalukder69@gmail.com" userId="cbc4c1c8925b0f38" providerId="LiveId" clId="{866442A1-97D0-4EFA-9AAC-56F7F34526AA}" dt="2025-11-17T14:11:25.684" v="1123"/>
+          <ac:spMkLst>
+            <pc:docMk/>
+            <pc:sldMk cId="3383594600" sldId="259"/>
+            <ac:spMk id="12" creationId="{428B58AD-6B73-4A01-8E59-70D6AA3AEBF2}"/>
+          </ac:spMkLst>
+        </pc:spChg>
+        <pc:spChg chg="mod">
+          <ac:chgData name="sourovtalukder69@gmail.com" userId="cbc4c1c8925b0f38" providerId="LiveId" clId="{866442A1-97D0-4EFA-9AAC-56F7F34526AA}" dt="2025-11-17T14:11:25.684" v="1123"/>
+          <ac:spMkLst>
+            <pc:docMk/>
+            <pc:sldMk cId="3383594600" sldId="259"/>
+            <ac:spMk id="13" creationId="{02BF6A6E-FF8C-43E4-91A9-BA782273A25A}"/>
+          </ac:spMkLst>
+        </pc:spChg>
+        <pc:spChg chg="mod">
+          <ac:chgData name="sourovtalukder69@gmail.com" userId="cbc4c1c8925b0f38" providerId="LiveId" clId="{866442A1-97D0-4EFA-9AAC-56F7F34526AA}" dt="2025-11-17T14:11:25.684" v="1123"/>
+          <ac:spMkLst>
+            <pc:docMk/>
+            <pc:sldMk cId="3383594600" sldId="259"/>
+            <ac:spMk id="15" creationId="{7F95BDBC-C819-4404-B0A3-5C25701246B1}"/>
+          </ac:spMkLst>
+        </pc:spChg>
+        <pc:spChg chg="add mod">
+          <ac:chgData name="sourovtalukder69@gmail.com" userId="cbc4c1c8925b0f38" providerId="LiveId" clId="{866442A1-97D0-4EFA-9AAC-56F7F34526AA}" dt="2025-11-17T14:11:25.684" v="1123"/>
+          <ac:spMkLst>
+            <pc:docMk/>
+            <pc:sldMk cId="3383594600" sldId="259"/>
+            <ac:spMk id="16" creationId="{F8E02639-D3F0-455E-B31E-69CC5EFF098E}"/>
+          </ac:spMkLst>
+        </pc:spChg>
+        <pc:spChg chg="mod">
+          <ac:chgData name="sourovtalukder69@gmail.com" userId="cbc4c1c8925b0f38" providerId="LiveId" clId="{866442A1-97D0-4EFA-9AAC-56F7F34526AA}" dt="2025-11-17T14:11:25.684" v="1123"/>
+          <ac:spMkLst>
+            <pc:docMk/>
+            <pc:sldMk cId="3383594600" sldId="259"/>
+            <ac:spMk id="17" creationId="{EE225A4A-67BD-4F79-84D7-A6A14B5EEEE2}"/>
+          </ac:spMkLst>
+        </pc:spChg>
+        <pc:spChg chg="mod">
+          <ac:chgData name="sourovtalukder69@gmail.com" userId="cbc4c1c8925b0f38" providerId="LiveId" clId="{866442A1-97D0-4EFA-9AAC-56F7F34526AA}" dt="2025-11-17T14:11:25.684" v="1123"/>
+          <ac:spMkLst>
+            <pc:docMk/>
+            <pc:sldMk cId="3383594600" sldId="259"/>
+            <ac:spMk id="18" creationId="{FD2DFD5B-E0AD-4C65-BD45-1ED908A7BA07}"/>
+          </ac:spMkLst>
+        </pc:spChg>
+        <pc:spChg chg="mod">
+          <ac:chgData name="sourovtalukder69@gmail.com" userId="cbc4c1c8925b0f38" providerId="LiveId" clId="{866442A1-97D0-4EFA-9AAC-56F7F34526AA}" dt="2025-11-17T14:11:25.684" v="1123"/>
+          <ac:spMkLst>
+            <pc:docMk/>
+            <pc:sldMk cId="3383594600" sldId="259"/>
+            <ac:spMk id="19" creationId="{C9FFC704-D7AA-44AA-B963-1A3B79CE523D}"/>
+          </ac:spMkLst>
+        </pc:spChg>
+        <pc:spChg chg="mod">
+          <ac:chgData name="sourovtalukder69@gmail.com" userId="cbc4c1c8925b0f38" providerId="LiveId" clId="{866442A1-97D0-4EFA-9AAC-56F7F34526AA}" dt="2025-11-17T14:11:25.684" v="1123"/>
+          <ac:spMkLst>
+            <pc:docMk/>
+            <pc:sldMk cId="3383594600" sldId="259"/>
+            <ac:spMk id="21" creationId="{FADA3E3F-24E6-4865-9599-F0AC00463A37}"/>
+          </ac:spMkLst>
+        </pc:spChg>
+        <pc:spChg chg="mod">
+          <ac:chgData name="sourovtalukder69@gmail.com" userId="cbc4c1c8925b0f38" providerId="LiveId" clId="{866442A1-97D0-4EFA-9AAC-56F7F34526AA}" dt="2025-11-17T14:11:25.684" v="1123"/>
+          <ac:spMkLst>
+            <pc:docMk/>
+            <pc:sldMk cId="3383594600" sldId="259"/>
+            <ac:spMk id="22" creationId="{6CD75328-BDE2-4487-A24B-7A71B759F9CA}"/>
+          </ac:spMkLst>
+        </pc:spChg>
+        <pc:spChg chg="add mod">
+          <ac:chgData name="sourovtalukder69@gmail.com" userId="cbc4c1c8925b0f38" providerId="LiveId" clId="{866442A1-97D0-4EFA-9AAC-56F7F34526AA}" dt="2025-11-17T14:11:25.684" v="1123"/>
+          <ac:spMkLst>
+            <pc:docMk/>
+            <pc:sldMk cId="3383594600" sldId="259"/>
+            <ac:spMk id="23" creationId="{211FC2C2-7603-4D93-B8CB-1C5AE3D3BAAC}"/>
+          </ac:spMkLst>
+        </pc:spChg>
+        <pc:spChg chg="add mod">
+          <ac:chgData name="sourovtalukder69@gmail.com" userId="cbc4c1c8925b0f38" providerId="LiveId" clId="{866442A1-97D0-4EFA-9AAC-56F7F34526AA}" dt="2025-11-17T14:11:25.684" v="1123"/>
+          <ac:spMkLst>
+            <pc:docMk/>
+            <pc:sldMk cId="3383594600" sldId="259"/>
+            <ac:spMk id="24" creationId="{0FEC75C1-A38E-43F2-B49E-BCCC98B7E5E2}"/>
+          </ac:spMkLst>
+        </pc:spChg>
+        <pc:spChg chg="add mod">
+          <ac:chgData name="sourovtalukder69@gmail.com" userId="cbc4c1c8925b0f38" providerId="LiveId" clId="{866442A1-97D0-4EFA-9AAC-56F7F34526AA}" dt="2025-11-17T14:11:25.684" v="1123"/>
+          <ac:spMkLst>
+            <pc:docMk/>
+            <pc:sldMk cId="3383594600" sldId="259"/>
+            <ac:spMk id="25" creationId="{CC98E4B8-21AD-454F-9CC3-10CB34CFD04D}"/>
+          </ac:spMkLst>
+        </pc:spChg>
+        <pc:picChg chg="mod">
+          <ac:chgData name="sourovtalukder69@gmail.com" userId="cbc4c1c8925b0f38" providerId="LiveId" clId="{866442A1-97D0-4EFA-9AAC-56F7F34526AA}" dt="2025-11-17T14:11:25.684" v="1123"/>
+          <ac:picMkLst>
+            <pc:docMk/>
+            <pc:sldMk cId="3383594600" sldId="259"/>
+            <ac:picMk id="20" creationId="{C5AFF610-9A9C-459E-868C-1ABFEDA6413B}"/>
+          </ac:picMkLst>
+        </pc:picChg>
+        <pc:cxnChg chg="mod">
+          <ac:chgData name="sourovtalukder69@gmail.com" userId="cbc4c1c8925b0f38" providerId="LiveId" clId="{866442A1-97D0-4EFA-9AAC-56F7F34526AA}" dt="2025-11-17T14:11:25.684" v="1123"/>
+          <ac:cxnSpMkLst>
+            <pc:docMk/>
+            <pc:sldMk cId="3383594600" sldId="259"/>
+            <ac:cxnSpMk id="14" creationId="{3D55CEB3-A522-41A9-91BD-ADF144B33741}"/>
+          </ac:cxnSpMkLst>
+        </pc:cxnChg>
+      </pc:sldChg>
+      <pc:sldChg chg="addSp delSp modSp add mod modNotes">
+        <pc:chgData name="sourovtalukder69@gmail.com" userId="cbc4c1c8925b0f38" providerId="LiveId" clId="{866442A1-97D0-4EFA-9AAC-56F7F34526AA}" dt="2025-11-17T14:16:12.219" v="1198" actId="20577"/>
+        <pc:sldMkLst>
+          <pc:docMk/>
+          <pc:sldMk cId="4142914728" sldId="260"/>
+        </pc:sldMkLst>
+        <pc:spChg chg="mod">
+          <ac:chgData name="sourovtalukder69@gmail.com" userId="cbc4c1c8925b0f38" providerId="LiveId" clId="{866442A1-97D0-4EFA-9AAC-56F7F34526AA}" dt="2025-11-17T14:11:25.684" v="1123"/>
+          <ac:spMkLst>
+            <pc:docMk/>
+            <pc:sldMk cId="4142914728" sldId="260"/>
+            <ac:spMk id="2" creationId="{E9A5C1B0-9443-4E3E-BC18-A9B5F7BE7ED8}"/>
+          </ac:spMkLst>
+        </pc:spChg>
+        <pc:spChg chg="del">
+          <ac:chgData name="sourovtalukder69@gmail.com" userId="cbc4c1c8925b0f38" providerId="LiveId" clId="{866442A1-97D0-4EFA-9AAC-56F7F34526AA}" dt="2025-11-17T14:04:50.613" v="1103" actId="478"/>
+          <ac:spMkLst>
+            <pc:docMk/>
+            <pc:sldMk cId="4142914728" sldId="260"/>
+            <ac:spMk id="3" creationId="{C3708F4E-CE80-4B9A-8AA2-820FAA563440}"/>
+          </ac:spMkLst>
+        </pc:spChg>
+        <pc:spChg chg="mod">
+          <ac:chgData name="sourovtalukder69@gmail.com" userId="cbc4c1c8925b0f38" providerId="LiveId" clId="{866442A1-97D0-4EFA-9AAC-56F7F34526AA}" dt="2025-11-17T14:11:25.684" v="1123"/>
+          <ac:spMkLst>
+            <pc:docMk/>
+            <pc:sldMk cId="4142914728" sldId="260"/>
+            <ac:spMk id="4" creationId="{F37D2F9F-32C2-4007-9386-FF912BAC6DD1}"/>
+          </ac:spMkLst>
+        </pc:spChg>
+        <pc:spChg chg="add del mod">
+          <ac:chgData name="sourovtalukder69@gmail.com" userId="cbc4c1c8925b0f38" providerId="LiveId" clId="{866442A1-97D0-4EFA-9AAC-56F7F34526AA}" dt="2025-11-17T14:11:26.098" v="1124" actId="11529"/>
+          <ac:spMkLst>
+            <pc:docMk/>
+            <pc:sldMk cId="4142914728" sldId="260"/>
+            <ac:spMk id="5" creationId="{326F3D49-433F-4281-90C6-44281D55CFCC}"/>
+          </ac:spMkLst>
+        </pc:spChg>
+        <pc:spChg chg="add mod">
+          <ac:chgData name="sourovtalukder69@gmail.com" userId="cbc4c1c8925b0f38" providerId="LiveId" clId="{866442A1-97D0-4EFA-9AAC-56F7F34526AA}" dt="2025-11-17T14:12:36.340" v="1128" actId="14100"/>
+          <ac:spMkLst>
+            <pc:docMk/>
+            <pc:sldMk cId="4142914728" sldId="260"/>
+            <ac:spMk id="6" creationId="{28F99EEF-6A16-48CF-904D-B859D99479CA}"/>
+          </ac:spMkLst>
+        </pc:spChg>
+        <pc:spChg chg="add mod">
+          <ac:chgData name="sourovtalukder69@gmail.com" userId="cbc4c1c8925b0f38" providerId="LiveId" clId="{866442A1-97D0-4EFA-9AAC-56F7F34526AA}" dt="2025-11-17T14:13:48.392" v="1140" actId="1076"/>
+          <ac:spMkLst>
+            <pc:docMk/>
+            <pc:sldMk cId="4142914728" sldId="260"/>
+            <ac:spMk id="7" creationId="{14326564-E564-4F4A-9C43-7D8DD48F5C9E}"/>
+          </ac:spMkLst>
+        </pc:spChg>
+        <pc:spChg chg="add mod">
+          <ac:chgData name="sourovtalukder69@gmail.com" userId="cbc4c1c8925b0f38" providerId="LiveId" clId="{866442A1-97D0-4EFA-9AAC-56F7F34526AA}" dt="2025-11-17T14:15:37.202" v="1182" actId="20577"/>
+          <ac:spMkLst>
+            <pc:docMk/>
+            <pc:sldMk cId="4142914728" sldId="260"/>
+            <ac:spMk id="8" creationId="{81FB074F-5A11-4971-BEB2-7A6BDA026471}"/>
+          </ac:spMkLst>
+        </pc:spChg>
+        <pc:spChg chg="del">
+          <ac:chgData name="sourovtalukder69@gmail.com" userId="cbc4c1c8925b0f38" providerId="LiveId" clId="{866442A1-97D0-4EFA-9AAC-56F7F34526AA}" dt="2025-11-17T14:04:50.613" v="1103" actId="478"/>
+          <ac:spMkLst>
+            <pc:docMk/>
+            <pc:sldMk cId="4142914728" sldId="260"/>
+            <ac:spMk id="9" creationId="{F7380DDD-973E-46D0-A95E-3BE6702069C9}"/>
+          </ac:spMkLst>
+        </pc:spChg>
+        <pc:spChg chg="del">
+          <ac:chgData name="sourovtalukder69@gmail.com" userId="cbc4c1c8925b0f38" providerId="LiveId" clId="{866442A1-97D0-4EFA-9AAC-56F7F34526AA}" dt="2025-11-17T14:04:50.613" v="1103" actId="478"/>
+          <ac:spMkLst>
+            <pc:docMk/>
+            <pc:sldMk cId="4142914728" sldId="260"/>
+            <ac:spMk id="11" creationId="{2A0E3186-0D08-440F-A77C-30F4B9EC9034}"/>
+          </ac:spMkLst>
+        </pc:spChg>
+        <pc:spChg chg="del">
+          <ac:chgData name="sourovtalukder69@gmail.com" userId="cbc4c1c8925b0f38" providerId="LiveId" clId="{866442A1-97D0-4EFA-9AAC-56F7F34526AA}" dt="2025-11-17T14:04:50.613" v="1103" actId="478"/>
+          <ac:spMkLst>
+            <pc:docMk/>
+            <pc:sldMk cId="4142914728" sldId="260"/>
+            <ac:spMk id="12" creationId="{428B58AD-6B73-4A01-8E59-70D6AA3AEBF2}"/>
+          </ac:spMkLst>
+        </pc:spChg>
+        <pc:spChg chg="del">
+          <ac:chgData name="sourovtalukder69@gmail.com" userId="cbc4c1c8925b0f38" providerId="LiveId" clId="{866442A1-97D0-4EFA-9AAC-56F7F34526AA}" dt="2025-11-17T14:04:50.613" v="1103" actId="478"/>
+          <ac:spMkLst>
+            <pc:docMk/>
+            <pc:sldMk cId="4142914728" sldId="260"/>
+            <ac:spMk id="13" creationId="{02BF6A6E-FF8C-43E4-91A9-BA782273A25A}"/>
+          </ac:spMkLst>
+        </pc:spChg>
+        <pc:spChg chg="del">
+          <ac:chgData name="sourovtalukder69@gmail.com" userId="cbc4c1c8925b0f38" providerId="LiveId" clId="{866442A1-97D0-4EFA-9AAC-56F7F34526AA}" dt="2025-11-17T14:04:50.613" v="1103" actId="478"/>
+          <ac:spMkLst>
+            <pc:docMk/>
+            <pc:sldMk cId="4142914728" sldId="260"/>
+            <ac:spMk id="15" creationId="{7F95BDBC-C819-4404-B0A3-5C25701246B1}"/>
+          </ac:spMkLst>
+        </pc:spChg>
+        <pc:spChg chg="mod">
+          <ac:chgData name="sourovtalukder69@gmail.com" userId="cbc4c1c8925b0f38" providerId="LiveId" clId="{866442A1-97D0-4EFA-9AAC-56F7F34526AA}" dt="2025-11-17T14:11:25.684" v="1123"/>
+          <ac:spMkLst>
+            <pc:docMk/>
+            <pc:sldMk cId="4142914728" sldId="260"/>
+            <ac:spMk id="16" creationId="{F8E02639-D3F0-455E-B31E-69CC5EFF098E}"/>
+          </ac:spMkLst>
+        </pc:spChg>
+        <pc:spChg chg="del">
+          <ac:chgData name="sourovtalukder69@gmail.com" userId="cbc4c1c8925b0f38" providerId="LiveId" clId="{866442A1-97D0-4EFA-9AAC-56F7F34526AA}" dt="2025-11-17T14:04:50.613" v="1103" actId="478"/>
+          <ac:spMkLst>
+            <pc:docMk/>
+            <pc:sldMk cId="4142914728" sldId="260"/>
+            <ac:spMk id="17" creationId="{EE225A4A-67BD-4F79-84D7-A6A14B5EEEE2}"/>
+          </ac:spMkLst>
+        </pc:spChg>
+        <pc:spChg chg="del">
+          <ac:chgData name="sourovtalukder69@gmail.com" userId="cbc4c1c8925b0f38" providerId="LiveId" clId="{866442A1-97D0-4EFA-9AAC-56F7F34526AA}" dt="2025-11-17T14:04:50.613" v="1103" actId="478"/>
+          <ac:spMkLst>
+            <pc:docMk/>
+            <pc:sldMk cId="4142914728" sldId="260"/>
+            <ac:spMk id="18" creationId="{FD2DFD5B-E0AD-4C65-BD45-1ED908A7BA07}"/>
+          </ac:spMkLst>
+        </pc:spChg>
+        <pc:spChg chg="del">
+          <ac:chgData name="sourovtalukder69@gmail.com" userId="cbc4c1c8925b0f38" providerId="LiveId" clId="{866442A1-97D0-4EFA-9AAC-56F7F34526AA}" dt="2025-11-17T14:04:53.009" v="1105" actId="478"/>
+          <ac:spMkLst>
+            <pc:docMk/>
+            <pc:sldMk cId="4142914728" sldId="260"/>
+            <ac:spMk id="19" creationId="{C9FFC704-D7AA-44AA-B963-1A3B79CE523D}"/>
+          </ac:spMkLst>
+        </pc:spChg>
+        <pc:spChg chg="del">
+          <ac:chgData name="sourovtalukder69@gmail.com" userId="cbc4c1c8925b0f38" providerId="LiveId" clId="{866442A1-97D0-4EFA-9AAC-56F7F34526AA}" dt="2025-11-17T14:04:52.297" v="1104" actId="478"/>
+          <ac:spMkLst>
+            <pc:docMk/>
+            <pc:sldMk cId="4142914728" sldId="260"/>
+            <ac:spMk id="21" creationId="{FADA3E3F-24E6-4865-9599-F0AC00463A37}"/>
+          </ac:spMkLst>
+        </pc:spChg>
+        <pc:spChg chg="del mod">
+          <ac:chgData name="sourovtalukder69@gmail.com" userId="cbc4c1c8925b0f38" providerId="LiveId" clId="{866442A1-97D0-4EFA-9AAC-56F7F34526AA}" dt="2025-11-17T14:05:20.645" v="1108" actId="478"/>
+          <ac:spMkLst>
+            <pc:docMk/>
+            <pc:sldMk cId="4142914728" sldId="260"/>
+            <ac:spMk id="22" creationId="{6CD75328-BDE2-4487-A24B-7A71B759F9CA}"/>
+          </ac:spMkLst>
+        </pc:spChg>
+        <pc:spChg chg="mod">
+          <ac:chgData name="sourovtalukder69@gmail.com" userId="cbc4c1c8925b0f38" providerId="LiveId" clId="{866442A1-97D0-4EFA-9AAC-56F7F34526AA}" dt="2025-11-17T14:11:25.684" v="1123"/>
+          <ac:spMkLst>
+            <pc:docMk/>
+            <pc:sldMk cId="4142914728" sldId="260"/>
+            <ac:spMk id="23" creationId="{211FC2C2-7603-4D93-B8CB-1C5AE3D3BAAC}"/>
+          </ac:spMkLst>
+        </pc:spChg>
+        <pc:spChg chg="mod">
+          <ac:chgData name="sourovtalukder69@gmail.com" userId="cbc4c1c8925b0f38" providerId="LiveId" clId="{866442A1-97D0-4EFA-9AAC-56F7F34526AA}" dt="2025-11-17T14:14:29.347" v="1143" actId="1076"/>
+          <ac:spMkLst>
+            <pc:docMk/>
+            <pc:sldMk cId="4142914728" sldId="260"/>
+            <ac:spMk id="24" creationId="{0FEC75C1-A38E-43F2-B49E-BCCC98B7E5E2}"/>
+          </ac:spMkLst>
+        </pc:spChg>
+        <pc:spChg chg="mod">
+          <ac:chgData name="sourovtalukder69@gmail.com" userId="cbc4c1c8925b0f38" providerId="LiveId" clId="{866442A1-97D0-4EFA-9AAC-56F7F34526AA}" dt="2025-11-17T14:14:31.923" v="1144" actId="1076"/>
+          <ac:spMkLst>
+            <pc:docMk/>
+            <pc:sldMk cId="4142914728" sldId="260"/>
+            <ac:spMk id="25" creationId="{CC98E4B8-21AD-454F-9CC3-10CB34CFD04D}"/>
+          </ac:spMkLst>
+        </pc:spChg>
+        <pc:spChg chg="add mod">
+          <ac:chgData name="sourovtalukder69@gmail.com" userId="cbc4c1c8925b0f38" providerId="LiveId" clId="{866442A1-97D0-4EFA-9AAC-56F7F34526AA}" dt="2025-11-17T14:12:41.949" v="1130" actId="1076"/>
+          <ac:spMkLst>
+            <pc:docMk/>
+            <pc:sldMk cId="4142914728" sldId="260"/>
+            <ac:spMk id="26" creationId="{C53E798D-ACFB-462C-9A7A-4B420B89CA8F}"/>
+          </ac:spMkLst>
+        </pc:spChg>
+        <pc:spChg chg="add mod">
+          <ac:chgData name="sourovtalukder69@gmail.com" userId="cbc4c1c8925b0f38" providerId="LiveId" clId="{866442A1-97D0-4EFA-9AAC-56F7F34526AA}" dt="2025-11-17T14:16:12.219" v="1198" actId="20577"/>
+          <ac:spMkLst>
+            <pc:docMk/>
+            <pc:sldMk cId="4142914728" sldId="260"/>
+            <ac:spMk id="27" creationId="{6D957B00-A015-4A07-8066-DF581A0EC2B5}"/>
+          </ac:spMkLst>
+        </pc:spChg>
+        <pc:picChg chg="del">
+          <ac:chgData name="sourovtalukder69@gmail.com" userId="cbc4c1c8925b0f38" providerId="LiveId" clId="{866442A1-97D0-4EFA-9AAC-56F7F34526AA}" dt="2025-11-17T14:04:50.613" v="1103" actId="478"/>
+          <ac:picMkLst>
+            <pc:docMk/>
+            <pc:sldMk cId="4142914728" sldId="260"/>
+            <ac:picMk id="20" creationId="{C5AFF610-9A9C-459E-868C-1ABFEDA6413B}"/>
+          </ac:picMkLst>
+        </pc:picChg>
+        <pc:cxnChg chg="del">
+          <ac:chgData name="sourovtalukder69@gmail.com" userId="cbc4c1c8925b0f38" providerId="LiveId" clId="{866442A1-97D0-4EFA-9AAC-56F7F34526AA}" dt="2025-11-17T14:04:50.613" v="1103" actId="478"/>
+          <ac:cxnSpMkLst>
+            <pc:docMk/>
+            <pc:sldMk cId="4142914728" sldId="260"/>
+            <ac:cxnSpMk id="14" creationId="{3D55CEB3-A522-41A9-91BD-ADF144B33741}"/>
+          </ac:cxnSpMkLst>
+        </pc:cxnChg>
+      </pc:sldChg>
+      <pc:sldChg chg="addSp delSp modSp add del mod">
+        <pc:chgData name="sourovtalukder69@gmail.com" userId="cbc4c1c8925b0f38" providerId="LiveId" clId="{866442A1-97D0-4EFA-9AAC-56F7F34526AA}" dt="2025-11-18T10:49:49.296" v="1263" actId="1076"/>
+        <pc:sldMkLst>
+          <pc:docMk/>
+          <pc:sldMk cId="2183014758" sldId="261"/>
+        </pc:sldMkLst>
+        <pc:spChg chg="del">
+          <ac:chgData name="sourovtalukder69@gmail.com" userId="cbc4c1c8925b0f38" providerId="LiveId" clId="{866442A1-97D0-4EFA-9AAC-56F7F34526AA}" dt="2025-11-18T10:49:02.921" v="1217" actId="478"/>
+          <ac:spMkLst>
+            <pc:docMk/>
+            <pc:sldMk cId="2183014758" sldId="261"/>
+            <ac:spMk id="2" creationId="{E9A5C1B0-9443-4E3E-BC18-A9B5F7BE7ED8}"/>
+          </ac:spMkLst>
+        </pc:spChg>
+        <pc:spChg chg="del">
+          <ac:chgData name="sourovtalukder69@gmail.com" userId="cbc4c1c8925b0f38" providerId="LiveId" clId="{866442A1-97D0-4EFA-9AAC-56F7F34526AA}" dt="2025-11-18T10:49:02.921" v="1217" actId="478"/>
+          <ac:spMkLst>
+            <pc:docMk/>
+            <pc:sldMk cId="2183014758" sldId="261"/>
+            <ac:spMk id="4" creationId="{F37D2F9F-32C2-4007-9386-FF912BAC6DD1}"/>
+          </ac:spMkLst>
+        </pc:spChg>
+        <pc:spChg chg="del">
+          <ac:chgData name="sourovtalukder69@gmail.com" userId="cbc4c1c8925b0f38" providerId="LiveId" clId="{866442A1-97D0-4EFA-9AAC-56F7F34526AA}" dt="2025-11-18T10:49:00.526" v="1216" actId="478"/>
+          <ac:spMkLst>
+            <pc:docMk/>
+            <pc:sldMk cId="2183014758" sldId="261"/>
+            <ac:spMk id="6" creationId="{28F99EEF-6A16-48CF-904D-B859D99479CA}"/>
+          </ac:spMkLst>
+        </pc:spChg>
+        <pc:spChg chg="del">
+          <ac:chgData name="sourovtalukder69@gmail.com" userId="cbc4c1c8925b0f38" providerId="LiveId" clId="{866442A1-97D0-4EFA-9AAC-56F7F34526AA}" dt="2025-11-18T10:49:02.921" v="1217" actId="478"/>
+          <ac:spMkLst>
+            <pc:docMk/>
+            <pc:sldMk cId="2183014758" sldId="261"/>
+            <ac:spMk id="7" creationId="{14326564-E564-4F4A-9C43-7D8DD48F5C9E}"/>
+          </ac:spMkLst>
+        </pc:spChg>
+        <pc:spChg chg="del">
+          <ac:chgData name="sourovtalukder69@gmail.com" userId="cbc4c1c8925b0f38" providerId="LiveId" clId="{866442A1-97D0-4EFA-9AAC-56F7F34526AA}" dt="2025-11-18T10:49:02.921" v="1217" actId="478"/>
+          <ac:spMkLst>
+            <pc:docMk/>
+            <pc:sldMk cId="2183014758" sldId="261"/>
+            <ac:spMk id="8" creationId="{81FB074F-5A11-4971-BEB2-7A6BDA026471}"/>
+          </ac:spMkLst>
+        </pc:spChg>
+        <pc:spChg chg="add mod">
+          <ac:chgData name="sourovtalukder69@gmail.com" userId="cbc4c1c8925b0f38" providerId="LiveId" clId="{866442A1-97D0-4EFA-9AAC-56F7F34526AA}" dt="2025-11-18T10:49:49.296" v="1263" actId="1076"/>
+          <ac:spMkLst>
+            <pc:docMk/>
+            <pc:sldMk cId="2183014758" sldId="261"/>
+            <ac:spMk id="13" creationId="{99EFF667-58DC-46A8-85E2-75EDC32EAC93}"/>
+          </ac:spMkLst>
+        </pc:spChg>
+        <pc:spChg chg="del">
+          <ac:chgData name="sourovtalukder69@gmail.com" userId="cbc4c1c8925b0f38" providerId="LiveId" clId="{866442A1-97D0-4EFA-9AAC-56F7F34526AA}" dt="2025-11-18T10:49:02.921" v="1217" actId="478"/>
+          <ac:spMkLst>
+            <pc:docMk/>
+            <pc:sldMk cId="2183014758" sldId="261"/>
+            <ac:spMk id="16" creationId="{F8E02639-D3F0-455E-B31E-69CC5EFF098E}"/>
+          </ac:spMkLst>
+        </pc:spChg>
+        <pc:spChg chg="del">
+          <ac:chgData name="sourovtalukder69@gmail.com" userId="cbc4c1c8925b0f38" providerId="LiveId" clId="{866442A1-97D0-4EFA-9AAC-56F7F34526AA}" dt="2025-11-18T10:49:02.921" v="1217" actId="478"/>
+          <ac:spMkLst>
+            <pc:docMk/>
+            <pc:sldMk cId="2183014758" sldId="261"/>
+            <ac:spMk id="23" creationId="{211FC2C2-7603-4D93-B8CB-1C5AE3D3BAAC}"/>
+          </ac:spMkLst>
+        </pc:spChg>
+        <pc:spChg chg="del">
+          <ac:chgData name="sourovtalukder69@gmail.com" userId="cbc4c1c8925b0f38" providerId="LiveId" clId="{866442A1-97D0-4EFA-9AAC-56F7F34526AA}" dt="2025-11-18T10:49:02.921" v="1217" actId="478"/>
+          <ac:spMkLst>
+            <pc:docMk/>
+            <pc:sldMk cId="2183014758" sldId="261"/>
+            <ac:spMk id="24" creationId="{0FEC75C1-A38E-43F2-B49E-BCCC98B7E5E2}"/>
+          </ac:spMkLst>
+        </pc:spChg>
+        <pc:spChg chg="del">
+          <ac:chgData name="sourovtalukder69@gmail.com" userId="cbc4c1c8925b0f38" providerId="LiveId" clId="{866442A1-97D0-4EFA-9AAC-56F7F34526AA}" dt="2025-11-18T10:49:02.921" v="1217" actId="478"/>
+          <ac:spMkLst>
+            <pc:docMk/>
+            <pc:sldMk cId="2183014758" sldId="261"/>
+            <ac:spMk id="25" creationId="{CC98E4B8-21AD-454F-9CC3-10CB34CFD04D}"/>
+          </ac:spMkLst>
+        </pc:spChg>
+        <pc:spChg chg="del">
+          <ac:chgData name="sourovtalukder69@gmail.com" userId="cbc4c1c8925b0f38" providerId="LiveId" clId="{866442A1-97D0-4EFA-9AAC-56F7F34526AA}" dt="2025-11-18T10:49:02.921" v="1217" actId="478"/>
+          <ac:spMkLst>
+            <pc:docMk/>
+            <pc:sldMk cId="2183014758" sldId="261"/>
+            <ac:spMk id="26" creationId="{C53E798D-ACFB-462C-9A7A-4B420B89CA8F}"/>
+          </ac:spMkLst>
+        </pc:spChg>
+        <pc:spChg chg="del">
+          <ac:chgData name="sourovtalukder69@gmail.com" userId="cbc4c1c8925b0f38" providerId="LiveId" clId="{866442A1-97D0-4EFA-9AAC-56F7F34526AA}" dt="2025-11-18T10:49:02.921" v="1217" actId="478"/>
+          <ac:spMkLst>
+            <pc:docMk/>
+            <pc:sldMk cId="2183014758" sldId="261"/>
+            <ac:spMk id="27" creationId="{6D957B00-A015-4A07-8066-DF581A0EC2B5}"/>
+          </ac:spMkLst>
+        </pc:spChg>
+      </pc:sldChg>
+      <pc:sldMasterChg chg="modSp modSldLayout">
+        <pc:chgData name="sourovtalukder69@gmail.com" userId="cbc4c1c8925b0f38" providerId="LiveId" clId="{866442A1-97D0-4EFA-9AAC-56F7F34526AA}" dt="2025-11-17T14:11:25.684" v="1123"/>
+        <pc:sldMasterMkLst>
+          <pc:docMk/>
+          <pc:sldMasterMk cId="3059534897" sldId="2147483648"/>
+        </pc:sldMasterMkLst>
+        <pc:spChg chg="mod">
+          <ac:chgData name="sourovtalukder69@gmail.com" userId="cbc4c1c8925b0f38" providerId="LiveId" clId="{866442A1-97D0-4EFA-9AAC-56F7F34526AA}" dt="2025-11-17T14:11:25.684" v="1123"/>
+          <ac:spMkLst>
+            <pc:docMk/>
+            <pc:sldMasterMk cId="3059534897" sldId="2147483648"/>
+            <ac:spMk id="2" creationId="{036949F0-FAE6-43E6-B9DF-4EC937073712}"/>
+          </ac:spMkLst>
+        </pc:spChg>
+        <pc:spChg chg="mod">
+          <ac:chgData name="sourovtalukder69@gmail.com" userId="cbc4c1c8925b0f38" providerId="LiveId" clId="{866442A1-97D0-4EFA-9AAC-56F7F34526AA}" dt="2025-11-17T14:11:25.684" v="1123"/>
+          <ac:spMkLst>
+            <pc:docMk/>
+            <pc:sldMasterMk cId="3059534897" sldId="2147483648"/>
+            <ac:spMk id="3" creationId="{80E9C3AA-EB6A-4FCE-848A-40A07A618228}"/>
+          </ac:spMkLst>
+        </pc:spChg>
+        <pc:spChg chg="mod">
+          <ac:chgData name="sourovtalukder69@gmail.com" userId="cbc4c1c8925b0f38" providerId="LiveId" clId="{866442A1-97D0-4EFA-9AAC-56F7F34526AA}" dt="2025-11-17T14:11:25.684" v="1123"/>
+          <ac:spMkLst>
+            <pc:docMk/>
+            <pc:sldMasterMk cId="3059534897" sldId="2147483648"/>
+            <ac:spMk id="4" creationId="{626F6D01-DF62-4280-B3D0-732AA1D867BF}"/>
+          </ac:spMkLst>
+        </pc:spChg>
+        <pc:spChg chg="mod">
+          <ac:chgData name="sourovtalukder69@gmail.com" userId="cbc4c1c8925b0f38" providerId="LiveId" clId="{866442A1-97D0-4EFA-9AAC-56F7F34526AA}" dt="2025-11-17T14:11:25.684" v="1123"/>
+          <ac:spMkLst>
+            <pc:docMk/>
+            <pc:sldMasterMk cId="3059534897" sldId="2147483648"/>
+            <ac:spMk id="5" creationId="{0065AD0F-B056-4F61-AEAD-06B2D62A37C7}"/>
+          </ac:spMkLst>
+        </pc:spChg>
+        <pc:spChg chg="mod">
+          <ac:chgData name="sourovtalukder69@gmail.com" userId="cbc4c1c8925b0f38" providerId="LiveId" clId="{866442A1-97D0-4EFA-9AAC-56F7F34526AA}" dt="2025-11-17T14:11:25.684" v="1123"/>
+          <ac:spMkLst>
+            <pc:docMk/>
+            <pc:sldMasterMk cId="3059534897" sldId="2147483648"/>
+            <ac:spMk id="6" creationId="{BF52E5E8-F22D-46AC-B529-B9FFBBEC7DCF}"/>
+          </ac:spMkLst>
+        </pc:spChg>
+        <pc:sldLayoutChg chg="modSp">
+          <pc:chgData name="sourovtalukder69@gmail.com" userId="cbc4c1c8925b0f38" providerId="LiveId" clId="{866442A1-97D0-4EFA-9AAC-56F7F34526AA}" dt="2025-11-17T14:11:25.684" v="1123"/>
+          <pc:sldLayoutMkLst>
+            <pc:docMk/>
+            <pc:sldMasterMk cId="3059534897" sldId="2147483648"/>
+            <pc:sldLayoutMk cId="1833166951" sldId="2147483649"/>
+          </pc:sldLayoutMkLst>
+          <pc:spChg chg="mod">
+            <ac:chgData name="sourovtalukder69@gmail.com" userId="cbc4c1c8925b0f38" providerId="LiveId" clId="{866442A1-97D0-4EFA-9AAC-56F7F34526AA}" dt="2025-11-17T14:11:25.684" v="1123"/>
+            <ac:spMkLst>
+              <pc:docMk/>
+              <pc:sldMasterMk cId="3059534897" sldId="2147483648"/>
+              <pc:sldLayoutMk cId="1833166951" sldId="2147483649"/>
+              <ac:spMk id="2" creationId="{C9EB4258-EF7B-44F4-A87B-B8B94F14353F}"/>
+            </ac:spMkLst>
+          </pc:spChg>
+          <pc:spChg chg="mod">
+            <ac:chgData name="sourovtalukder69@gmail.com" userId="cbc4c1c8925b0f38" providerId="LiveId" clId="{866442A1-97D0-4EFA-9AAC-56F7F34526AA}" dt="2025-11-17T14:11:25.684" v="1123"/>
+            <ac:spMkLst>
+              <pc:docMk/>
+              <pc:sldMasterMk cId="3059534897" sldId="2147483648"/>
+              <pc:sldLayoutMk cId="1833166951" sldId="2147483649"/>
+              <ac:spMk id="3" creationId="{581E07C9-C663-40EC-AF4D-91638DB508A3}"/>
+            </ac:spMkLst>
+          </pc:spChg>
+        </pc:sldLayoutChg>
+        <pc:sldLayoutChg chg="modSp">
+          <pc:chgData name="sourovtalukder69@gmail.com" userId="cbc4c1c8925b0f38" providerId="LiveId" clId="{866442A1-97D0-4EFA-9AAC-56F7F34526AA}" dt="2025-11-17T14:11:25.684" v="1123"/>
+          <pc:sldLayoutMkLst>
+            <pc:docMk/>
+            <pc:sldMasterMk cId="3059534897" sldId="2147483648"/>
+            <pc:sldLayoutMk cId="723575006" sldId="2147483651"/>
+          </pc:sldLayoutMkLst>
+          <pc:spChg chg="mod">
+            <ac:chgData name="sourovtalukder69@gmail.com" userId="cbc4c1c8925b0f38" providerId="LiveId" clId="{866442A1-97D0-4EFA-9AAC-56F7F34526AA}" dt="2025-11-17T14:11:25.684" v="1123"/>
+            <ac:spMkLst>
+              <pc:docMk/>
+              <pc:sldMasterMk cId="3059534897" sldId="2147483648"/>
+              <pc:sldLayoutMk cId="723575006" sldId="2147483651"/>
+              <ac:spMk id="2" creationId="{756566E5-9257-4856-8337-10D9D9D1F31D}"/>
+            </ac:spMkLst>
+          </pc:spChg>
+          <pc:spChg chg="mod">
+            <ac:chgData name="sourovtalukder69@gmail.com" userId="cbc4c1c8925b0f38" providerId="LiveId" clId="{866442A1-97D0-4EFA-9AAC-56F7F34526AA}" dt="2025-11-17T14:11:25.684" v="1123"/>
+            <ac:spMkLst>
+              <pc:docMk/>
+              <pc:sldMasterMk cId="3059534897" sldId="2147483648"/>
+              <pc:sldLayoutMk cId="723575006" sldId="2147483651"/>
+              <ac:spMk id="3" creationId="{1BFAD7A2-FF76-4FB8-A2E6-C6EF0E479043}"/>
+            </ac:spMkLst>
+          </pc:spChg>
+        </pc:sldLayoutChg>
+        <pc:sldLayoutChg chg="modSp">
+          <pc:chgData name="sourovtalukder69@gmail.com" userId="cbc4c1c8925b0f38" providerId="LiveId" clId="{866442A1-97D0-4EFA-9AAC-56F7F34526AA}" dt="2025-11-17T14:11:25.684" v="1123"/>
+          <pc:sldLayoutMkLst>
+            <pc:docMk/>
+            <pc:sldMasterMk cId="3059534897" sldId="2147483648"/>
+            <pc:sldLayoutMk cId="71277442" sldId="2147483652"/>
+          </pc:sldLayoutMkLst>
+          <pc:spChg chg="mod">
+            <ac:chgData name="sourovtalukder69@gmail.com" userId="cbc4c1c8925b0f38" providerId="LiveId" clId="{866442A1-97D0-4EFA-9AAC-56F7F34526AA}" dt="2025-11-17T14:11:25.684" v="1123"/>
+            <ac:spMkLst>
+              <pc:docMk/>
+              <pc:sldMasterMk cId="3059534897" sldId="2147483648"/>
+              <pc:sldLayoutMk cId="71277442" sldId="2147483652"/>
+              <ac:spMk id="3" creationId="{EA3D4EE0-4096-483A-8FE0-71BA117EFA07}"/>
+            </ac:spMkLst>
+          </pc:spChg>
+          <pc:spChg chg="mod">
+            <ac:chgData name="sourovtalukder69@gmail.com" userId="cbc4c1c8925b0f38" providerId="LiveId" clId="{866442A1-97D0-4EFA-9AAC-56F7F34526AA}" dt="2025-11-17T14:11:25.684" v="1123"/>
+            <ac:spMkLst>
+              <pc:docMk/>
+              <pc:sldMasterMk cId="3059534897" sldId="2147483648"/>
+              <pc:sldLayoutMk cId="71277442" sldId="2147483652"/>
+              <ac:spMk id="4" creationId="{A5650DC3-EFF1-4B04-BB64-D9E5A343217F}"/>
+            </ac:spMkLst>
+          </pc:spChg>
+        </pc:sldLayoutChg>
+        <pc:sldLayoutChg chg="modSp">
+          <pc:chgData name="sourovtalukder69@gmail.com" userId="cbc4c1c8925b0f38" providerId="LiveId" clId="{866442A1-97D0-4EFA-9AAC-56F7F34526AA}" dt="2025-11-17T14:11:25.684" v="1123"/>
+          <pc:sldLayoutMkLst>
+            <pc:docMk/>
+            <pc:sldMasterMk cId="3059534897" sldId="2147483648"/>
+            <pc:sldLayoutMk cId="2598351781" sldId="2147483653"/>
+          </pc:sldLayoutMkLst>
+          <pc:spChg chg="mod">
+            <ac:chgData name="sourovtalukder69@gmail.com" userId="cbc4c1c8925b0f38" providerId="LiveId" clId="{866442A1-97D0-4EFA-9AAC-56F7F34526AA}" dt="2025-11-17T14:11:25.684" v="1123"/>
+            <ac:spMkLst>
+              <pc:docMk/>
+              <pc:sldMasterMk cId="3059534897" sldId="2147483648"/>
+              <pc:sldLayoutMk cId="2598351781" sldId="2147483653"/>
+              <ac:spMk id="2" creationId="{3BB422C1-7344-40D6-A9AE-217BA7D832BE}"/>
+            </ac:spMkLst>
+          </pc:spChg>
+          <pc:spChg chg="mod">
+            <ac:chgData name="sourovtalukder69@gmail.com" userId="cbc4c1c8925b0f38" providerId="LiveId" clId="{866442A1-97D0-4EFA-9AAC-56F7F34526AA}" dt="2025-11-17T14:11:25.684" v="1123"/>
+            <ac:spMkLst>
+              <pc:docMk/>
+              <pc:sldMasterMk cId="3059534897" sldId="2147483648"/>
+              <pc:sldLayoutMk cId="2598351781" sldId="2147483653"/>
+              <ac:spMk id="3" creationId="{5E1D4E51-DAD5-4132-A0D6-98D425CB97BC}"/>
+            </ac:spMkLst>
+          </pc:spChg>
+          <pc:spChg chg="mod">
+            <ac:chgData name="sourovtalukder69@gmail.com" userId="cbc4c1c8925b0f38" providerId="LiveId" clId="{866442A1-97D0-4EFA-9AAC-56F7F34526AA}" dt="2025-11-17T14:11:25.684" v="1123"/>
+            <ac:spMkLst>
+              <pc:docMk/>
+              <pc:sldMasterMk cId="3059534897" sldId="2147483648"/>
+              <pc:sldLayoutMk cId="2598351781" sldId="2147483653"/>
+              <ac:spMk id="4" creationId="{6E588FCD-4C39-4293-9136-DA914C4E9FC3}"/>
+            </ac:spMkLst>
+          </pc:spChg>
+          <pc:spChg chg="mod">
+            <ac:chgData name="sourovtalukder69@gmail.com" userId="cbc4c1c8925b0f38" providerId="LiveId" clId="{866442A1-97D0-4EFA-9AAC-56F7F34526AA}" dt="2025-11-17T14:11:25.684" v="1123"/>
+            <ac:spMkLst>
+              <pc:docMk/>
+              <pc:sldMasterMk cId="3059534897" sldId="2147483648"/>
+              <pc:sldLayoutMk cId="2598351781" sldId="2147483653"/>
+              <ac:spMk id="5" creationId="{FDB1D37D-D2A7-4803-A944-21D82580A913}"/>
+            </ac:spMkLst>
+          </pc:spChg>
+          <pc:spChg chg="mod">
+            <ac:chgData name="sourovtalukder69@gmail.com" userId="cbc4c1c8925b0f38" providerId="LiveId" clId="{866442A1-97D0-4EFA-9AAC-56F7F34526AA}" dt="2025-11-17T14:11:25.684" v="1123"/>
+            <ac:spMkLst>
+              <pc:docMk/>
+              <pc:sldMasterMk cId="3059534897" sldId="2147483648"/>
+              <pc:sldLayoutMk cId="2598351781" sldId="2147483653"/>
+              <ac:spMk id="6" creationId="{BCD5C22E-18E0-435A-B460-2834D2EF2094}"/>
+            </ac:spMkLst>
+          </pc:spChg>
+        </pc:sldLayoutChg>
+        <pc:sldLayoutChg chg="modSp">
+          <pc:chgData name="sourovtalukder69@gmail.com" userId="cbc4c1c8925b0f38" providerId="LiveId" clId="{866442A1-97D0-4EFA-9AAC-56F7F34526AA}" dt="2025-11-17T14:11:25.684" v="1123"/>
+          <pc:sldLayoutMkLst>
+            <pc:docMk/>
+            <pc:sldMasterMk cId="3059534897" sldId="2147483648"/>
+            <pc:sldLayoutMk cId="122666622" sldId="2147483656"/>
+          </pc:sldLayoutMkLst>
+          <pc:spChg chg="mod">
+            <ac:chgData name="sourovtalukder69@gmail.com" userId="cbc4c1c8925b0f38" providerId="LiveId" clId="{866442A1-97D0-4EFA-9AAC-56F7F34526AA}" dt="2025-11-17T14:11:25.684" v="1123"/>
+            <ac:spMkLst>
+              <pc:docMk/>
+              <pc:sldMasterMk cId="3059534897" sldId="2147483648"/>
+              <pc:sldLayoutMk cId="122666622" sldId="2147483656"/>
+              <ac:spMk id="2" creationId="{FC209EF0-D94A-4618-AE38-A762CE2754B0}"/>
+            </ac:spMkLst>
+          </pc:spChg>
+          <pc:spChg chg="mod">
+            <ac:chgData name="sourovtalukder69@gmail.com" userId="cbc4c1c8925b0f38" providerId="LiveId" clId="{866442A1-97D0-4EFA-9AAC-56F7F34526AA}" dt="2025-11-17T14:11:25.684" v="1123"/>
+            <ac:spMkLst>
+              <pc:docMk/>
+              <pc:sldMasterMk cId="3059534897" sldId="2147483648"/>
+              <pc:sldLayoutMk cId="122666622" sldId="2147483656"/>
+              <ac:spMk id="3" creationId="{C4C9C239-5A06-447A-8692-EF6C39080728}"/>
+            </ac:spMkLst>
+          </pc:spChg>
+          <pc:spChg chg="mod">
+            <ac:chgData name="sourovtalukder69@gmail.com" userId="cbc4c1c8925b0f38" providerId="LiveId" clId="{866442A1-97D0-4EFA-9AAC-56F7F34526AA}" dt="2025-11-17T14:11:25.684" v="1123"/>
+            <ac:spMkLst>
+              <pc:docMk/>
+              <pc:sldMasterMk cId="3059534897" sldId="2147483648"/>
+              <pc:sldLayoutMk cId="122666622" sldId="2147483656"/>
+              <ac:spMk id="4" creationId="{C6BD2DA5-A895-4877-A93F-7B1FC7B6D36E}"/>
+            </ac:spMkLst>
+          </pc:spChg>
+        </pc:sldLayoutChg>
+        <pc:sldLayoutChg chg="modSp">
+          <pc:chgData name="sourovtalukder69@gmail.com" userId="cbc4c1c8925b0f38" providerId="LiveId" clId="{866442A1-97D0-4EFA-9AAC-56F7F34526AA}" dt="2025-11-17T14:11:25.684" v="1123"/>
+          <pc:sldLayoutMkLst>
+            <pc:docMk/>
+            <pc:sldMasterMk cId="3059534897" sldId="2147483648"/>
+            <pc:sldLayoutMk cId="4212472019" sldId="2147483657"/>
+          </pc:sldLayoutMkLst>
+          <pc:spChg chg="mod">
+            <ac:chgData name="sourovtalukder69@gmail.com" userId="cbc4c1c8925b0f38" providerId="LiveId" clId="{866442A1-97D0-4EFA-9AAC-56F7F34526AA}" dt="2025-11-17T14:11:25.684" v="1123"/>
+            <ac:spMkLst>
+              <pc:docMk/>
+              <pc:sldMasterMk cId="3059534897" sldId="2147483648"/>
+              <pc:sldLayoutMk cId="4212472019" sldId="2147483657"/>
+              <ac:spMk id="2" creationId="{502BD666-1A5E-45E1-B230-DBEF4FC0E051}"/>
+            </ac:spMkLst>
+          </pc:spChg>
+          <pc:spChg chg="mod">
+            <ac:chgData name="sourovtalukder69@gmail.com" userId="cbc4c1c8925b0f38" providerId="LiveId" clId="{866442A1-97D0-4EFA-9AAC-56F7F34526AA}" dt="2025-11-17T14:11:25.684" v="1123"/>
+            <ac:spMkLst>
+              <pc:docMk/>
+              <pc:sldMasterMk cId="3059534897" sldId="2147483648"/>
+              <pc:sldLayoutMk cId="4212472019" sldId="2147483657"/>
+              <ac:spMk id="3" creationId="{5927E28D-BA15-47AB-BB79-DA54E47FFD58}"/>
+            </ac:spMkLst>
+          </pc:spChg>
+          <pc:spChg chg="mod">
+            <ac:chgData name="sourovtalukder69@gmail.com" userId="cbc4c1c8925b0f38" providerId="LiveId" clId="{866442A1-97D0-4EFA-9AAC-56F7F34526AA}" dt="2025-11-17T14:11:25.684" v="1123"/>
+            <ac:spMkLst>
+              <pc:docMk/>
+              <pc:sldMasterMk cId="3059534897" sldId="2147483648"/>
+              <pc:sldLayoutMk cId="4212472019" sldId="2147483657"/>
+              <ac:spMk id="4" creationId="{78368741-0F91-4B80-8C2F-3697DAC7B58F}"/>
+            </ac:spMkLst>
+          </pc:spChg>
+        </pc:sldLayoutChg>
+        <pc:sldLayoutChg chg="modSp">
+          <pc:chgData name="sourovtalukder69@gmail.com" userId="cbc4c1c8925b0f38" providerId="LiveId" clId="{866442A1-97D0-4EFA-9AAC-56F7F34526AA}" dt="2025-11-17T14:11:25.684" v="1123"/>
+          <pc:sldLayoutMkLst>
+            <pc:docMk/>
+            <pc:sldMasterMk cId="3059534897" sldId="2147483648"/>
+            <pc:sldLayoutMk cId="2480970353" sldId="2147483659"/>
+          </pc:sldLayoutMkLst>
+          <pc:spChg chg="mod">
+            <ac:chgData name="sourovtalukder69@gmail.com" userId="cbc4c1c8925b0f38" providerId="LiveId" clId="{866442A1-97D0-4EFA-9AAC-56F7F34526AA}" dt="2025-11-17T14:11:25.684" v="1123"/>
+            <ac:spMkLst>
+              <pc:docMk/>
+              <pc:sldMasterMk cId="3059534897" sldId="2147483648"/>
+              <pc:sldLayoutMk cId="2480970353" sldId="2147483659"/>
+              <ac:spMk id="2" creationId="{C930BBDE-A437-42FB-93BE-81FEC573FFDA}"/>
+            </ac:spMkLst>
+          </pc:spChg>
+          <pc:spChg chg="mod">
+            <ac:chgData name="sourovtalukder69@gmail.com" userId="cbc4c1c8925b0f38" providerId="LiveId" clId="{866442A1-97D0-4EFA-9AAC-56F7F34526AA}" dt="2025-11-17T14:11:25.684" v="1123"/>
+            <ac:spMkLst>
+              <pc:docMk/>
+              <pc:sldMasterMk cId="3059534897" sldId="2147483648"/>
+              <pc:sldLayoutMk cId="2480970353" sldId="2147483659"/>
+              <ac:spMk id="3" creationId="{796C3CA6-DED7-4D02-9DE8-D81C8B936AB4}"/>
+            </ac:spMkLst>
+          </pc:spChg>
+        </pc:sldLayoutChg>
+      </pc:sldMasterChg>
     </pc:docChg>
   </pc:docChgLst>
 </pc:chgInfo>
+</file>
+
+<file path=ppt/notesMasters/notesMaster1.xml><?xml version="1.0" encoding="utf-8"?>
+<p:notesMaster xmlns:a="http://schemas.openxmlformats.org/drawingml/2006/main" xmlns:r="http://schemas.openxmlformats.org/officeDocument/2006/relationships" xmlns:p="http://schemas.openxmlformats.org/presentationml/2006/main">
+  <p:cSld>
+    <p:bg>
+      <p:bgRef idx="1001">
+        <a:schemeClr val="bg1"/>
+      </p:bgRef>
+    </p:bg>
+    <p:spTree>
+      <p:nvGrpSpPr>
+        <p:cNvPr id="1" name=""/>
+        <p:cNvGrpSpPr/>
+        <p:nvPr/>
+      </p:nvGrpSpPr>
+      <p:grpSpPr>
+        <a:xfrm>
+          <a:off x="0" y="0"/>
+          <a:ext cx="0" cy="0"/>
+          <a:chOff x="0" y="0"/>
+          <a:chExt cx="0" cy="0"/>
+        </a:xfrm>
+      </p:grpSpPr>
+      <p:sp>
+        <p:nvSpPr>
+          <p:cNvPr id="2" name="Header Placeholder 1"/>
+          <p:cNvSpPr>
+            <a:spLocks noGrp="1"/>
+          </p:cNvSpPr>
+          <p:nvPr>
+            <p:ph type="hdr" sz="quarter"/>
+          </p:nvPr>
+        </p:nvSpPr>
+        <p:spPr>
+          <a:xfrm>
+            <a:off x="0" y="0"/>
+            <a:ext cx="2971800" cy="458788"/>
+          </a:xfrm>
+          <a:prstGeom prst="rect">
+            <a:avLst/>
+          </a:prstGeom>
+        </p:spPr>
+        <p:txBody>
+          <a:bodyPr vert="horz" lIns="91440" tIns="45720" rIns="91440" bIns="45720" rtlCol="0"/>
+          <a:lstStyle>
+            <a:lvl1pPr algn="l">
+              <a:defRPr sz="1200"/>
+            </a:lvl1pPr>
+          </a:lstStyle>
+          <a:p>
+            <a:endParaRPr lang="en-US"/>
+          </a:p>
+        </p:txBody>
+      </p:sp>
+      <p:sp>
+        <p:nvSpPr>
+          <p:cNvPr id="3" name="Date Placeholder 2"/>
+          <p:cNvSpPr>
+            <a:spLocks noGrp="1"/>
+          </p:cNvSpPr>
+          <p:nvPr>
+            <p:ph type="dt" idx="1"/>
+          </p:nvPr>
+        </p:nvSpPr>
+        <p:spPr>
+          <a:xfrm>
+            <a:off x="3884613" y="0"/>
+            <a:ext cx="2971800" cy="458788"/>
+          </a:xfrm>
+          <a:prstGeom prst="rect">
+            <a:avLst/>
+          </a:prstGeom>
+        </p:spPr>
+        <p:txBody>
+          <a:bodyPr vert="horz" lIns="91440" tIns="45720" rIns="91440" bIns="45720" rtlCol="0"/>
+          <a:lstStyle>
+            <a:lvl1pPr algn="r">
+              <a:defRPr sz="1200"/>
+            </a:lvl1pPr>
+          </a:lstStyle>
+          <a:p>
+            <a:fld id="{EFCBAA21-3E54-425D-9842-C569EEDEF89A}" type="datetimeFigureOut">
+              <a:rPr lang="en-US" smtClean="0"/>
+              <a:t>11/18/2025</a:t>
+            </a:fld>
+            <a:endParaRPr lang="en-US"/>
+          </a:p>
+        </p:txBody>
+      </p:sp>
+      <p:sp>
+        <p:nvSpPr>
+          <p:cNvPr id="4" name="Slide Image Placeholder 3"/>
+          <p:cNvSpPr>
+            <a:spLocks noGrp="1" noRot="1" noChangeAspect="1"/>
+          </p:cNvSpPr>
+          <p:nvPr>
+            <p:ph type="sldImg" idx="2"/>
+          </p:nvPr>
+        </p:nvSpPr>
+        <p:spPr>
+          <a:xfrm>
+            <a:off x="685800" y="1143000"/>
+            <a:ext cx="5486400" cy="3086100"/>
+          </a:xfrm>
+          <a:prstGeom prst="rect">
+            <a:avLst/>
+          </a:prstGeom>
+          <a:noFill/>
+          <a:ln w="12700">
+            <a:solidFill>
+              <a:prstClr val="black"/>
+            </a:solidFill>
+          </a:ln>
+        </p:spPr>
+        <p:txBody>
+          <a:bodyPr vert="horz" lIns="91440" tIns="45720" rIns="91440" bIns="45720" rtlCol="0" anchor="ctr"/>
+          <a:lstStyle/>
+          <a:p>
+            <a:endParaRPr lang="en-US"/>
+          </a:p>
+        </p:txBody>
+      </p:sp>
+      <p:sp>
+        <p:nvSpPr>
+          <p:cNvPr id="5" name="Notes Placeholder 4"/>
+          <p:cNvSpPr>
+            <a:spLocks noGrp="1"/>
+          </p:cNvSpPr>
+          <p:nvPr>
+            <p:ph type="body" sz="quarter" idx="3"/>
+          </p:nvPr>
+        </p:nvSpPr>
+        <p:spPr>
+          <a:xfrm>
+            <a:off x="685800" y="4400550"/>
+            <a:ext cx="5486400" cy="3600450"/>
+          </a:xfrm>
+          <a:prstGeom prst="rect">
+            <a:avLst/>
+          </a:prstGeom>
+        </p:spPr>
+        <p:txBody>
+          <a:bodyPr vert="horz" lIns="91440" tIns="45720" rIns="91440" bIns="45720" rtlCol="0"/>
+          <a:lstStyle/>
+          <a:p>
+            <a:pPr lvl="0"/>
+            <a:r>
+              <a:rPr lang="en-US"/>
+              <a:t>Click to edit Master text styles</a:t>
+            </a:r>
+          </a:p>
+          <a:p>
+            <a:pPr lvl="1"/>
+            <a:r>
+              <a:rPr lang="en-US"/>
+              <a:t>Second level</a:t>
+            </a:r>
+          </a:p>
+          <a:p>
+            <a:pPr lvl="2"/>
+            <a:r>
+              <a:rPr lang="en-US"/>
+              <a:t>Third level</a:t>
+            </a:r>
+          </a:p>
+          <a:p>
+            <a:pPr lvl="3"/>
+            <a:r>
+              <a:rPr lang="en-US"/>
+              <a:t>Fourth level</a:t>
+            </a:r>
+          </a:p>
+          <a:p>
+            <a:pPr lvl="4"/>
+            <a:r>
+              <a:rPr lang="en-US"/>
+              <a:t>Fifth level</a:t>
+            </a:r>
+          </a:p>
+        </p:txBody>
+      </p:sp>
+      <p:sp>
+        <p:nvSpPr>
+          <p:cNvPr id="6" name="Footer Placeholder 5"/>
+          <p:cNvSpPr>
+            <a:spLocks noGrp="1"/>
+          </p:cNvSpPr>
+          <p:nvPr>
+            <p:ph type="ftr" sz="quarter" idx="4"/>
+          </p:nvPr>
+        </p:nvSpPr>
+        <p:spPr>
+          <a:xfrm>
+            <a:off x="0" y="8685213"/>
+            <a:ext cx="2971800" cy="458787"/>
+          </a:xfrm>
+          <a:prstGeom prst="rect">
+            <a:avLst/>
+          </a:prstGeom>
+        </p:spPr>
+        <p:txBody>
+          <a:bodyPr vert="horz" lIns="91440" tIns="45720" rIns="91440" bIns="45720" rtlCol="0" anchor="b"/>
+          <a:lstStyle>
+            <a:lvl1pPr algn="l">
+              <a:defRPr sz="1200"/>
+            </a:lvl1pPr>
+          </a:lstStyle>
+          <a:p>
+            <a:endParaRPr lang="en-US"/>
+          </a:p>
+        </p:txBody>
+      </p:sp>
+      <p:sp>
+        <p:nvSpPr>
+          <p:cNvPr id="7" name="Slide Number Placeholder 6"/>
+          <p:cNvSpPr>
+            <a:spLocks noGrp="1"/>
+          </p:cNvSpPr>
+          <p:nvPr>
+            <p:ph type="sldNum" sz="quarter" idx="5"/>
+          </p:nvPr>
+        </p:nvSpPr>
+        <p:spPr>
+          <a:xfrm>
+            <a:off x="3884613" y="8685213"/>
+            <a:ext cx="2971800" cy="458787"/>
+          </a:xfrm>
+          <a:prstGeom prst="rect">
+            <a:avLst/>
+          </a:prstGeom>
+        </p:spPr>
+        <p:txBody>
+          <a:bodyPr vert="horz" lIns="91440" tIns="45720" rIns="91440" bIns="45720" rtlCol="0" anchor="b"/>
+          <a:lstStyle>
+            <a:lvl1pPr algn="r">
+              <a:defRPr sz="1200"/>
+            </a:lvl1pPr>
+          </a:lstStyle>
+          <a:p>
+            <a:fld id="{670ED148-E3C2-443C-BF1F-C91BD05D174B}" type="slidenum">
+              <a:rPr lang="en-US" smtClean="0"/>
+              <a:t>‹#›</a:t>
+            </a:fld>
+            <a:endParaRPr lang="en-US"/>
+          </a:p>
+        </p:txBody>
+      </p:sp>
+    </p:spTree>
+    <p:extLst>
+      <p:ext uri="{BB962C8B-B14F-4D97-AF65-F5344CB8AC3E}">
+        <p14:creationId xmlns:p14="http://schemas.microsoft.com/office/powerpoint/2010/main" val="3949009986"/>
+      </p:ext>
+    </p:extLst>
+  </p:cSld>
+  <p:clrMap bg1="lt1" tx1="dk1" bg2="lt2" tx2="dk2" accent1="accent1" accent2="accent2" accent3="accent3" accent4="accent4" accent5="accent5" accent6="accent6" hlink="hlink" folHlink="folHlink"/>
+  <p:notesStyle>
+    <a:lvl1pPr marL="0" algn="l" defTabSz="914400" rtl="0" eaLnBrk="1" latinLnBrk="0" hangingPunct="1">
+      <a:defRPr sz="1200" kern="1200">
+        <a:solidFill>
+          <a:schemeClr val="tx1"/>
+        </a:solidFill>
+        <a:latin typeface="+mn-lt"/>
+        <a:ea typeface="+mn-ea"/>
+        <a:cs typeface="+mn-cs"/>
+      </a:defRPr>
+    </a:lvl1pPr>
+    <a:lvl2pPr marL="457200" algn="l" defTabSz="914400" rtl="0" eaLnBrk="1" latinLnBrk="0" hangingPunct="1">
+      <a:defRPr sz="1200" kern="1200">
+        <a:solidFill>
+          <a:schemeClr val="tx1"/>
+        </a:solidFill>
+        <a:latin typeface="+mn-lt"/>
+        <a:ea typeface="+mn-ea"/>
+        <a:cs typeface="+mn-cs"/>
+      </a:defRPr>
+    </a:lvl2pPr>
+    <a:lvl3pPr marL="914400" algn="l" defTabSz="914400" rtl="0" eaLnBrk="1" latinLnBrk="0" hangingPunct="1">
+      <a:defRPr sz="1200" kern="1200">
+        <a:solidFill>
+          <a:schemeClr val="tx1"/>
+        </a:solidFill>
+        <a:latin typeface="+mn-lt"/>
+        <a:ea typeface="+mn-ea"/>
+        <a:cs typeface="+mn-cs"/>
+      </a:defRPr>
+    </a:lvl3pPr>
+    <a:lvl4pPr marL="1371600" algn="l" defTabSz="914400" rtl="0" eaLnBrk="1" latinLnBrk="0" hangingPunct="1">
+      <a:defRPr sz="1200" kern="1200">
+        <a:solidFill>
+          <a:schemeClr val="tx1"/>
+        </a:solidFill>
+        <a:latin typeface="+mn-lt"/>
+        <a:ea typeface="+mn-ea"/>
+        <a:cs typeface="+mn-cs"/>
+      </a:defRPr>
+    </a:lvl4pPr>
+    <a:lvl5pPr marL="1828800" algn="l" defTabSz="914400" rtl="0" eaLnBrk="1" latinLnBrk="0" hangingPunct="1">
+      <a:defRPr sz="1200" kern="1200">
+        <a:solidFill>
+          <a:schemeClr val="tx1"/>
+        </a:solidFill>
+        <a:latin typeface="+mn-lt"/>
+        <a:ea typeface="+mn-ea"/>
+        <a:cs typeface="+mn-cs"/>
+      </a:defRPr>
+    </a:lvl5pPr>
+    <a:lvl6pPr marL="2286000" algn="l" defTabSz="914400" rtl="0" eaLnBrk="1" latinLnBrk="0" hangingPunct="1">
+      <a:defRPr sz="1200" kern="1200">
+        <a:solidFill>
+          <a:schemeClr val="tx1"/>
+        </a:solidFill>
+        <a:latin typeface="+mn-lt"/>
+        <a:ea typeface="+mn-ea"/>
+        <a:cs typeface="+mn-cs"/>
+      </a:defRPr>
+    </a:lvl6pPr>
+    <a:lvl7pPr marL="2743200" algn="l" defTabSz="914400" rtl="0" eaLnBrk="1" latinLnBrk="0" hangingPunct="1">
+      <a:defRPr sz="1200" kern="1200">
+        <a:solidFill>
+          <a:schemeClr val="tx1"/>
+        </a:solidFill>
+        <a:latin typeface="+mn-lt"/>
+        <a:ea typeface="+mn-ea"/>
+        <a:cs typeface="+mn-cs"/>
+      </a:defRPr>
+    </a:lvl7pPr>
+    <a:lvl8pPr marL="3200400" algn="l" defTabSz="914400" rtl="0" eaLnBrk="1" latinLnBrk="0" hangingPunct="1">
+      <a:defRPr sz="1200" kern="1200">
+        <a:solidFill>
+          <a:schemeClr val="tx1"/>
+        </a:solidFill>
+        <a:latin typeface="+mn-lt"/>
+        <a:ea typeface="+mn-ea"/>
+        <a:cs typeface="+mn-cs"/>
+      </a:defRPr>
+    </a:lvl8pPr>
+    <a:lvl9pPr marL="3657600" algn="l" defTabSz="914400" rtl="0" eaLnBrk="1" latinLnBrk="0" hangingPunct="1">
+      <a:defRPr sz="1200" kern="1200">
+        <a:solidFill>
+          <a:schemeClr val="tx1"/>
+        </a:solidFill>
+        <a:latin typeface="+mn-lt"/>
+        <a:ea typeface="+mn-ea"/>
+        <a:cs typeface="+mn-cs"/>
+      </a:defRPr>
+    </a:lvl9pPr>
+  </p:notesStyle>
+</p:notesMaster>
+</file>
+
+<file path=ppt/notesSlides/notesSlide1.xml><?xml version="1.0" encoding="utf-8"?>
+<p:notes xmlns:a="http://schemas.openxmlformats.org/drawingml/2006/main" xmlns:r="http://schemas.openxmlformats.org/officeDocument/2006/relationships" xmlns:p="http://schemas.openxmlformats.org/presentationml/2006/main">
+  <p:cSld>
+    <p:spTree>
+      <p:nvGrpSpPr>
+        <p:cNvPr id="1" name=""/>
+        <p:cNvGrpSpPr/>
+        <p:nvPr/>
+      </p:nvGrpSpPr>
+      <p:grpSpPr>
+        <a:xfrm>
+          <a:off x="0" y="0"/>
+          <a:ext cx="0" cy="0"/>
+          <a:chOff x="0" y="0"/>
+          <a:chExt cx="0" cy="0"/>
+        </a:xfrm>
+      </p:grpSpPr>
+      <p:sp>
+        <p:nvSpPr>
+          <p:cNvPr id="2" name="Slide Image Placeholder 1"/>
+          <p:cNvSpPr>
+            <a:spLocks noGrp="1" noRot="1" noChangeAspect="1"/>
+          </p:cNvSpPr>
+          <p:nvPr>
+            <p:ph type="sldImg"/>
+          </p:nvPr>
+        </p:nvSpPr>
+        <p:spPr>
+          <a:xfrm>
+            <a:off x="685800" y="1143000"/>
+            <a:ext cx="5486400" cy="3086100"/>
+          </a:xfrm>
+        </p:spPr>
+      </p:sp>
+      <p:sp>
+        <p:nvSpPr>
+          <p:cNvPr id="3" name="Notes Placeholder 2"/>
+          <p:cNvSpPr>
+            <a:spLocks noGrp="1"/>
+          </p:cNvSpPr>
+          <p:nvPr>
+            <p:ph type="body" idx="1"/>
+          </p:nvPr>
+        </p:nvSpPr>
+        <p:spPr/>
+        <p:txBody>
+          <a:bodyPr/>
+          <a:lstStyle/>
+          <a:p>
+            <a:endParaRPr lang="en-US" dirty="0"/>
+          </a:p>
+        </p:txBody>
+      </p:sp>
+      <p:sp>
+        <p:nvSpPr>
+          <p:cNvPr id="4" name="Slide Number Placeholder 3"/>
+          <p:cNvSpPr>
+            <a:spLocks noGrp="1"/>
+          </p:cNvSpPr>
+          <p:nvPr>
+            <p:ph type="sldNum" sz="quarter" idx="5"/>
+          </p:nvPr>
+        </p:nvSpPr>
+        <p:spPr/>
+        <p:txBody>
+          <a:bodyPr/>
+          <a:lstStyle/>
+          <a:p>
+            <a:fld id="{670ED148-E3C2-443C-BF1F-C91BD05D174B}" type="slidenum">
+              <a:rPr lang="en-US" smtClean="0"/>
+              <a:t>2</a:t>
+            </a:fld>
+            <a:endParaRPr lang="en-US"/>
+          </a:p>
+        </p:txBody>
+      </p:sp>
+    </p:spTree>
+    <p:extLst>
+      <p:ext uri="{BB962C8B-B14F-4D97-AF65-F5344CB8AC3E}">
+        <p14:creationId xmlns:p14="http://schemas.microsoft.com/office/powerpoint/2010/main" val="2190570668"/>
+      </p:ext>
+    </p:extLst>
+  </p:cSld>
+  <p:clrMapOvr>
+    <a:masterClrMapping/>
+  </p:clrMapOvr>
+</p:notes>
+</file>
+
+<file path=ppt/notesSlides/notesSlide2.xml><?xml version="1.0" encoding="utf-8"?>
+<p:notes xmlns:a="http://schemas.openxmlformats.org/drawingml/2006/main" xmlns:r="http://schemas.openxmlformats.org/officeDocument/2006/relationships" xmlns:p="http://schemas.openxmlformats.org/presentationml/2006/main">
+  <p:cSld>
+    <p:spTree>
+      <p:nvGrpSpPr>
+        <p:cNvPr id="1" name=""/>
+        <p:cNvGrpSpPr/>
+        <p:nvPr/>
+      </p:nvGrpSpPr>
+      <p:grpSpPr>
+        <a:xfrm>
+          <a:off x="0" y="0"/>
+          <a:ext cx="0" cy="0"/>
+          <a:chOff x="0" y="0"/>
+          <a:chExt cx="0" cy="0"/>
+        </a:xfrm>
+      </p:grpSpPr>
+      <p:sp>
+        <p:nvSpPr>
+          <p:cNvPr id="2" name="Slide Image Placeholder 1"/>
+          <p:cNvSpPr>
+            <a:spLocks noGrp="1" noRot="1" noChangeAspect="1"/>
+          </p:cNvSpPr>
+          <p:nvPr>
+            <p:ph type="sldImg"/>
+          </p:nvPr>
+        </p:nvSpPr>
+        <p:spPr>
+          <a:xfrm>
+            <a:off x="685800" y="1143000"/>
+            <a:ext cx="5486400" cy="3086100"/>
+          </a:xfrm>
+        </p:spPr>
+      </p:sp>
+      <p:sp>
+        <p:nvSpPr>
+          <p:cNvPr id="3" name="Notes Placeholder 2"/>
+          <p:cNvSpPr>
+            <a:spLocks noGrp="1"/>
+          </p:cNvSpPr>
+          <p:nvPr>
+            <p:ph type="body" idx="1"/>
+          </p:nvPr>
+        </p:nvSpPr>
+        <p:spPr/>
+        <p:txBody>
+          <a:bodyPr/>
+          <a:lstStyle/>
+          <a:p>
+            <a:endParaRPr lang="en-US" dirty="0"/>
+          </a:p>
+        </p:txBody>
+      </p:sp>
+      <p:sp>
+        <p:nvSpPr>
+          <p:cNvPr id="4" name="Slide Number Placeholder 3"/>
+          <p:cNvSpPr>
+            <a:spLocks noGrp="1"/>
+          </p:cNvSpPr>
+          <p:nvPr>
+            <p:ph type="sldNum" sz="quarter" idx="5"/>
+          </p:nvPr>
+        </p:nvSpPr>
+        <p:spPr/>
+        <p:txBody>
+          <a:bodyPr/>
+          <a:lstStyle/>
+          <a:p>
+            <a:fld id="{670ED148-E3C2-443C-BF1F-C91BD05D174B}" type="slidenum">
+              <a:rPr lang="en-US" smtClean="0"/>
+              <a:t>3</a:t>
+            </a:fld>
+            <a:endParaRPr lang="en-US"/>
+          </a:p>
+        </p:txBody>
+      </p:sp>
+    </p:spTree>
+    <p:extLst>
+      <p:ext uri="{BB962C8B-B14F-4D97-AF65-F5344CB8AC3E}">
+        <p14:creationId xmlns:p14="http://schemas.microsoft.com/office/powerpoint/2010/main" val="396589220"/>
+      </p:ext>
+    </p:extLst>
+  </p:cSld>
+  <p:clrMapOvr>
+    <a:masterClrMapping/>
+  </p:clrMapOvr>
+</p:notes>
+</file>
+
+<file path=ppt/notesSlides/notesSlide3.xml><?xml version="1.0" encoding="utf-8"?>
+<p:notes xmlns:a="http://schemas.openxmlformats.org/drawingml/2006/main" xmlns:r="http://schemas.openxmlformats.org/officeDocument/2006/relationships" xmlns:p="http://schemas.openxmlformats.org/presentationml/2006/main">
+  <p:cSld>
+    <p:spTree>
+      <p:nvGrpSpPr>
+        <p:cNvPr id="1" name=""/>
+        <p:cNvGrpSpPr/>
+        <p:nvPr/>
+      </p:nvGrpSpPr>
+      <p:grpSpPr>
+        <a:xfrm>
+          <a:off x="0" y="0"/>
+          <a:ext cx="0" cy="0"/>
+          <a:chOff x="0" y="0"/>
+          <a:chExt cx="0" cy="0"/>
+        </a:xfrm>
+      </p:grpSpPr>
+      <p:sp>
+        <p:nvSpPr>
+          <p:cNvPr id="2" name="Slide Image Placeholder 1"/>
+          <p:cNvSpPr>
+            <a:spLocks noGrp="1" noRot="1" noChangeAspect="1"/>
+          </p:cNvSpPr>
+          <p:nvPr>
+            <p:ph type="sldImg"/>
+          </p:nvPr>
+        </p:nvSpPr>
+        <p:spPr>
+          <a:xfrm>
+            <a:off x="685800" y="1143000"/>
+            <a:ext cx="5486400" cy="3086100"/>
+          </a:xfrm>
+        </p:spPr>
+      </p:sp>
+      <p:sp>
+        <p:nvSpPr>
+          <p:cNvPr id="3" name="Notes Placeholder 2"/>
+          <p:cNvSpPr>
+            <a:spLocks noGrp="1"/>
+          </p:cNvSpPr>
+          <p:nvPr>
+            <p:ph type="body" idx="1"/>
+          </p:nvPr>
+        </p:nvSpPr>
+        <p:spPr/>
+        <p:txBody>
+          <a:bodyPr/>
+          <a:lstStyle/>
+          <a:p>
+            <a:endParaRPr lang="en-US" dirty="0"/>
+          </a:p>
+        </p:txBody>
+      </p:sp>
+      <p:sp>
+        <p:nvSpPr>
+          <p:cNvPr id="4" name="Slide Number Placeholder 3"/>
+          <p:cNvSpPr>
+            <a:spLocks noGrp="1"/>
+          </p:cNvSpPr>
+          <p:nvPr>
+            <p:ph type="sldNum" sz="quarter" idx="5"/>
+          </p:nvPr>
+        </p:nvSpPr>
+        <p:spPr/>
+        <p:txBody>
+          <a:bodyPr/>
+          <a:lstStyle/>
+          <a:p>
+            <a:fld id="{670ED148-E3C2-443C-BF1F-C91BD05D174B}" type="slidenum">
+              <a:rPr lang="en-US" smtClean="0"/>
+              <a:t>4</a:t>
+            </a:fld>
+            <a:endParaRPr lang="en-US"/>
+          </a:p>
+        </p:txBody>
+      </p:sp>
+    </p:spTree>
+    <p:extLst>
+      <p:ext uri="{BB962C8B-B14F-4D97-AF65-F5344CB8AC3E}">
+        <p14:creationId xmlns:p14="http://schemas.microsoft.com/office/powerpoint/2010/main" val="2351152358"/>
+      </p:ext>
+    </p:extLst>
+  </p:cSld>
+  <p:clrMapOvr>
+    <a:masterClrMapping/>
+  </p:clrMapOvr>
+</p:notes>
+</file>
+
+<file path=ppt/notesSlides/notesSlide4.xml><?xml version="1.0" encoding="utf-8"?>
+<p:notes xmlns:a="http://schemas.openxmlformats.org/drawingml/2006/main" xmlns:r="http://schemas.openxmlformats.org/officeDocument/2006/relationships" xmlns:p="http://schemas.openxmlformats.org/presentationml/2006/main">
+  <p:cSld>
+    <p:spTree>
+      <p:nvGrpSpPr>
+        <p:cNvPr id="1" name=""/>
+        <p:cNvGrpSpPr/>
+        <p:nvPr/>
+      </p:nvGrpSpPr>
+      <p:grpSpPr>
+        <a:xfrm>
+          <a:off x="0" y="0"/>
+          <a:ext cx="0" cy="0"/>
+          <a:chOff x="0" y="0"/>
+          <a:chExt cx="0" cy="0"/>
+        </a:xfrm>
+      </p:grpSpPr>
+      <p:sp>
+        <p:nvSpPr>
+          <p:cNvPr id="2" name="Slide Image Placeholder 1"/>
+          <p:cNvSpPr>
+            <a:spLocks noGrp="1" noRot="1" noChangeAspect="1"/>
+          </p:cNvSpPr>
+          <p:nvPr>
+            <p:ph type="sldImg"/>
+          </p:nvPr>
+        </p:nvSpPr>
+        <p:spPr>
+          <a:xfrm>
+            <a:off x="685800" y="1143000"/>
+            <a:ext cx="5486400" cy="3086100"/>
+          </a:xfrm>
+        </p:spPr>
+      </p:sp>
+      <p:sp>
+        <p:nvSpPr>
+          <p:cNvPr id="3" name="Notes Placeholder 2"/>
+          <p:cNvSpPr>
+            <a:spLocks noGrp="1"/>
+          </p:cNvSpPr>
+          <p:nvPr>
+            <p:ph type="body" idx="1"/>
+          </p:nvPr>
+        </p:nvSpPr>
+        <p:spPr/>
+        <p:txBody>
+          <a:bodyPr/>
+          <a:lstStyle/>
+          <a:p>
+            <a:endParaRPr lang="en-US" dirty="0"/>
+          </a:p>
+        </p:txBody>
+      </p:sp>
+      <p:sp>
+        <p:nvSpPr>
+          <p:cNvPr id="4" name="Slide Number Placeholder 3"/>
+          <p:cNvSpPr>
+            <a:spLocks noGrp="1"/>
+          </p:cNvSpPr>
+          <p:nvPr>
+            <p:ph type="sldNum" sz="quarter" idx="5"/>
+          </p:nvPr>
+        </p:nvSpPr>
+        <p:spPr/>
+        <p:txBody>
+          <a:bodyPr/>
+          <a:lstStyle/>
+          <a:p>
+            <a:fld id="{670ED148-E3C2-443C-BF1F-C91BD05D174B}" type="slidenum">
+              <a:rPr lang="en-US" smtClean="0"/>
+              <a:t>5</a:t>
+            </a:fld>
+            <a:endParaRPr lang="en-US"/>
+          </a:p>
+        </p:txBody>
+      </p:sp>
+    </p:spTree>
+    <p:extLst>
+      <p:ext uri="{BB962C8B-B14F-4D97-AF65-F5344CB8AC3E}">
+        <p14:creationId xmlns:p14="http://schemas.microsoft.com/office/powerpoint/2010/main" val="3848420612"/>
+      </p:ext>
+    </p:extLst>
+  </p:cSld>
+  <p:clrMapOvr>
+    <a:masterClrMapping/>
+  </p:clrMapOvr>
+</p:notes>
 </file>
 
 <file path=ppt/slideLayouts/slideLayout1.xml><?xml version="1.0" encoding="utf-8"?>
@@ -315,35 +1966,35 @@
               <a:buNone/>
               <a:defRPr sz="2400"/>
             </a:lvl1pPr>
-            <a:lvl2pPr marL="457200" indent="0" algn="ctr">
+            <a:lvl2pPr marL="457202" indent="0" algn="ctr">
               <a:buNone/>
               <a:defRPr sz="2000"/>
             </a:lvl2pPr>
-            <a:lvl3pPr marL="914400" indent="0" algn="ctr">
+            <a:lvl3pPr marL="914405" indent="0" algn="ctr">
               <a:buNone/>
               <a:defRPr sz="1800"/>
             </a:lvl3pPr>
-            <a:lvl4pPr marL="1371600" indent="0" algn="ctr">
+            <a:lvl4pPr marL="1371607" indent="0" algn="ctr">
               <a:buNone/>
               <a:defRPr sz="1600"/>
             </a:lvl4pPr>
-            <a:lvl5pPr marL="1828800" indent="0" algn="ctr">
+            <a:lvl5pPr marL="1828809" indent="0" algn="ctr">
               <a:buNone/>
               <a:defRPr sz="1600"/>
             </a:lvl5pPr>
-            <a:lvl6pPr marL="2286000" indent="0" algn="ctr">
+            <a:lvl6pPr marL="2286011" indent="0" algn="ctr">
               <a:buNone/>
               <a:defRPr sz="1600"/>
             </a:lvl6pPr>
-            <a:lvl7pPr marL="2743200" indent="0" algn="ctr">
+            <a:lvl7pPr marL="2743214" indent="0" algn="ctr">
               <a:buNone/>
               <a:defRPr sz="1600"/>
             </a:lvl7pPr>
-            <a:lvl8pPr marL="3200400" indent="0" algn="ctr">
+            <a:lvl8pPr marL="3200416" indent="0" algn="ctr">
               <a:buNone/>
               <a:defRPr sz="1600"/>
             </a:lvl8pPr>
-            <a:lvl9pPr marL="3657600" indent="0" algn="ctr">
+            <a:lvl9pPr marL="3657618" indent="0" algn="ctr">
               <a:buNone/>
               <a:defRPr sz="1600"/>
             </a:lvl9pPr>
@@ -379,7 +2030,7 @@
           <a:p>
             <a:fld id="{C57EFF1C-F422-4886-B1EF-BF064B2B48E0}" type="datetimeFigureOut">
               <a:rPr lang="en-US" smtClean="0"/>
-              <a:t>11/12/2025</a:t>
+              <a:t>11/18/2025</a:t>
             </a:fld>
             <a:endParaRPr lang="en-US" dirty="0"/>
           </a:p>
@@ -577,7 +2228,7 @@
           <a:p>
             <a:fld id="{C57EFF1C-F422-4886-B1EF-BF064B2B48E0}" type="datetimeFigureOut">
               <a:rPr lang="en-US" smtClean="0"/>
-              <a:t>11/12/2025</a:t>
+              <a:t>11/18/2025</a:t>
             </a:fld>
             <a:endParaRPr lang="en-US" dirty="0"/>
           </a:p>
@@ -785,7 +2436,7 @@
           <a:p>
             <a:fld id="{C57EFF1C-F422-4886-B1EF-BF064B2B48E0}" type="datetimeFigureOut">
               <a:rPr lang="en-US" smtClean="0"/>
-              <a:t>11/12/2025</a:t>
+              <a:t>11/18/2025</a:t>
             </a:fld>
             <a:endParaRPr lang="en-US" dirty="0"/>
           </a:p>
@@ -983,7 +2634,7 @@
           <a:p>
             <a:fld id="{C57EFF1C-F422-4886-B1EF-BF064B2B48E0}" type="datetimeFigureOut">
               <a:rPr lang="en-US" smtClean="0"/>
-              <a:t>11/12/2025</a:t>
+              <a:t>11/18/2025</a:t>
             </a:fld>
             <a:endParaRPr lang="en-US" dirty="0"/>
           </a:p>
@@ -1091,7 +2742,7 @@
         </p:nvSpPr>
         <p:spPr>
           <a:xfrm>
-            <a:off x="831850" y="1709738"/>
+            <a:off x="831850" y="1709740"/>
             <a:ext cx="10515600" cy="2852737"/>
           </a:xfrm>
         </p:spPr>
@@ -1128,7 +2779,7 @@
         </p:nvSpPr>
         <p:spPr>
           <a:xfrm>
-            <a:off x="831850" y="4589463"/>
+            <a:off x="831850" y="4589465"/>
             <a:ext cx="10515600" cy="1500187"/>
           </a:xfrm>
         </p:spPr>
@@ -1145,7 +2796,7 @@
                 </a:solidFill>
               </a:defRPr>
             </a:lvl1pPr>
-            <a:lvl2pPr marL="457200" indent="0">
+            <a:lvl2pPr marL="457202" indent="0">
               <a:buNone/>
               <a:defRPr sz="2000">
                 <a:solidFill>
@@ -1155,7 +2806,7 @@
                 </a:solidFill>
               </a:defRPr>
             </a:lvl2pPr>
-            <a:lvl3pPr marL="914400" indent="0">
+            <a:lvl3pPr marL="914405" indent="0">
               <a:buNone/>
               <a:defRPr sz="1800">
                 <a:solidFill>
@@ -1165,7 +2816,7 @@
                 </a:solidFill>
               </a:defRPr>
             </a:lvl3pPr>
-            <a:lvl4pPr marL="1371600" indent="0">
+            <a:lvl4pPr marL="1371607" indent="0">
               <a:buNone/>
               <a:defRPr sz="1600">
                 <a:solidFill>
@@ -1175,7 +2826,7 @@
                 </a:solidFill>
               </a:defRPr>
             </a:lvl4pPr>
-            <a:lvl5pPr marL="1828800" indent="0">
+            <a:lvl5pPr marL="1828809" indent="0">
               <a:buNone/>
               <a:defRPr sz="1600">
                 <a:solidFill>
@@ -1185,7 +2836,7 @@
                 </a:solidFill>
               </a:defRPr>
             </a:lvl5pPr>
-            <a:lvl6pPr marL="2286000" indent="0">
+            <a:lvl6pPr marL="2286011" indent="0">
               <a:buNone/>
               <a:defRPr sz="1600">
                 <a:solidFill>
@@ -1195,7 +2846,7 @@
                 </a:solidFill>
               </a:defRPr>
             </a:lvl6pPr>
-            <a:lvl7pPr marL="2743200" indent="0">
+            <a:lvl7pPr marL="2743214" indent="0">
               <a:buNone/>
               <a:defRPr sz="1600">
                 <a:solidFill>
@@ -1205,7 +2856,7 @@
                 </a:solidFill>
               </a:defRPr>
             </a:lvl7pPr>
-            <a:lvl8pPr marL="3200400" indent="0">
+            <a:lvl8pPr marL="3200416" indent="0">
               <a:buNone/>
               <a:defRPr sz="1600">
                 <a:solidFill>
@@ -1215,7 +2866,7 @@
                 </a:solidFill>
               </a:defRPr>
             </a:lvl8pPr>
-            <a:lvl9pPr marL="3657600" indent="0">
+            <a:lvl9pPr marL="3657618" indent="0">
               <a:buNone/>
               <a:defRPr sz="1600">
                 <a:solidFill>
@@ -1258,7 +2909,7 @@
           <a:p>
             <a:fld id="{C57EFF1C-F422-4886-B1EF-BF064B2B48E0}" type="datetimeFigureOut">
               <a:rPr lang="en-US" smtClean="0"/>
-              <a:t>11/12/2025</a:t>
+              <a:t>11/18/2025</a:t>
             </a:fld>
             <a:endParaRPr lang="en-US" dirty="0"/>
           </a:p>
@@ -1523,7 +3174,7 @@
           <a:p>
             <a:fld id="{C57EFF1C-F422-4886-B1EF-BF064B2B48E0}" type="datetimeFigureOut">
               <a:rPr lang="en-US" smtClean="0"/>
-              <a:t>11/12/2025</a:t>
+              <a:t>11/18/2025</a:t>
             </a:fld>
             <a:endParaRPr lang="en-US" dirty="0"/>
           </a:p>
@@ -1631,7 +3282,7 @@
         </p:nvSpPr>
         <p:spPr>
           <a:xfrm>
-            <a:off x="839788" y="365125"/>
+            <a:off x="839788" y="365127"/>
             <a:ext cx="10515600" cy="1325563"/>
           </a:xfrm>
         </p:spPr>
@@ -1664,7 +3315,7 @@
         </p:nvSpPr>
         <p:spPr>
           <a:xfrm>
-            <a:off x="839788" y="1681163"/>
+            <a:off x="839791" y="1681163"/>
             <a:ext cx="5157787" cy="823912"/>
           </a:xfrm>
         </p:spPr>
@@ -1675,35 +3326,35 @@
               <a:buNone/>
               <a:defRPr sz="2400" b="1"/>
             </a:lvl1pPr>
-            <a:lvl2pPr marL="457200" indent="0">
+            <a:lvl2pPr marL="457202" indent="0">
               <a:buNone/>
               <a:defRPr sz="2000" b="1"/>
             </a:lvl2pPr>
-            <a:lvl3pPr marL="914400" indent="0">
+            <a:lvl3pPr marL="914405" indent="0">
               <a:buNone/>
               <a:defRPr sz="1800" b="1"/>
             </a:lvl3pPr>
-            <a:lvl4pPr marL="1371600" indent="0">
+            <a:lvl4pPr marL="1371607" indent="0">
               <a:buNone/>
               <a:defRPr sz="1600" b="1"/>
             </a:lvl4pPr>
-            <a:lvl5pPr marL="1828800" indent="0">
+            <a:lvl5pPr marL="1828809" indent="0">
               <a:buNone/>
               <a:defRPr sz="1600" b="1"/>
             </a:lvl5pPr>
-            <a:lvl6pPr marL="2286000" indent="0">
+            <a:lvl6pPr marL="2286011" indent="0">
               <a:buNone/>
               <a:defRPr sz="1600" b="1"/>
             </a:lvl6pPr>
-            <a:lvl7pPr marL="2743200" indent="0">
+            <a:lvl7pPr marL="2743214" indent="0">
               <a:buNone/>
               <a:defRPr sz="1600" b="1"/>
             </a:lvl7pPr>
-            <a:lvl8pPr marL="3200400" indent="0">
+            <a:lvl8pPr marL="3200416" indent="0">
               <a:buNone/>
               <a:defRPr sz="1600" b="1"/>
             </a:lvl8pPr>
-            <a:lvl9pPr marL="3657600" indent="0">
+            <a:lvl9pPr marL="3657618" indent="0">
               <a:buNone/>
               <a:defRPr sz="1600" b="1"/>
             </a:lvl9pPr>
@@ -1735,7 +3386,7 @@
         </p:nvSpPr>
         <p:spPr>
           <a:xfrm>
-            <a:off x="839788" y="2505075"/>
+            <a:off x="839791" y="2505075"/>
             <a:ext cx="5157787" cy="3684588"/>
           </a:xfrm>
         </p:spPr>
@@ -1808,35 +3459,35 @@
               <a:buNone/>
               <a:defRPr sz="2400" b="1"/>
             </a:lvl1pPr>
-            <a:lvl2pPr marL="457200" indent="0">
+            <a:lvl2pPr marL="457202" indent="0">
               <a:buNone/>
               <a:defRPr sz="2000" b="1"/>
             </a:lvl2pPr>
-            <a:lvl3pPr marL="914400" indent="0">
+            <a:lvl3pPr marL="914405" indent="0">
               <a:buNone/>
               <a:defRPr sz="1800" b="1"/>
             </a:lvl3pPr>
-            <a:lvl4pPr marL="1371600" indent="0">
+            <a:lvl4pPr marL="1371607" indent="0">
               <a:buNone/>
               <a:defRPr sz="1600" b="1"/>
             </a:lvl4pPr>
-            <a:lvl5pPr marL="1828800" indent="0">
+            <a:lvl5pPr marL="1828809" indent="0">
               <a:buNone/>
               <a:defRPr sz="1600" b="1"/>
             </a:lvl5pPr>
-            <a:lvl6pPr marL="2286000" indent="0">
+            <a:lvl6pPr marL="2286011" indent="0">
               <a:buNone/>
               <a:defRPr sz="1600" b="1"/>
             </a:lvl6pPr>
-            <a:lvl7pPr marL="2743200" indent="0">
+            <a:lvl7pPr marL="2743214" indent="0">
               <a:buNone/>
               <a:defRPr sz="1600" b="1"/>
             </a:lvl7pPr>
-            <a:lvl8pPr marL="3200400" indent="0">
+            <a:lvl8pPr marL="3200416" indent="0">
               <a:buNone/>
               <a:defRPr sz="1600" b="1"/>
             </a:lvl8pPr>
-            <a:lvl9pPr marL="3657600" indent="0">
+            <a:lvl9pPr marL="3657618" indent="0">
               <a:buNone/>
               <a:defRPr sz="1600" b="1"/>
             </a:lvl9pPr>
@@ -1935,7 +3586,7 @@
           <a:p>
             <a:fld id="{C57EFF1C-F422-4886-B1EF-BF064B2B48E0}" type="datetimeFigureOut">
               <a:rPr lang="en-US" smtClean="0"/>
-              <a:t>11/12/2025</a:t>
+              <a:t>11/18/2025</a:t>
             </a:fld>
             <a:endParaRPr lang="en-US" dirty="0"/>
           </a:p>
@@ -2076,7 +3727,7 @@
           <a:p>
             <a:fld id="{C57EFF1C-F422-4886-B1EF-BF064B2B48E0}" type="datetimeFigureOut">
               <a:rPr lang="en-US" smtClean="0"/>
-              <a:t>11/12/2025</a:t>
+              <a:t>11/18/2025</a:t>
             </a:fld>
             <a:endParaRPr lang="en-US" dirty="0"/>
           </a:p>
@@ -2189,7 +3840,7 @@
           <a:p>
             <a:fld id="{C57EFF1C-F422-4886-B1EF-BF064B2B48E0}" type="datetimeFigureOut">
               <a:rPr lang="en-US" smtClean="0"/>
-              <a:t>11/12/2025</a:t>
+              <a:t>11/18/2025</a:t>
             </a:fld>
             <a:endParaRPr lang="en-US" dirty="0"/>
           </a:p>
@@ -2297,7 +3948,7 @@
         </p:nvSpPr>
         <p:spPr>
           <a:xfrm>
-            <a:off x="839788" y="457200"/>
+            <a:off x="839792" y="457200"/>
             <a:ext cx="3932237" cy="1600200"/>
           </a:xfrm>
         </p:spPr>
@@ -2334,7 +3985,7 @@
         </p:nvSpPr>
         <p:spPr>
           <a:xfrm>
-            <a:off x="5183188" y="987425"/>
+            <a:off x="5183188" y="987427"/>
             <a:ext cx="6172200" cy="4873625"/>
           </a:xfrm>
         </p:spPr>
@@ -2424,7 +4075,7 @@
         </p:nvSpPr>
         <p:spPr>
           <a:xfrm>
-            <a:off x="839788" y="2057400"/>
+            <a:off x="839792" y="2057400"/>
             <a:ext cx="3932237" cy="3811588"/>
           </a:xfrm>
         </p:spPr>
@@ -2435,35 +4086,35 @@
               <a:buNone/>
               <a:defRPr sz="1600"/>
             </a:lvl1pPr>
-            <a:lvl2pPr marL="457200" indent="0">
+            <a:lvl2pPr marL="457202" indent="0">
               <a:buNone/>
               <a:defRPr sz="1400"/>
             </a:lvl2pPr>
-            <a:lvl3pPr marL="914400" indent="0">
+            <a:lvl3pPr marL="914405" indent="0">
               <a:buNone/>
               <a:defRPr sz="1200"/>
             </a:lvl3pPr>
-            <a:lvl4pPr marL="1371600" indent="0">
+            <a:lvl4pPr marL="1371607" indent="0">
               <a:buNone/>
               <a:defRPr sz="1000"/>
             </a:lvl4pPr>
-            <a:lvl5pPr marL="1828800" indent="0">
+            <a:lvl5pPr marL="1828809" indent="0">
               <a:buNone/>
               <a:defRPr sz="1000"/>
             </a:lvl5pPr>
-            <a:lvl6pPr marL="2286000" indent="0">
+            <a:lvl6pPr marL="2286011" indent="0">
               <a:buNone/>
               <a:defRPr sz="1000"/>
             </a:lvl6pPr>
-            <a:lvl7pPr marL="2743200" indent="0">
+            <a:lvl7pPr marL="2743214" indent="0">
               <a:buNone/>
               <a:defRPr sz="1000"/>
             </a:lvl7pPr>
-            <a:lvl8pPr marL="3200400" indent="0">
+            <a:lvl8pPr marL="3200416" indent="0">
               <a:buNone/>
               <a:defRPr sz="1000"/>
             </a:lvl8pPr>
-            <a:lvl9pPr marL="3657600" indent="0">
+            <a:lvl9pPr marL="3657618" indent="0">
               <a:buNone/>
               <a:defRPr sz="1000"/>
             </a:lvl9pPr>
@@ -2500,7 +4151,7 @@
           <a:p>
             <a:fld id="{C57EFF1C-F422-4886-B1EF-BF064B2B48E0}" type="datetimeFigureOut">
               <a:rPr lang="en-US" smtClean="0"/>
-              <a:t>11/12/2025</a:t>
+              <a:t>11/18/2025</a:t>
             </a:fld>
             <a:endParaRPr lang="en-US" dirty="0"/>
           </a:p>
@@ -2608,7 +4259,7 @@
         </p:nvSpPr>
         <p:spPr>
           <a:xfrm>
-            <a:off x="839788" y="457200"/>
+            <a:off x="839792" y="457200"/>
             <a:ext cx="3932237" cy="1600200"/>
           </a:xfrm>
         </p:spPr>
@@ -2645,7 +4296,7 @@
         </p:nvSpPr>
         <p:spPr>
           <a:xfrm>
-            <a:off x="5183188" y="987425"/>
+            <a:off x="5183188" y="987427"/>
             <a:ext cx="6172200" cy="4873625"/>
           </a:xfrm>
         </p:spPr>
@@ -2656,35 +4307,35 @@
               <a:buNone/>
               <a:defRPr sz="3200"/>
             </a:lvl1pPr>
-            <a:lvl2pPr marL="457200" indent="0">
+            <a:lvl2pPr marL="457202" indent="0">
               <a:buNone/>
               <a:defRPr sz="2800"/>
             </a:lvl2pPr>
-            <a:lvl3pPr marL="914400" indent="0">
+            <a:lvl3pPr marL="914405" indent="0">
               <a:buNone/>
               <a:defRPr sz="2400"/>
             </a:lvl3pPr>
-            <a:lvl4pPr marL="1371600" indent="0">
+            <a:lvl4pPr marL="1371607" indent="0">
               <a:buNone/>
               <a:defRPr sz="2000"/>
             </a:lvl4pPr>
-            <a:lvl5pPr marL="1828800" indent="0">
+            <a:lvl5pPr marL="1828809" indent="0">
               <a:buNone/>
               <a:defRPr sz="2000"/>
             </a:lvl5pPr>
-            <a:lvl6pPr marL="2286000" indent="0">
+            <a:lvl6pPr marL="2286011" indent="0">
               <a:buNone/>
               <a:defRPr sz="2000"/>
             </a:lvl6pPr>
-            <a:lvl7pPr marL="2743200" indent="0">
+            <a:lvl7pPr marL="2743214" indent="0">
               <a:buNone/>
               <a:defRPr sz="2000"/>
             </a:lvl7pPr>
-            <a:lvl8pPr marL="3200400" indent="0">
+            <a:lvl8pPr marL="3200416" indent="0">
               <a:buNone/>
               <a:defRPr sz="2000"/>
             </a:lvl8pPr>
-            <a:lvl9pPr marL="3657600" indent="0">
+            <a:lvl9pPr marL="3657618" indent="0">
               <a:buNone/>
               <a:defRPr sz="2000"/>
             </a:lvl9pPr>
@@ -2712,7 +4363,7 @@
         </p:nvSpPr>
         <p:spPr>
           <a:xfrm>
-            <a:off x="839788" y="2057400"/>
+            <a:off x="839792" y="2057400"/>
             <a:ext cx="3932237" cy="3811588"/>
           </a:xfrm>
         </p:spPr>
@@ -2723,35 +4374,35 @@
               <a:buNone/>
               <a:defRPr sz="1600"/>
             </a:lvl1pPr>
-            <a:lvl2pPr marL="457200" indent="0">
+            <a:lvl2pPr marL="457202" indent="0">
               <a:buNone/>
               <a:defRPr sz="1400"/>
             </a:lvl2pPr>
-            <a:lvl3pPr marL="914400" indent="0">
+            <a:lvl3pPr marL="914405" indent="0">
               <a:buNone/>
               <a:defRPr sz="1200"/>
             </a:lvl3pPr>
-            <a:lvl4pPr marL="1371600" indent="0">
+            <a:lvl4pPr marL="1371607" indent="0">
               <a:buNone/>
               <a:defRPr sz="1000"/>
             </a:lvl4pPr>
-            <a:lvl5pPr marL="1828800" indent="0">
+            <a:lvl5pPr marL="1828809" indent="0">
               <a:buNone/>
               <a:defRPr sz="1000"/>
             </a:lvl5pPr>
-            <a:lvl6pPr marL="2286000" indent="0">
+            <a:lvl6pPr marL="2286011" indent="0">
               <a:buNone/>
               <a:defRPr sz="1000"/>
             </a:lvl6pPr>
-            <a:lvl7pPr marL="2743200" indent="0">
+            <a:lvl7pPr marL="2743214" indent="0">
               <a:buNone/>
               <a:defRPr sz="1000"/>
             </a:lvl7pPr>
-            <a:lvl8pPr marL="3200400" indent="0">
+            <a:lvl8pPr marL="3200416" indent="0">
               <a:buNone/>
               <a:defRPr sz="1000"/>
             </a:lvl8pPr>
-            <a:lvl9pPr marL="3657600" indent="0">
+            <a:lvl9pPr marL="3657618" indent="0">
               <a:buNone/>
               <a:defRPr sz="1000"/>
             </a:lvl9pPr>
@@ -2788,7 +4439,7 @@
           <a:p>
             <a:fld id="{C57EFF1C-F422-4886-B1EF-BF064B2B48E0}" type="datetimeFigureOut">
               <a:rPr lang="en-US" smtClean="0"/>
-              <a:t>11/12/2025</a:t>
+              <a:t>11/18/2025</a:t>
             </a:fld>
             <a:endParaRPr lang="en-US" dirty="0"/>
           </a:p>
@@ -2901,7 +4552,7 @@
         </p:nvSpPr>
         <p:spPr>
           <a:xfrm>
-            <a:off x="838200" y="365125"/>
+            <a:off x="838200" y="365127"/>
             <a:ext cx="10515600" cy="1325563"/>
           </a:xfrm>
           <a:prstGeom prst="rect">
@@ -3006,7 +4657,7 @@
         </p:nvSpPr>
         <p:spPr>
           <a:xfrm>
-            <a:off x="838200" y="6356350"/>
+            <a:off x="838200" y="6356352"/>
             <a:ext cx="2743200" cy="365125"/>
           </a:xfrm>
           <a:prstGeom prst="rect">
@@ -3029,7 +4680,7 @@
           <a:p>
             <a:fld id="{C57EFF1C-F422-4886-B1EF-BF064B2B48E0}" type="datetimeFigureOut">
               <a:rPr lang="en-US" smtClean="0"/>
-              <a:t>11/12/2025</a:t>
+              <a:t>11/18/2025</a:t>
             </a:fld>
             <a:endParaRPr lang="en-US" dirty="0"/>
           </a:p>
@@ -3053,7 +4704,7 @@
         </p:nvSpPr>
         <p:spPr>
           <a:xfrm>
-            <a:off x="4038600" y="6356350"/>
+            <a:off x="4038600" y="6356352"/>
             <a:ext cx="4114800" cy="365125"/>
           </a:xfrm>
           <a:prstGeom prst="rect">
@@ -3096,7 +4747,7 @@
         </p:nvSpPr>
         <p:spPr>
           <a:xfrm>
-            <a:off x="8610600" y="6356350"/>
+            <a:off x="8610600" y="6356352"/>
             <a:ext cx="2743200" cy="365125"/>
           </a:xfrm>
           <a:prstGeom prst="rect">
@@ -3148,7 +4799,7 @@
   </p:sldLayoutIdLst>
   <p:txStyles>
     <p:titleStyle>
-      <a:lvl1pPr algn="l" defTabSz="914400" rtl="0" eaLnBrk="1" latinLnBrk="0" hangingPunct="1">
+      <a:lvl1pPr algn="l" defTabSz="914405" rtl="0" eaLnBrk="1" latinLnBrk="0" hangingPunct="1">
         <a:lnSpc>
           <a:spcPct val="90000"/>
         </a:lnSpc>
@@ -3167,7 +4818,7 @@
       </a:lvl1pPr>
     </p:titleStyle>
     <p:bodyStyle>
-      <a:lvl1pPr marL="228600" indent="-228600" algn="l" defTabSz="914400" rtl="0" eaLnBrk="1" latinLnBrk="0" hangingPunct="1">
+      <a:lvl1pPr marL="228601" indent="-228601" algn="l" defTabSz="914405" rtl="0" eaLnBrk="1" latinLnBrk="0" hangingPunct="1">
         <a:lnSpc>
           <a:spcPct val="90000"/>
         </a:lnSpc>
@@ -3185,7 +4836,7 @@
           <a:cs typeface="+mn-cs"/>
         </a:defRPr>
       </a:lvl1pPr>
-      <a:lvl2pPr marL="685800" indent="-228600" algn="l" defTabSz="914400" rtl="0" eaLnBrk="1" latinLnBrk="0" hangingPunct="1">
+      <a:lvl2pPr marL="685803" indent="-228601" algn="l" defTabSz="914405" rtl="0" eaLnBrk="1" latinLnBrk="0" hangingPunct="1">
         <a:lnSpc>
           <a:spcPct val="90000"/>
         </a:lnSpc>
@@ -3203,7 +4854,7 @@
           <a:cs typeface="+mn-cs"/>
         </a:defRPr>
       </a:lvl2pPr>
-      <a:lvl3pPr marL="1143000" indent="-228600" algn="l" defTabSz="914400" rtl="0" eaLnBrk="1" latinLnBrk="0" hangingPunct="1">
+      <a:lvl3pPr marL="1143006" indent="-228601" algn="l" defTabSz="914405" rtl="0" eaLnBrk="1" latinLnBrk="0" hangingPunct="1">
         <a:lnSpc>
           <a:spcPct val="90000"/>
         </a:lnSpc>
@@ -3221,7 +4872,7 @@
           <a:cs typeface="+mn-cs"/>
         </a:defRPr>
       </a:lvl3pPr>
-      <a:lvl4pPr marL="1600200" indent="-228600" algn="l" defTabSz="914400" rtl="0" eaLnBrk="1" latinLnBrk="0" hangingPunct="1">
+      <a:lvl4pPr marL="1600208" indent="-228601" algn="l" defTabSz="914405" rtl="0" eaLnBrk="1" latinLnBrk="0" hangingPunct="1">
         <a:lnSpc>
           <a:spcPct val="90000"/>
         </a:lnSpc>
@@ -3239,7 +4890,7 @@
           <a:cs typeface="+mn-cs"/>
         </a:defRPr>
       </a:lvl4pPr>
-      <a:lvl5pPr marL="2057400" indent="-228600" algn="l" defTabSz="914400" rtl="0" eaLnBrk="1" latinLnBrk="0" hangingPunct="1">
+      <a:lvl5pPr marL="2057410" indent="-228601" algn="l" defTabSz="914405" rtl="0" eaLnBrk="1" latinLnBrk="0" hangingPunct="1">
         <a:lnSpc>
           <a:spcPct val="90000"/>
         </a:lnSpc>
@@ -3257,7 +4908,7 @@
           <a:cs typeface="+mn-cs"/>
         </a:defRPr>
       </a:lvl5pPr>
-      <a:lvl6pPr marL="2514600" indent="-228600" algn="l" defTabSz="914400" rtl="0" eaLnBrk="1" latinLnBrk="0" hangingPunct="1">
+      <a:lvl6pPr marL="2514613" indent="-228601" algn="l" defTabSz="914405" rtl="0" eaLnBrk="1" latinLnBrk="0" hangingPunct="1">
         <a:lnSpc>
           <a:spcPct val="90000"/>
         </a:lnSpc>
@@ -3275,7 +4926,7 @@
           <a:cs typeface="+mn-cs"/>
         </a:defRPr>
       </a:lvl6pPr>
-      <a:lvl7pPr marL="2971800" indent="-228600" algn="l" defTabSz="914400" rtl="0" eaLnBrk="1" latinLnBrk="0" hangingPunct="1">
+      <a:lvl7pPr marL="2971815" indent="-228601" algn="l" defTabSz="914405" rtl="0" eaLnBrk="1" latinLnBrk="0" hangingPunct="1">
         <a:lnSpc>
           <a:spcPct val="90000"/>
         </a:lnSpc>
@@ -3293,7 +4944,7 @@
           <a:cs typeface="+mn-cs"/>
         </a:defRPr>
       </a:lvl7pPr>
-      <a:lvl8pPr marL="3429000" indent="-228600" algn="l" defTabSz="914400" rtl="0" eaLnBrk="1" latinLnBrk="0" hangingPunct="1">
+      <a:lvl8pPr marL="3429017" indent="-228601" algn="l" defTabSz="914405" rtl="0" eaLnBrk="1" latinLnBrk="0" hangingPunct="1">
         <a:lnSpc>
           <a:spcPct val="90000"/>
         </a:lnSpc>
@@ -3311,7 +4962,7 @@
           <a:cs typeface="+mn-cs"/>
         </a:defRPr>
       </a:lvl8pPr>
-      <a:lvl9pPr marL="3886200" indent="-228600" algn="l" defTabSz="914400" rtl="0" eaLnBrk="1" latinLnBrk="0" hangingPunct="1">
+      <a:lvl9pPr marL="3886220" indent="-228601" algn="l" defTabSz="914405" rtl="0" eaLnBrk="1" latinLnBrk="0" hangingPunct="1">
         <a:lnSpc>
           <a:spcPct val="90000"/>
         </a:lnSpc>
@@ -3334,7 +4985,7 @@
       <a:defPPr>
         <a:defRPr lang="en-US"/>
       </a:defPPr>
-      <a:lvl1pPr marL="0" algn="l" defTabSz="914400" rtl="0" eaLnBrk="1" latinLnBrk="0" hangingPunct="1">
+      <a:lvl1pPr marL="0" algn="l" defTabSz="914405" rtl="0" eaLnBrk="1" latinLnBrk="0" hangingPunct="1">
         <a:defRPr sz="1800" kern="1200">
           <a:solidFill>
             <a:schemeClr val="tx1"/>
@@ -3344,7 +4995,7 @@
           <a:cs typeface="+mn-cs"/>
         </a:defRPr>
       </a:lvl1pPr>
-      <a:lvl2pPr marL="457200" algn="l" defTabSz="914400" rtl="0" eaLnBrk="1" latinLnBrk="0" hangingPunct="1">
+      <a:lvl2pPr marL="457202" algn="l" defTabSz="914405" rtl="0" eaLnBrk="1" latinLnBrk="0" hangingPunct="1">
         <a:defRPr sz="1800" kern="1200">
           <a:solidFill>
             <a:schemeClr val="tx1"/>
@@ -3354,7 +5005,7 @@
           <a:cs typeface="+mn-cs"/>
         </a:defRPr>
       </a:lvl2pPr>
-      <a:lvl3pPr marL="914400" algn="l" defTabSz="914400" rtl="0" eaLnBrk="1" latinLnBrk="0" hangingPunct="1">
+      <a:lvl3pPr marL="914405" algn="l" defTabSz="914405" rtl="0" eaLnBrk="1" latinLnBrk="0" hangingPunct="1">
         <a:defRPr sz="1800" kern="1200">
           <a:solidFill>
             <a:schemeClr val="tx1"/>
@@ -3364,7 +5015,7 @@
           <a:cs typeface="+mn-cs"/>
         </a:defRPr>
       </a:lvl3pPr>
-      <a:lvl4pPr marL="1371600" algn="l" defTabSz="914400" rtl="0" eaLnBrk="1" latinLnBrk="0" hangingPunct="1">
+      <a:lvl4pPr marL="1371607" algn="l" defTabSz="914405" rtl="0" eaLnBrk="1" latinLnBrk="0" hangingPunct="1">
         <a:defRPr sz="1800" kern="1200">
           <a:solidFill>
             <a:schemeClr val="tx1"/>
@@ -3374,7 +5025,7 @@
           <a:cs typeface="+mn-cs"/>
         </a:defRPr>
       </a:lvl4pPr>
-      <a:lvl5pPr marL="1828800" algn="l" defTabSz="914400" rtl="0" eaLnBrk="1" latinLnBrk="0" hangingPunct="1">
+      <a:lvl5pPr marL="1828809" algn="l" defTabSz="914405" rtl="0" eaLnBrk="1" latinLnBrk="0" hangingPunct="1">
         <a:defRPr sz="1800" kern="1200">
           <a:solidFill>
             <a:schemeClr val="tx1"/>
@@ -3384,7 +5035,7 @@
           <a:cs typeface="+mn-cs"/>
         </a:defRPr>
       </a:lvl5pPr>
-      <a:lvl6pPr marL="2286000" algn="l" defTabSz="914400" rtl="0" eaLnBrk="1" latinLnBrk="0" hangingPunct="1">
+      <a:lvl6pPr marL="2286011" algn="l" defTabSz="914405" rtl="0" eaLnBrk="1" latinLnBrk="0" hangingPunct="1">
         <a:defRPr sz="1800" kern="1200">
           <a:solidFill>
             <a:schemeClr val="tx1"/>
@@ -3394,7 +5045,7 @@
           <a:cs typeface="+mn-cs"/>
         </a:defRPr>
       </a:lvl6pPr>
-      <a:lvl7pPr marL="2743200" algn="l" defTabSz="914400" rtl="0" eaLnBrk="1" latinLnBrk="0" hangingPunct="1">
+      <a:lvl7pPr marL="2743214" algn="l" defTabSz="914405" rtl="0" eaLnBrk="1" latinLnBrk="0" hangingPunct="1">
         <a:defRPr sz="1800" kern="1200">
           <a:solidFill>
             <a:schemeClr val="tx1"/>
@@ -3404,7 +5055,7 @@
           <a:cs typeface="+mn-cs"/>
         </a:defRPr>
       </a:lvl7pPr>
-      <a:lvl8pPr marL="3200400" algn="l" defTabSz="914400" rtl="0" eaLnBrk="1" latinLnBrk="0" hangingPunct="1">
+      <a:lvl8pPr marL="3200416" algn="l" defTabSz="914405" rtl="0" eaLnBrk="1" latinLnBrk="0" hangingPunct="1">
         <a:defRPr sz="1800" kern="1200">
           <a:solidFill>
             <a:schemeClr val="tx1"/>
@@ -3414,7 +5065,7 @@
           <a:cs typeface="+mn-cs"/>
         </a:defRPr>
       </a:lvl8pPr>
-      <a:lvl9pPr marL="3657600" algn="l" defTabSz="914400" rtl="0" eaLnBrk="1" latinLnBrk="0" hangingPunct="1">
+      <a:lvl9pPr marL="3657618" algn="l" defTabSz="914405" rtl="0" eaLnBrk="1" latinLnBrk="0" hangingPunct="1">
         <a:defRPr sz="1800" kern="1200">
           <a:solidFill>
             <a:schemeClr val="tx1"/>
@@ -3471,8 +5122,8 @@
         </p:nvSpPr>
         <p:spPr>
           <a:xfrm>
-            <a:off x="671209" y="1391460"/>
-            <a:ext cx="10539818" cy="3726101"/>
+            <a:off x="133351" y="1447802"/>
+            <a:ext cx="11070278" cy="3669761"/>
           </a:xfrm>
           <a:prstGeom prst="roundRect">
             <a:avLst/>
@@ -3530,8 +5181,8 @@
         </p:blipFill>
         <p:spPr>
           <a:xfrm>
-            <a:off x="7097599" y="990876"/>
-            <a:ext cx="3504480" cy="3456819"/>
+            <a:off x="7097599" y="993303"/>
+            <a:ext cx="3502020" cy="3454392"/>
           </a:xfrm>
           <a:prstGeom prst="rect">
             <a:avLst/>
@@ -3552,8 +5203,8 @@
         </p:nvSpPr>
         <p:spPr>
           <a:xfrm>
-            <a:off x="6320952" y="126460"/>
-            <a:ext cx="5057775" cy="4991101"/>
+            <a:off x="6320953" y="201927"/>
+            <a:ext cx="5054224" cy="4915634"/>
           </a:xfrm>
           <a:prstGeom prst="donut">
             <a:avLst>
@@ -3607,7 +5258,7 @@
         </p:nvSpPr>
         <p:spPr>
           <a:xfrm>
-            <a:off x="910551" y="1560021"/>
+            <a:off x="910551" y="1560023"/>
             <a:ext cx="4320948" cy="646331"/>
           </a:xfrm>
           <a:prstGeom prst="rect">
@@ -3781,7 +5432,7 @@
         </p:nvSpPr>
         <p:spPr>
           <a:xfrm>
-            <a:off x="7337197" y="4186085"/>
+            <a:off x="7402073" y="4293500"/>
             <a:ext cx="3504480" cy="523220"/>
           </a:xfrm>
           <a:prstGeom prst="rect">
@@ -3811,7 +5462,2679 @@
     </p:spTree>
     <p:extLst>
       <p:ext uri="{BB962C8B-B14F-4D97-AF65-F5344CB8AC3E}">
+        <p14:creationId xmlns:p14="http://schemas.microsoft.com/office/powerpoint/2010/main" val="1563125235"/>
+      </p:ext>
+    </p:extLst>
+  </p:cSld>
+  <p:clrMapOvr>
+    <a:masterClrMapping/>
+  </p:clrMapOvr>
+</p:sld>
+</file>
+
+<file path=ppt/slides/slide2.xml><?xml version="1.0" encoding="utf-8"?>
+<p:sld xmlns:a="http://schemas.openxmlformats.org/drawingml/2006/main" xmlns:r="http://schemas.openxmlformats.org/officeDocument/2006/relationships" xmlns:p="http://schemas.openxmlformats.org/presentationml/2006/main">
+  <p:cSld>
+    <p:bg>
+      <p:bgPr>
+        <a:solidFill>
+          <a:schemeClr val="tx1">
+            <a:lumMod val="85000"/>
+            <a:lumOff val="15000"/>
+          </a:schemeClr>
+        </a:solidFill>
+        <a:effectLst/>
+      </p:bgPr>
+    </p:bg>
+    <p:spTree>
+      <p:nvGrpSpPr>
+        <p:cNvPr id="1" name=""/>
+        <p:cNvGrpSpPr/>
+        <p:nvPr/>
+      </p:nvGrpSpPr>
+      <p:grpSpPr>
+        <a:xfrm>
+          <a:off x="0" y="0"/>
+          <a:ext cx="0" cy="0"/>
+          <a:chOff x="0" y="0"/>
+          <a:chExt cx="0" cy="0"/>
+        </a:xfrm>
+      </p:grpSpPr>
+      <p:sp>
+        <p:nvSpPr>
+          <p:cNvPr id="19" name="Rectangle: Rounded Corners 18">
+            <a:extLst>
+              <a:ext uri="{FF2B5EF4-FFF2-40B4-BE49-F238E27FC236}">
+                <a16:creationId xmlns:a16="http://schemas.microsoft.com/office/drawing/2014/main" id="{C9FFC704-D7AA-44AA-B963-1A3B79CE523D}"/>
+              </a:ext>
+            </a:extLst>
+          </p:cNvPr>
+          <p:cNvSpPr/>
+          <p:nvPr/>
+        </p:nvSpPr>
+        <p:spPr>
+          <a:xfrm>
+            <a:off x="104775" y="1419227"/>
+            <a:ext cx="11689404" cy="3669761"/>
+          </a:xfrm>
+          <a:prstGeom prst="roundRect">
+            <a:avLst/>
+          </a:prstGeom>
+          <a:solidFill>
+            <a:schemeClr val="accent1">
+              <a:lumMod val="75000"/>
+            </a:schemeClr>
+          </a:solidFill>
+        </p:spPr>
+        <p:style>
+          <a:lnRef idx="2">
+            <a:schemeClr val="accent1">
+              <a:shade val="50000"/>
+            </a:schemeClr>
+          </a:lnRef>
+          <a:fillRef idx="1">
+            <a:schemeClr val="accent1"/>
+          </a:fillRef>
+          <a:effectRef idx="0">
+            <a:schemeClr val="accent1"/>
+          </a:effectRef>
+          <a:fontRef idx="minor">
+            <a:schemeClr val="lt1"/>
+          </a:fontRef>
+        </p:style>
+        <p:txBody>
+          <a:bodyPr rtlCol="0" anchor="ctr"/>
+          <a:lstStyle/>
+          <a:p>
+            <a:pPr algn="ctr"/>
+            <a:endParaRPr lang="en-US" dirty="0"/>
+          </a:p>
+        </p:txBody>
+      </p:sp>
+      <p:sp>
+        <p:nvSpPr>
+          <p:cNvPr id="11" name="TextBox 10">
+            <a:extLst>
+              <a:ext uri="{FF2B5EF4-FFF2-40B4-BE49-F238E27FC236}">
+                <a16:creationId xmlns:a16="http://schemas.microsoft.com/office/drawing/2014/main" id="{2A0E3186-0D08-440F-A77C-30F4B9EC9034}"/>
+              </a:ext>
+            </a:extLst>
+          </p:cNvPr>
+          <p:cNvSpPr txBox="1"/>
+          <p:nvPr/>
+        </p:nvSpPr>
+        <p:spPr>
+          <a:xfrm>
+            <a:off x="1501219" y="1473742"/>
+            <a:ext cx="4222311" cy="707886"/>
+          </a:xfrm>
+          <a:prstGeom prst="rect">
+            <a:avLst/>
+          </a:prstGeom>
+          <a:noFill/>
+        </p:spPr>
+        <p:txBody>
+          <a:bodyPr wrap="square" rtlCol="0">
+            <a:spAutoFit/>
+          </a:bodyPr>
+          <a:lstStyle/>
+          <a:p>
+            <a:r>
+              <a:rPr lang="en-US" sz="4000" b="1" dirty="0">
+                <a:solidFill>
+                  <a:schemeClr val="bg1"/>
+                </a:solidFill>
+              </a:rPr>
+              <a:t>Data Professional</a:t>
+            </a:r>
+            <a:endParaRPr lang="en-US" sz="4000" dirty="0">
+              <a:solidFill>
+                <a:schemeClr val="bg1"/>
+              </a:solidFill>
+            </a:endParaRPr>
+          </a:p>
+        </p:txBody>
+      </p:sp>
+      <p:sp>
+        <p:nvSpPr>
+          <p:cNvPr id="12" name="TextBox 11">
+            <a:extLst>
+              <a:ext uri="{FF2B5EF4-FFF2-40B4-BE49-F238E27FC236}">
+                <a16:creationId xmlns:a16="http://schemas.microsoft.com/office/drawing/2014/main" id="{428B58AD-6B73-4A01-8E59-70D6AA3AEBF2}"/>
+              </a:ext>
+            </a:extLst>
+          </p:cNvPr>
+          <p:cNvSpPr txBox="1"/>
+          <p:nvPr/>
+        </p:nvSpPr>
+        <p:spPr>
+          <a:xfrm>
+            <a:off x="1501219" y="2842645"/>
+            <a:ext cx="6797207" cy="2246769"/>
+          </a:xfrm>
+          <a:prstGeom prst="rect">
+            <a:avLst/>
+          </a:prstGeom>
+          <a:noFill/>
+        </p:spPr>
+        <p:txBody>
+          <a:bodyPr wrap="square" rtlCol="0">
+            <a:spAutoFit/>
+          </a:bodyPr>
+          <a:lstStyle/>
+          <a:p>
+            <a:r>
+              <a:rPr lang="en-US" sz="2400" dirty="0">
+                <a:solidFill>
+                  <a:schemeClr val="bg1"/>
+                </a:solidFill>
+              </a:rPr>
+              <a:t>Data Analytics &amp; Management</a:t>
+            </a:r>
+          </a:p>
+          <a:p>
+            <a:r>
+              <a:rPr lang="en-US" sz="2400" dirty="0">
+                <a:solidFill>
+                  <a:schemeClr val="bg1"/>
+                </a:solidFill>
+              </a:rPr>
+              <a:t>Data Cleaning &amp; Transformation (Advanced)</a:t>
+            </a:r>
+          </a:p>
+          <a:p>
+            <a:r>
+              <a:rPr lang="en-US" sz="2400" dirty="0">
+                <a:solidFill>
+                  <a:schemeClr val="bg1"/>
+                </a:solidFill>
+              </a:rPr>
+              <a:t>Data Modeling and Database Design</a:t>
+            </a:r>
+          </a:p>
+          <a:p>
+            <a:r>
+              <a:rPr lang="en-US" sz="2400" dirty="0">
+                <a:solidFill>
+                  <a:schemeClr val="bg1"/>
+                </a:solidFill>
+              </a:rPr>
+              <a:t>Data Visualization &amp; Reporting</a:t>
+            </a:r>
+          </a:p>
+          <a:p>
+            <a:r>
+              <a:rPr lang="en-US" sz="2400" dirty="0">
+                <a:solidFill>
+                  <a:schemeClr val="bg1"/>
+                </a:solidFill>
+              </a:rPr>
+              <a:t>Business Insights &amp; Recommendations</a:t>
+            </a:r>
+          </a:p>
+          <a:p>
+            <a:endParaRPr lang="en-US" sz="2000" dirty="0">
+              <a:solidFill>
+                <a:schemeClr val="bg1"/>
+              </a:solidFill>
+            </a:endParaRPr>
+          </a:p>
+        </p:txBody>
+      </p:sp>
+      <p:cxnSp>
+        <p:nvCxnSpPr>
+          <p:cNvPr id="14" name="Straight Connector 13">
+            <a:extLst>
+              <a:ext uri="{FF2B5EF4-FFF2-40B4-BE49-F238E27FC236}">
+                <a16:creationId xmlns:a16="http://schemas.microsoft.com/office/drawing/2014/main" id="{3D55CEB3-A522-41A9-91BD-ADF144B33741}"/>
+              </a:ext>
+            </a:extLst>
+          </p:cNvPr>
+          <p:cNvCxnSpPr>
+            <a:cxnSpLocks/>
+          </p:cNvCxnSpPr>
+          <p:nvPr/>
+        </p:nvCxnSpPr>
+        <p:spPr>
+          <a:xfrm>
+            <a:off x="800102" y="2181628"/>
+            <a:ext cx="5572125" cy="0"/>
+          </a:xfrm>
+          <a:prstGeom prst="line">
+            <a:avLst/>
+          </a:prstGeom>
+          <a:ln>
+            <a:solidFill>
+              <a:schemeClr val="bg1"/>
+            </a:solidFill>
+          </a:ln>
+        </p:spPr>
+        <p:style>
+          <a:lnRef idx="1">
+            <a:schemeClr val="accent2"/>
+          </a:lnRef>
+          <a:fillRef idx="0">
+            <a:schemeClr val="accent2"/>
+          </a:fillRef>
+          <a:effectRef idx="0">
+            <a:schemeClr val="accent2"/>
+          </a:effectRef>
+          <a:fontRef idx="minor">
+            <a:schemeClr val="tx1"/>
+          </a:fontRef>
+        </p:style>
+      </p:cxnSp>
+      <p:sp>
+        <p:nvSpPr>
+          <p:cNvPr id="9" name="TextBox 8">
+            <a:extLst>
+              <a:ext uri="{FF2B5EF4-FFF2-40B4-BE49-F238E27FC236}">
+                <a16:creationId xmlns:a16="http://schemas.microsoft.com/office/drawing/2014/main" id="{F7380DDD-973E-46D0-A95E-3BE6702069C9}"/>
+              </a:ext>
+            </a:extLst>
+          </p:cNvPr>
+          <p:cNvSpPr txBox="1"/>
+          <p:nvPr/>
+        </p:nvSpPr>
+        <p:spPr>
+          <a:xfrm>
+            <a:off x="672224" y="2396429"/>
+            <a:ext cx="4608274" cy="523220"/>
+          </a:xfrm>
+          <a:prstGeom prst="rect">
+            <a:avLst/>
+          </a:prstGeom>
+          <a:noFill/>
+        </p:spPr>
+        <p:txBody>
+          <a:bodyPr wrap="square" rtlCol="0">
+            <a:spAutoFit/>
+          </a:bodyPr>
+          <a:lstStyle/>
+          <a:p>
+            <a:r>
+              <a:rPr lang="en-US" sz="2800" b="1" dirty="0">
+                <a:solidFill>
+                  <a:srgbClr val="FFFF00"/>
+                </a:solidFill>
+              </a:rPr>
+              <a:t>Data Problem Solver</a:t>
+            </a:r>
+          </a:p>
+        </p:txBody>
+      </p:sp>
+      <p:sp>
+        <p:nvSpPr>
+          <p:cNvPr id="3" name="Oval 2">
+            <a:extLst>
+              <a:ext uri="{FF2B5EF4-FFF2-40B4-BE49-F238E27FC236}">
+                <a16:creationId xmlns:a16="http://schemas.microsoft.com/office/drawing/2014/main" id="{C3708F4E-CE80-4B9A-8AA2-820FAA563440}"/>
+              </a:ext>
+            </a:extLst>
+          </p:cNvPr>
+          <p:cNvSpPr/>
+          <p:nvPr/>
+        </p:nvSpPr>
+        <p:spPr>
+          <a:xfrm rot="21137689">
+            <a:off x="1247474" y="2987927"/>
+            <a:ext cx="193899" cy="158625"/>
+          </a:xfrm>
+          <a:prstGeom prst="ellipse">
+            <a:avLst/>
+          </a:prstGeom>
+          <a:solidFill>
+            <a:srgbClr val="FFFF00"/>
+          </a:solidFill>
+        </p:spPr>
+        <p:style>
+          <a:lnRef idx="2">
+            <a:schemeClr val="accent1">
+              <a:shade val="50000"/>
+            </a:schemeClr>
+          </a:lnRef>
+          <a:fillRef idx="1">
+            <a:schemeClr val="accent1"/>
+          </a:fillRef>
+          <a:effectRef idx="0">
+            <a:schemeClr val="accent1"/>
+          </a:effectRef>
+          <a:fontRef idx="minor">
+            <a:schemeClr val="lt1"/>
+          </a:fontRef>
+        </p:style>
+        <p:txBody>
+          <a:bodyPr rtlCol="0" anchor="ctr"/>
+          <a:lstStyle/>
+          <a:p>
+            <a:endParaRPr lang="en-US"/>
+          </a:p>
+        </p:txBody>
+      </p:sp>
+      <p:sp>
+        <p:nvSpPr>
+          <p:cNvPr id="13" name="Oval 12">
+            <a:extLst>
+              <a:ext uri="{FF2B5EF4-FFF2-40B4-BE49-F238E27FC236}">
+                <a16:creationId xmlns:a16="http://schemas.microsoft.com/office/drawing/2014/main" id="{02BF6A6E-FF8C-43E4-91A9-BA782273A25A}"/>
+              </a:ext>
+            </a:extLst>
+          </p:cNvPr>
+          <p:cNvSpPr/>
+          <p:nvPr/>
+        </p:nvSpPr>
+        <p:spPr>
+          <a:xfrm rot="21137689">
+            <a:off x="1247474" y="3361353"/>
+            <a:ext cx="193899" cy="158625"/>
+          </a:xfrm>
+          <a:prstGeom prst="ellipse">
+            <a:avLst/>
+          </a:prstGeom>
+          <a:solidFill>
+            <a:srgbClr val="FFFF00"/>
+          </a:solidFill>
+        </p:spPr>
+        <p:style>
+          <a:lnRef idx="2">
+            <a:schemeClr val="accent1">
+              <a:shade val="50000"/>
+            </a:schemeClr>
+          </a:lnRef>
+          <a:fillRef idx="1">
+            <a:schemeClr val="accent1"/>
+          </a:fillRef>
+          <a:effectRef idx="0">
+            <a:schemeClr val="accent1"/>
+          </a:effectRef>
+          <a:fontRef idx="minor">
+            <a:schemeClr val="lt1"/>
+          </a:fontRef>
+        </p:style>
+        <p:txBody>
+          <a:bodyPr rtlCol="0" anchor="ctr"/>
+          <a:lstStyle/>
+          <a:p>
+            <a:endParaRPr lang="en-US"/>
+          </a:p>
+        </p:txBody>
+      </p:sp>
+      <p:sp>
+        <p:nvSpPr>
+          <p:cNvPr id="15" name="Oval 14">
+            <a:extLst>
+              <a:ext uri="{FF2B5EF4-FFF2-40B4-BE49-F238E27FC236}">
+                <a16:creationId xmlns:a16="http://schemas.microsoft.com/office/drawing/2014/main" id="{7F95BDBC-C819-4404-B0A3-5C25701246B1}"/>
+              </a:ext>
+            </a:extLst>
+          </p:cNvPr>
+          <p:cNvSpPr/>
+          <p:nvPr/>
+        </p:nvSpPr>
+        <p:spPr>
+          <a:xfrm rot="21137689">
+            <a:off x="1238355" y="3702297"/>
+            <a:ext cx="193899" cy="158625"/>
+          </a:xfrm>
+          <a:prstGeom prst="ellipse">
+            <a:avLst/>
+          </a:prstGeom>
+          <a:solidFill>
+            <a:srgbClr val="FFFF00"/>
+          </a:solidFill>
+        </p:spPr>
+        <p:style>
+          <a:lnRef idx="2">
+            <a:schemeClr val="accent1">
+              <a:shade val="50000"/>
+            </a:schemeClr>
+          </a:lnRef>
+          <a:fillRef idx="1">
+            <a:schemeClr val="accent1"/>
+          </a:fillRef>
+          <a:effectRef idx="0">
+            <a:schemeClr val="accent1"/>
+          </a:effectRef>
+          <a:fontRef idx="minor">
+            <a:schemeClr val="lt1"/>
+          </a:fontRef>
+        </p:style>
+        <p:txBody>
+          <a:bodyPr rtlCol="0" anchor="ctr"/>
+          <a:lstStyle/>
+          <a:p>
+            <a:endParaRPr lang="en-US"/>
+          </a:p>
+        </p:txBody>
+      </p:sp>
+      <p:sp>
+        <p:nvSpPr>
+          <p:cNvPr id="17" name="Oval 16">
+            <a:extLst>
+              <a:ext uri="{FF2B5EF4-FFF2-40B4-BE49-F238E27FC236}">
+                <a16:creationId xmlns:a16="http://schemas.microsoft.com/office/drawing/2014/main" id="{EE225A4A-67BD-4F79-84D7-A6A14B5EEEE2}"/>
+              </a:ext>
+            </a:extLst>
+          </p:cNvPr>
+          <p:cNvSpPr/>
+          <p:nvPr/>
+        </p:nvSpPr>
+        <p:spPr>
+          <a:xfrm rot="21137689">
+            <a:off x="1238354" y="4075723"/>
+            <a:ext cx="193899" cy="158625"/>
+          </a:xfrm>
+          <a:prstGeom prst="ellipse">
+            <a:avLst/>
+          </a:prstGeom>
+          <a:solidFill>
+            <a:srgbClr val="FFFF00"/>
+          </a:solidFill>
+        </p:spPr>
+        <p:style>
+          <a:lnRef idx="2">
+            <a:schemeClr val="accent1">
+              <a:shade val="50000"/>
+            </a:schemeClr>
+          </a:lnRef>
+          <a:fillRef idx="1">
+            <a:schemeClr val="accent1"/>
+          </a:fillRef>
+          <a:effectRef idx="0">
+            <a:schemeClr val="accent1"/>
+          </a:effectRef>
+          <a:fontRef idx="minor">
+            <a:schemeClr val="lt1"/>
+          </a:fontRef>
+        </p:style>
+        <p:txBody>
+          <a:bodyPr rtlCol="0" anchor="ctr"/>
+          <a:lstStyle/>
+          <a:p>
+            <a:endParaRPr lang="en-US"/>
+          </a:p>
+        </p:txBody>
+      </p:sp>
+      <p:sp>
+        <p:nvSpPr>
+          <p:cNvPr id="18" name="Oval 17">
+            <a:extLst>
+              <a:ext uri="{FF2B5EF4-FFF2-40B4-BE49-F238E27FC236}">
+                <a16:creationId xmlns:a16="http://schemas.microsoft.com/office/drawing/2014/main" id="{FD2DFD5B-E0AD-4C65-BD45-1ED908A7BA07}"/>
+              </a:ext>
+            </a:extLst>
+          </p:cNvPr>
+          <p:cNvSpPr/>
+          <p:nvPr/>
+        </p:nvSpPr>
+        <p:spPr>
+          <a:xfrm rot="21137689">
+            <a:off x="1247474" y="4437013"/>
+            <a:ext cx="193899" cy="158625"/>
+          </a:xfrm>
+          <a:prstGeom prst="ellipse">
+            <a:avLst/>
+          </a:prstGeom>
+          <a:solidFill>
+            <a:srgbClr val="FFFF00"/>
+          </a:solidFill>
+        </p:spPr>
+        <p:style>
+          <a:lnRef idx="2">
+            <a:schemeClr val="accent1">
+              <a:shade val="50000"/>
+            </a:schemeClr>
+          </a:lnRef>
+          <a:fillRef idx="1">
+            <a:schemeClr val="accent1"/>
+          </a:fillRef>
+          <a:effectRef idx="0">
+            <a:schemeClr val="accent1"/>
+          </a:effectRef>
+          <a:fontRef idx="minor">
+            <a:schemeClr val="lt1"/>
+          </a:fontRef>
+        </p:style>
+        <p:txBody>
+          <a:bodyPr rtlCol="0" anchor="ctr"/>
+          <a:lstStyle/>
+          <a:p>
+            <a:endParaRPr lang="en-US"/>
+          </a:p>
+        </p:txBody>
+      </p:sp>
+      <p:pic>
+        <p:nvPicPr>
+          <p:cNvPr id="20" name="Picture 19">
+            <a:extLst>
+              <a:ext uri="{FF2B5EF4-FFF2-40B4-BE49-F238E27FC236}">
+                <a16:creationId xmlns:a16="http://schemas.microsoft.com/office/drawing/2014/main" id="{C5AFF610-9A9C-459E-868C-1ABFEDA6413B}"/>
+              </a:ext>
+            </a:extLst>
+          </p:cNvPr>
+          <p:cNvPicPr>
+            <a:picLocks noChangeAspect="1"/>
+          </p:cNvPicPr>
+          <p:nvPr/>
+        </p:nvPicPr>
+        <p:blipFill rotWithShape="1">
+          <a:blip r:embed="rId3">
+            <a:extLst>
+              <a:ext uri="{28A0092B-C50C-407E-A947-70E740481C1C}">
+                <a14:useLocalDpi xmlns:a14="http://schemas.microsoft.com/office/drawing/2010/main" val="0"/>
+              </a:ext>
+            </a:extLst>
+          </a:blip>
+          <a:srcRect l="1" r="-2931" b="12083"/>
+          <a:stretch/>
+        </p:blipFill>
+        <p:spPr>
+          <a:xfrm>
+            <a:off x="7688149" y="964728"/>
+            <a:ext cx="3502020" cy="3454392"/>
+          </a:xfrm>
+          <a:prstGeom prst="rect">
+            <a:avLst/>
+          </a:prstGeom>
+        </p:spPr>
+      </p:pic>
+      <p:sp>
+        <p:nvSpPr>
+          <p:cNvPr id="21" name="Circle: Hollow 20">
+            <a:extLst>
+              <a:ext uri="{FF2B5EF4-FFF2-40B4-BE49-F238E27FC236}">
+                <a16:creationId xmlns:a16="http://schemas.microsoft.com/office/drawing/2014/main" id="{FADA3E3F-24E6-4865-9599-F0AC00463A37}"/>
+              </a:ext>
+            </a:extLst>
+          </p:cNvPr>
+          <p:cNvSpPr/>
+          <p:nvPr/>
+        </p:nvSpPr>
+        <p:spPr>
+          <a:xfrm>
+            <a:off x="6911503" y="173352"/>
+            <a:ext cx="5054224" cy="4915634"/>
+          </a:xfrm>
+          <a:prstGeom prst="donut">
+            <a:avLst>
+              <a:gd name="adj" fmla="val 18060"/>
+            </a:avLst>
+          </a:prstGeom>
+          <a:solidFill>
+            <a:schemeClr val="accent1">
+              <a:lumMod val="75000"/>
+            </a:schemeClr>
+          </a:solidFill>
+          <a:ln>
+            <a:noFill/>
+          </a:ln>
+        </p:spPr>
+        <p:style>
+          <a:lnRef idx="2">
+            <a:schemeClr val="accent1">
+              <a:shade val="50000"/>
+            </a:schemeClr>
+          </a:lnRef>
+          <a:fillRef idx="1">
+            <a:schemeClr val="accent1"/>
+          </a:fillRef>
+          <a:effectRef idx="0">
+            <a:schemeClr val="accent1"/>
+          </a:effectRef>
+          <a:fontRef idx="minor">
+            <a:schemeClr val="lt1"/>
+          </a:fontRef>
+        </p:style>
+        <p:txBody>
+          <a:bodyPr rtlCol="0" anchor="ctr"/>
+          <a:lstStyle/>
+          <a:p>
+            <a:pPr algn="ctr"/>
+            <a:endParaRPr lang="en-US" dirty="0">
+              <a:solidFill>
+                <a:schemeClr val="tx1"/>
+              </a:solidFill>
+            </a:endParaRPr>
+          </a:p>
+        </p:txBody>
+      </p:sp>
+      <p:sp>
+        <p:nvSpPr>
+          <p:cNvPr id="22" name="TextBox 21">
+            <a:extLst>
+              <a:ext uri="{FF2B5EF4-FFF2-40B4-BE49-F238E27FC236}">
+                <a16:creationId xmlns:a16="http://schemas.microsoft.com/office/drawing/2014/main" id="{6CD75328-BDE2-4487-A24B-7A71B759F9CA}"/>
+              </a:ext>
+            </a:extLst>
+          </p:cNvPr>
+          <p:cNvSpPr txBox="1"/>
+          <p:nvPr/>
+        </p:nvSpPr>
+        <p:spPr>
+          <a:xfrm>
+            <a:off x="7870565" y="4246631"/>
+            <a:ext cx="4225619" cy="646331"/>
+          </a:xfrm>
+          <a:prstGeom prst="rect">
+            <a:avLst/>
+          </a:prstGeom>
+          <a:noFill/>
+        </p:spPr>
+        <p:txBody>
+          <a:bodyPr wrap="square" rtlCol="0">
+            <a:spAutoFit/>
+          </a:bodyPr>
+          <a:lstStyle/>
+          <a:p>
+            <a:r>
+              <a:rPr lang="en-US" sz="3600" b="1" dirty="0">
+                <a:solidFill>
+                  <a:schemeClr val="bg1"/>
+                </a:solidFill>
+              </a:rPr>
+              <a:t>Sourov</a:t>
+            </a:r>
+            <a:r>
+              <a:rPr lang="en-US" sz="3600" dirty="0">
+                <a:solidFill>
+                  <a:schemeClr val="bg2"/>
+                </a:solidFill>
+                <a:latin typeface="Century" panose="02040604050505020304" pitchFamily="18" charset="0"/>
+                <a:cs typeface="Aharoni" panose="02010803020104030203" pitchFamily="2" charset="-79"/>
+              </a:rPr>
+              <a:t> </a:t>
+            </a:r>
+            <a:r>
+              <a:rPr lang="en-US" sz="3600" b="1" dirty="0">
+                <a:solidFill>
+                  <a:schemeClr val="bg1"/>
+                </a:solidFill>
+              </a:rPr>
+              <a:t>Talukder</a:t>
+            </a:r>
+          </a:p>
+        </p:txBody>
+      </p:sp>
+    </p:spTree>
+    <p:extLst>
+      <p:ext uri="{BB962C8B-B14F-4D97-AF65-F5344CB8AC3E}">
         <p14:creationId xmlns:p14="http://schemas.microsoft.com/office/powerpoint/2010/main" val="3798572397"/>
+      </p:ext>
+    </p:extLst>
+  </p:cSld>
+  <p:clrMapOvr>
+    <a:masterClrMapping/>
+  </p:clrMapOvr>
+</p:sld>
+</file>
+
+<file path=ppt/slides/slide3.xml><?xml version="1.0" encoding="utf-8"?>
+<p:sld xmlns:a="http://schemas.openxmlformats.org/drawingml/2006/main" xmlns:r="http://schemas.openxmlformats.org/officeDocument/2006/relationships" xmlns:p="http://schemas.openxmlformats.org/presentationml/2006/main">
+  <p:cSld>
+    <p:bg>
+      <p:bgPr>
+        <a:solidFill>
+          <a:schemeClr val="tx1">
+            <a:lumMod val="85000"/>
+            <a:lumOff val="15000"/>
+          </a:schemeClr>
+        </a:solidFill>
+        <a:effectLst/>
+      </p:bgPr>
+    </p:bg>
+    <p:spTree>
+      <p:nvGrpSpPr>
+        <p:cNvPr id="1" name=""/>
+        <p:cNvGrpSpPr/>
+        <p:nvPr/>
+      </p:nvGrpSpPr>
+      <p:grpSpPr>
+        <a:xfrm>
+          <a:off x="0" y="0"/>
+          <a:ext cx="0" cy="0"/>
+          <a:chOff x="0" y="0"/>
+          <a:chExt cx="0" cy="0"/>
+        </a:xfrm>
+      </p:grpSpPr>
+      <p:sp>
+        <p:nvSpPr>
+          <p:cNvPr id="19" name="Rectangle: Rounded Corners 18">
+            <a:extLst>
+              <a:ext uri="{FF2B5EF4-FFF2-40B4-BE49-F238E27FC236}">
+                <a16:creationId xmlns:a16="http://schemas.microsoft.com/office/drawing/2014/main" id="{C9FFC704-D7AA-44AA-B963-1A3B79CE523D}"/>
+              </a:ext>
+            </a:extLst>
+          </p:cNvPr>
+          <p:cNvSpPr/>
+          <p:nvPr/>
+        </p:nvSpPr>
+        <p:spPr>
+          <a:xfrm>
+            <a:off x="104775" y="1419227"/>
+            <a:ext cx="11689404" cy="3669761"/>
+          </a:xfrm>
+          <a:prstGeom prst="roundRect">
+            <a:avLst/>
+          </a:prstGeom>
+        </p:spPr>
+        <p:style>
+          <a:lnRef idx="2">
+            <a:schemeClr val="accent1">
+              <a:shade val="50000"/>
+            </a:schemeClr>
+          </a:lnRef>
+          <a:fillRef idx="1">
+            <a:schemeClr val="accent1"/>
+          </a:fillRef>
+          <a:effectRef idx="0">
+            <a:schemeClr val="accent1"/>
+          </a:effectRef>
+          <a:fontRef idx="minor">
+            <a:schemeClr val="lt1"/>
+          </a:fontRef>
+        </p:style>
+        <p:txBody>
+          <a:bodyPr rtlCol="0" anchor="ctr"/>
+          <a:lstStyle/>
+          <a:p>
+            <a:pPr algn="ctr"/>
+            <a:endParaRPr lang="en-US" dirty="0"/>
+          </a:p>
+        </p:txBody>
+      </p:sp>
+      <p:sp>
+        <p:nvSpPr>
+          <p:cNvPr id="11" name="TextBox 10">
+            <a:extLst>
+              <a:ext uri="{FF2B5EF4-FFF2-40B4-BE49-F238E27FC236}">
+                <a16:creationId xmlns:a16="http://schemas.microsoft.com/office/drawing/2014/main" id="{2A0E3186-0D08-440F-A77C-30F4B9EC9034}"/>
+              </a:ext>
+            </a:extLst>
+          </p:cNvPr>
+          <p:cNvSpPr txBox="1"/>
+          <p:nvPr/>
+        </p:nvSpPr>
+        <p:spPr>
+          <a:xfrm>
+            <a:off x="1501219" y="1473742"/>
+            <a:ext cx="4222311" cy="707886"/>
+          </a:xfrm>
+          <a:prstGeom prst="rect">
+            <a:avLst/>
+          </a:prstGeom>
+          <a:noFill/>
+        </p:spPr>
+        <p:txBody>
+          <a:bodyPr wrap="square" rtlCol="0">
+            <a:spAutoFit/>
+          </a:bodyPr>
+          <a:lstStyle/>
+          <a:p>
+            <a:r>
+              <a:rPr lang="en-US" sz="4000" b="1" dirty="0">
+                <a:solidFill>
+                  <a:schemeClr val="bg1"/>
+                </a:solidFill>
+              </a:rPr>
+              <a:t>Data Professional</a:t>
+            </a:r>
+            <a:endParaRPr lang="en-US" sz="4000" dirty="0">
+              <a:solidFill>
+                <a:schemeClr val="bg1"/>
+              </a:solidFill>
+            </a:endParaRPr>
+          </a:p>
+        </p:txBody>
+      </p:sp>
+      <p:sp>
+        <p:nvSpPr>
+          <p:cNvPr id="12" name="TextBox 11">
+            <a:extLst>
+              <a:ext uri="{FF2B5EF4-FFF2-40B4-BE49-F238E27FC236}">
+                <a16:creationId xmlns:a16="http://schemas.microsoft.com/office/drawing/2014/main" id="{428B58AD-6B73-4A01-8E59-70D6AA3AEBF2}"/>
+              </a:ext>
+            </a:extLst>
+          </p:cNvPr>
+          <p:cNvSpPr txBox="1"/>
+          <p:nvPr/>
+        </p:nvSpPr>
+        <p:spPr>
+          <a:xfrm>
+            <a:off x="1501219" y="2842645"/>
+            <a:ext cx="6797207" cy="2246769"/>
+          </a:xfrm>
+          <a:prstGeom prst="rect">
+            <a:avLst/>
+          </a:prstGeom>
+          <a:noFill/>
+        </p:spPr>
+        <p:txBody>
+          <a:bodyPr wrap="square" rtlCol="0">
+            <a:spAutoFit/>
+          </a:bodyPr>
+          <a:lstStyle/>
+          <a:p>
+            <a:r>
+              <a:rPr lang="en-US" sz="2400" dirty="0">
+                <a:solidFill>
+                  <a:schemeClr val="bg1"/>
+                </a:solidFill>
+              </a:rPr>
+              <a:t>Data Analytics &amp; Management</a:t>
+            </a:r>
+          </a:p>
+          <a:p>
+            <a:r>
+              <a:rPr lang="en-US" sz="2400" dirty="0">
+                <a:solidFill>
+                  <a:schemeClr val="bg1"/>
+                </a:solidFill>
+              </a:rPr>
+              <a:t>Data Cleaning &amp; Transformation (Advanced)</a:t>
+            </a:r>
+          </a:p>
+          <a:p>
+            <a:r>
+              <a:rPr lang="en-US" sz="2400" dirty="0">
+                <a:solidFill>
+                  <a:schemeClr val="bg1"/>
+                </a:solidFill>
+              </a:rPr>
+              <a:t>Data Modeling and Database Design</a:t>
+            </a:r>
+          </a:p>
+          <a:p>
+            <a:r>
+              <a:rPr lang="en-US" sz="2400" dirty="0">
+                <a:solidFill>
+                  <a:schemeClr val="bg1"/>
+                </a:solidFill>
+              </a:rPr>
+              <a:t>Data Visualization &amp; Reporting</a:t>
+            </a:r>
+          </a:p>
+          <a:p>
+            <a:r>
+              <a:rPr lang="en-US" sz="2400" dirty="0">
+                <a:solidFill>
+                  <a:schemeClr val="bg1"/>
+                </a:solidFill>
+              </a:rPr>
+              <a:t>Business Insights &amp; Recommendations</a:t>
+            </a:r>
+          </a:p>
+          <a:p>
+            <a:endParaRPr lang="en-US" sz="2000" dirty="0">
+              <a:solidFill>
+                <a:schemeClr val="bg1"/>
+              </a:solidFill>
+            </a:endParaRPr>
+          </a:p>
+        </p:txBody>
+      </p:sp>
+      <p:cxnSp>
+        <p:nvCxnSpPr>
+          <p:cNvPr id="14" name="Straight Connector 13">
+            <a:extLst>
+              <a:ext uri="{FF2B5EF4-FFF2-40B4-BE49-F238E27FC236}">
+                <a16:creationId xmlns:a16="http://schemas.microsoft.com/office/drawing/2014/main" id="{3D55CEB3-A522-41A9-91BD-ADF144B33741}"/>
+              </a:ext>
+            </a:extLst>
+          </p:cNvPr>
+          <p:cNvCxnSpPr>
+            <a:cxnSpLocks/>
+          </p:cNvCxnSpPr>
+          <p:nvPr/>
+        </p:nvCxnSpPr>
+        <p:spPr>
+          <a:xfrm>
+            <a:off x="800102" y="2181628"/>
+            <a:ext cx="5572125" cy="0"/>
+          </a:xfrm>
+          <a:prstGeom prst="line">
+            <a:avLst/>
+          </a:prstGeom>
+          <a:ln>
+            <a:solidFill>
+              <a:schemeClr val="bg1"/>
+            </a:solidFill>
+          </a:ln>
+        </p:spPr>
+        <p:style>
+          <a:lnRef idx="1">
+            <a:schemeClr val="accent2"/>
+          </a:lnRef>
+          <a:fillRef idx="0">
+            <a:schemeClr val="accent2"/>
+          </a:fillRef>
+          <a:effectRef idx="0">
+            <a:schemeClr val="accent2"/>
+          </a:effectRef>
+          <a:fontRef idx="minor">
+            <a:schemeClr val="tx1"/>
+          </a:fontRef>
+        </p:style>
+      </p:cxnSp>
+      <p:sp>
+        <p:nvSpPr>
+          <p:cNvPr id="9" name="TextBox 8">
+            <a:extLst>
+              <a:ext uri="{FF2B5EF4-FFF2-40B4-BE49-F238E27FC236}">
+                <a16:creationId xmlns:a16="http://schemas.microsoft.com/office/drawing/2014/main" id="{F7380DDD-973E-46D0-A95E-3BE6702069C9}"/>
+              </a:ext>
+            </a:extLst>
+          </p:cNvPr>
+          <p:cNvSpPr txBox="1"/>
+          <p:nvPr/>
+        </p:nvSpPr>
+        <p:spPr>
+          <a:xfrm>
+            <a:off x="672224" y="2396429"/>
+            <a:ext cx="4608274" cy="523220"/>
+          </a:xfrm>
+          <a:prstGeom prst="rect">
+            <a:avLst/>
+          </a:prstGeom>
+          <a:noFill/>
+        </p:spPr>
+        <p:txBody>
+          <a:bodyPr wrap="square" rtlCol="0">
+            <a:spAutoFit/>
+          </a:bodyPr>
+          <a:lstStyle/>
+          <a:p>
+            <a:r>
+              <a:rPr lang="en-US" sz="2800" b="1" dirty="0">
+                <a:solidFill>
+                  <a:srgbClr val="FFFF00"/>
+                </a:solidFill>
+              </a:rPr>
+              <a:t>Data Problem Solver</a:t>
+            </a:r>
+          </a:p>
+        </p:txBody>
+      </p:sp>
+      <p:sp>
+        <p:nvSpPr>
+          <p:cNvPr id="3" name="Oval 2">
+            <a:extLst>
+              <a:ext uri="{FF2B5EF4-FFF2-40B4-BE49-F238E27FC236}">
+                <a16:creationId xmlns:a16="http://schemas.microsoft.com/office/drawing/2014/main" id="{C3708F4E-CE80-4B9A-8AA2-820FAA563440}"/>
+              </a:ext>
+            </a:extLst>
+          </p:cNvPr>
+          <p:cNvSpPr/>
+          <p:nvPr/>
+        </p:nvSpPr>
+        <p:spPr>
+          <a:xfrm rot="21137689">
+            <a:off x="1247474" y="2987927"/>
+            <a:ext cx="193899" cy="158625"/>
+          </a:xfrm>
+          <a:prstGeom prst="ellipse">
+            <a:avLst/>
+          </a:prstGeom>
+          <a:solidFill>
+            <a:srgbClr val="FFFF00"/>
+          </a:solidFill>
+          <a:ln>
+            <a:noFill/>
+          </a:ln>
+        </p:spPr>
+        <p:style>
+          <a:lnRef idx="2">
+            <a:schemeClr val="accent1">
+              <a:shade val="50000"/>
+            </a:schemeClr>
+          </a:lnRef>
+          <a:fillRef idx="1">
+            <a:schemeClr val="accent1"/>
+          </a:fillRef>
+          <a:effectRef idx="0">
+            <a:schemeClr val="accent1"/>
+          </a:effectRef>
+          <a:fontRef idx="minor">
+            <a:schemeClr val="lt1"/>
+          </a:fontRef>
+        </p:style>
+        <p:txBody>
+          <a:bodyPr rtlCol="0" anchor="ctr"/>
+          <a:lstStyle/>
+          <a:p>
+            <a:endParaRPr lang="en-US"/>
+          </a:p>
+        </p:txBody>
+      </p:sp>
+      <p:sp>
+        <p:nvSpPr>
+          <p:cNvPr id="13" name="Oval 12">
+            <a:extLst>
+              <a:ext uri="{FF2B5EF4-FFF2-40B4-BE49-F238E27FC236}">
+                <a16:creationId xmlns:a16="http://schemas.microsoft.com/office/drawing/2014/main" id="{02BF6A6E-FF8C-43E4-91A9-BA782273A25A}"/>
+              </a:ext>
+            </a:extLst>
+          </p:cNvPr>
+          <p:cNvSpPr/>
+          <p:nvPr/>
+        </p:nvSpPr>
+        <p:spPr>
+          <a:xfrm rot="21137689">
+            <a:off x="1247474" y="3361353"/>
+            <a:ext cx="193899" cy="158625"/>
+          </a:xfrm>
+          <a:prstGeom prst="ellipse">
+            <a:avLst/>
+          </a:prstGeom>
+          <a:solidFill>
+            <a:srgbClr val="FFFF00"/>
+          </a:solidFill>
+          <a:ln>
+            <a:noFill/>
+          </a:ln>
+        </p:spPr>
+        <p:style>
+          <a:lnRef idx="2">
+            <a:schemeClr val="accent1">
+              <a:shade val="50000"/>
+            </a:schemeClr>
+          </a:lnRef>
+          <a:fillRef idx="1">
+            <a:schemeClr val="accent1"/>
+          </a:fillRef>
+          <a:effectRef idx="0">
+            <a:schemeClr val="accent1"/>
+          </a:effectRef>
+          <a:fontRef idx="minor">
+            <a:schemeClr val="lt1"/>
+          </a:fontRef>
+        </p:style>
+        <p:txBody>
+          <a:bodyPr rtlCol="0" anchor="ctr"/>
+          <a:lstStyle/>
+          <a:p>
+            <a:endParaRPr lang="en-US"/>
+          </a:p>
+        </p:txBody>
+      </p:sp>
+      <p:sp>
+        <p:nvSpPr>
+          <p:cNvPr id="15" name="Oval 14">
+            <a:extLst>
+              <a:ext uri="{FF2B5EF4-FFF2-40B4-BE49-F238E27FC236}">
+                <a16:creationId xmlns:a16="http://schemas.microsoft.com/office/drawing/2014/main" id="{7F95BDBC-C819-4404-B0A3-5C25701246B1}"/>
+              </a:ext>
+            </a:extLst>
+          </p:cNvPr>
+          <p:cNvSpPr/>
+          <p:nvPr/>
+        </p:nvSpPr>
+        <p:spPr>
+          <a:xfrm rot="21137689">
+            <a:off x="1238355" y="3702297"/>
+            <a:ext cx="193899" cy="158625"/>
+          </a:xfrm>
+          <a:prstGeom prst="ellipse">
+            <a:avLst/>
+          </a:prstGeom>
+          <a:solidFill>
+            <a:srgbClr val="FFFF00"/>
+          </a:solidFill>
+          <a:ln>
+            <a:noFill/>
+          </a:ln>
+        </p:spPr>
+        <p:style>
+          <a:lnRef idx="2">
+            <a:schemeClr val="accent1">
+              <a:shade val="50000"/>
+            </a:schemeClr>
+          </a:lnRef>
+          <a:fillRef idx="1">
+            <a:schemeClr val="accent1"/>
+          </a:fillRef>
+          <a:effectRef idx="0">
+            <a:schemeClr val="accent1"/>
+          </a:effectRef>
+          <a:fontRef idx="minor">
+            <a:schemeClr val="lt1"/>
+          </a:fontRef>
+        </p:style>
+        <p:txBody>
+          <a:bodyPr rtlCol="0" anchor="ctr"/>
+          <a:lstStyle/>
+          <a:p>
+            <a:endParaRPr lang="en-US"/>
+          </a:p>
+        </p:txBody>
+      </p:sp>
+      <p:sp>
+        <p:nvSpPr>
+          <p:cNvPr id="17" name="Oval 16">
+            <a:extLst>
+              <a:ext uri="{FF2B5EF4-FFF2-40B4-BE49-F238E27FC236}">
+                <a16:creationId xmlns:a16="http://schemas.microsoft.com/office/drawing/2014/main" id="{EE225A4A-67BD-4F79-84D7-A6A14B5EEEE2}"/>
+              </a:ext>
+            </a:extLst>
+          </p:cNvPr>
+          <p:cNvSpPr/>
+          <p:nvPr/>
+        </p:nvSpPr>
+        <p:spPr>
+          <a:xfrm rot="21137689">
+            <a:off x="1238354" y="4075723"/>
+            <a:ext cx="193899" cy="158625"/>
+          </a:xfrm>
+          <a:prstGeom prst="ellipse">
+            <a:avLst/>
+          </a:prstGeom>
+          <a:solidFill>
+            <a:srgbClr val="FFFF00"/>
+          </a:solidFill>
+          <a:ln>
+            <a:noFill/>
+          </a:ln>
+        </p:spPr>
+        <p:style>
+          <a:lnRef idx="2">
+            <a:schemeClr val="accent1">
+              <a:shade val="50000"/>
+            </a:schemeClr>
+          </a:lnRef>
+          <a:fillRef idx="1">
+            <a:schemeClr val="accent1"/>
+          </a:fillRef>
+          <a:effectRef idx="0">
+            <a:schemeClr val="accent1"/>
+          </a:effectRef>
+          <a:fontRef idx="minor">
+            <a:schemeClr val="lt1"/>
+          </a:fontRef>
+        </p:style>
+        <p:txBody>
+          <a:bodyPr rtlCol="0" anchor="ctr"/>
+          <a:lstStyle/>
+          <a:p>
+            <a:endParaRPr lang="en-US"/>
+          </a:p>
+        </p:txBody>
+      </p:sp>
+      <p:sp>
+        <p:nvSpPr>
+          <p:cNvPr id="18" name="Oval 17">
+            <a:extLst>
+              <a:ext uri="{FF2B5EF4-FFF2-40B4-BE49-F238E27FC236}">
+                <a16:creationId xmlns:a16="http://schemas.microsoft.com/office/drawing/2014/main" id="{FD2DFD5B-E0AD-4C65-BD45-1ED908A7BA07}"/>
+              </a:ext>
+            </a:extLst>
+          </p:cNvPr>
+          <p:cNvSpPr/>
+          <p:nvPr/>
+        </p:nvSpPr>
+        <p:spPr>
+          <a:xfrm rot="21137689">
+            <a:off x="1247474" y="4437013"/>
+            <a:ext cx="193899" cy="158625"/>
+          </a:xfrm>
+          <a:prstGeom prst="ellipse">
+            <a:avLst/>
+          </a:prstGeom>
+          <a:solidFill>
+            <a:srgbClr val="FFFF00"/>
+          </a:solidFill>
+          <a:ln>
+            <a:noFill/>
+          </a:ln>
+        </p:spPr>
+        <p:style>
+          <a:lnRef idx="2">
+            <a:schemeClr val="accent1">
+              <a:shade val="50000"/>
+            </a:schemeClr>
+          </a:lnRef>
+          <a:fillRef idx="1">
+            <a:schemeClr val="accent1"/>
+          </a:fillRef>
+          <a:effectRef idx="0">
+            <a:schemeClr val="accent1"/>
+          </a:effectRef>
+          <a:fontRef idx="minor">
+            <a:schemeClr val="lt1"/>
+          </a:fontRef>
+        </p:style>
+        <p:txBody>
+          <a:bodyPr rtlCol="0" anchor="ctr"/>
+          <a:lstStyle/>
+          <a:p>
+            <a:endParaRPr lang="en-US"/>
+          </a:p>
+        </p:txBody>
+      </p:sp>
+      <p:pic>
+        <p:nvPicPr>
+          <p:cNvPr id="20" name="Picture 19">
+            <a:extLst>
+              <a:ext uri="{FF2B5EF4-FFF2-40B4-BE49-F238E27FC236}">
+                <a16:creationId xmlns:a16="http://schemas.microsoft.com/office/drawing/2014/main" id="{C5AFF610-9A9C-459E-868C-1ABFEDA6413B}"/>
+              </a:ext>
+            </a:extLst>
+          </p:cNvPr>
+          <p:cNvPicPr>
+            <a:picLocks noChangeAspect="1"/>
+          </p:cNvPicPr>
+          <p:nvPr/>
+        </p:nvPicPr>
+        <p:blipFill rotWithShape="1">
+          <a:blip r:embed="rId3">
+            <a:extLst>
+              <a:ext uri="{28A0092B-C50C-407E-A947-70E740481C1C}">
+                <a14:useLocalDpi xmlns:a14="http://schemas.microsoft.com/office/drawing/2010/main" val="0"/>
+              </a:ext>
+            </a:extLst>
+          </a:blip>
+          <a:srcRect l="1" r="-2931" b="12083"/>
+          <a:stretch/>
+        </p:blipFill>
+        <p:spPr>
+          <a:xfrm>
+            <a:off x="7688149" y="964728"/>
+            <a:ext cx="3502020" cy="3454392"/>
+          </a:xfrm>
+          <a:prstGeom prst="rect">
+            <a:avLst/>
+          </a:prstGeom>
+        </p:spPr>
+      </p:pic>
+      <p:sp>
+        <p:nvSpPr>
+          <p:cNvPr id="21" name="Circle: Hollow 20">
+            <a:extLst>
+              <a:ext uri="{FF2B5EF4-FFF2-40B4-BE49-F238E27FC236}">
+                <a16:creationId xmlns:a16="http://schemas.microsoft.com/office/drawing/2014/main" id="{FADA3E3F-24E6-4865-9599-F0AC00463A37}"/>
+              </a:ext>
+            </a:extLst>
+          </p:cNvPr>
+          <p:cNvSpPr/>
+          <p:nvPr/>
+        </p:nvSpPr>
+        <p:spPr>
+          <a:xfrm>
+            <a:off x="6911503" y="173352"/>
+            <a:ext cx="5054224" cy="4915634"/>
+          </a:xfrm>
+          <a:prstGeom prst="donut">
+            <a:avLst>
+              <a:gd name="adj" fmla="val 18060"/>
+            </a:avLst>
+          </a:prstGeom>
+          <a:ln>
+            <a:noFill/>
+          </a:ln>
+        </p:spPr>
+        <p:style>
+          <a:lnRef idx="2">
+            <a:schemeClr val="accent1">
+              <a:shade val="50000"/>
+            </a:schemeClr>
+          </a:lnRef>
+          <a:fillRef idx="1">
+            <a:schemeClr val="accent1"/>
+          </a:fillRef>
+          <a:effectRef idx="0">
+            <a:schemeClr val="accent1"/>
+          </a:effectRef>
+          <a:fontRef idx="minor">
+            <a:schemeClr val="lt1"/>
+          </a:fontRef>
+        </p:style>
+        <p:txBody>
+          <a:bodyPr rtlCol="0" anchor="ctr"/>
+          <a:lstStyle/>
+          <a:p>
+            <a:pPr algn="ctr"/>
+            <a:endParaRPr lang="en-US" dirty="0">
+              <a:solidFill>
+                <a:schemeClr val="tx1"/>
+              </a:solidFill>
+            </a:endParaRPr>
+          </a:p>
+        </p:txBody>
+      </p:sp>
+      <p:sp>
+        <p:nvSpPr>
+          <p:cNvPr id="22" name="TextBox 21">
+            <a:extLst>
+              <a:ext uri="{FF2B5EF4-FFF2-40B4-BE49-F238E27FC236}">
+                <a16:creationId xmlns:a16="http://schemas.microsoft.com/office/drawing/2014/main" id="{6CD75328-BDE2-4487-A24B-7A71B759F9CA}"/>
+              </a:ext>
+            </a:extLst>
+          </p:cNvPr>
+          <p:cNvSpPr txBox="1"/>
+          <p:nvPr/>
+        </p:nvSpPr>
+        <p:spPr>
+          <a:xfrm>
+            <a:off x="7992624" y="4264927"/>
+            <a:ext cx="4225619" cy="646331"/>
+          </a:xfrm>
+          <a:prstGeom prst="rect">
+            <a:avLst/>
+          </a:prstGeom>
+          <a:noFill/>
+        </p:spPr>
+        <p:txBody>
+          <a:bodyPr wrap="square" rtlCol="0">
+            <a:spAutoFit/>
+          </a:bodyPr>
+          <a:lstStyle/>
+          <a:p>
+            <a:r>
+              <a:rPr lang="en-US" sz="3600" b="1" dirty="0">
+                <a:solidFill>
+                  <a:schemeClr val="bg1"/>
+                </a:solidFill>
+              </a:rPr>
+              <a:t>Sourov</a:t>
+            </a:r>
+            <a:r>
+              <a:rPr lang="en-US" sz="3600" dirty="0">
+                <a:solidFill>
+                  <a:schemeClr val="bg2"/>
+                </a:solidFill>
+                <a:latin typeface="Century" panose="02040604050505020304" pitchFamily="18" charset="0"/>
+                <a:cs typeface="Aharoni" panose="02010803020104030203" pitchFamily="2" charset="-79"/>
+              </a:rPr>
+              <a:t> </a:t>
+            </a:r>
+            <a:r>
+              <a:rPr lang="en-US" sz="3600" b="1" dirty="0">
+                <a:solidFill>
+                  <a:schemeClr val="bg1"/>
+                </a:solidFill>
+              </a:rPr>
+              <a:t>Talukder</a:t>
+            </a:r>
+          </a:p>
+        </p:txBody>
+      </p:sp>
+      <p:sp>
+        <p:nvSpPr>
+          <p:cNvPr id="2" name="Rectangle: Rounded Corners 1">
+            <a:extLst>
+              <a:ext uri="{FF2B5EF4-FFF2-40B4-BE49-F238E27FC236}">
+                <a16:creationId xmlns:a16="http://schemas.microsoft.com/office/drawing/2014/main" id="{E9A5C1B0-9443-4E3E-BC18-A9B5F7BE7ED8}"/>
+              </a:ext>
+            </a:extLst>
+          </p:cNvPr>
+          <p:cNvSpPr/>
+          <p:nvPr/>
+        </p:nvSpPr>
+        <p:spPr>
+          <a:xfrm>
+            <a:off x="7793599" y="5319647"/>
+            <a:ext cx="1131326" cy="430355"/>
+          </a:xfrm>
+          <a:prstGeom prst="roundRect">
+            <a:avLst/>
+          </a:prstGeom>
+        </p:spPr>
+        <p:style>
+          <a:lnRef idx="2">
+            <a:schemeClr val="accent1">
+              <a:shade val="50000"/>
+            </a:schemeClr>
+          </a:lnRef>
+          <a:fillRef idx="1">
+            <a:schemeClr val="accent1"/>
+          </a:fillRef>
+          <a:effectRef idx="0">
+            <a:schemeClr val="accent1"/>
+          </a:effectRef>
+          <a:fontRef idx="minor">
+            <a:schemeClr val="lt1"/>
+          </a:fontRef>
+        </p:style>
+        <p:txBody>
+          <a:bodyPr rtlCol="0" anchor="ctr"/>
+          <a:lstStyle/>
+          <a:p>
+            <a:pPr algn="ctr"/>
+            <a:r>
+              <a:rPr lang="en-US" dirty="0" err="1"/>
+              <a:t>Linkedin</a:t>
+            </a:r>
+            <a:endParaRPr lang="en-US" dirty="0"/>
+          </a:p>
+        </p:txBody>
+      </p:sp>
+      <p:sp>
+        <p:nvSpPr>
+          <p:cNvPr id="16" name="Rectangle: Rounded Corners 15">
+            <a:extLst>
+              <a:ext uri="{FF2B5EF4-FFF2-40B4-BE49-F238E27FC236}">
+                <a16:creationId xmlns:a16="http://schemas.microsoft.com/office/drawing/2014/main" id="{F8E02639-D3F0-455E-B31E-69CC5EFF098E}"/>
+              </a:ext>
+            </a:extLst>
+          </p:cNvPr>
+          <p:cNvSpPr/>
+          <p:nvPr/>
+        </p:nvSpPr>
+        <p:spPr>
+          <a:xfrm>
+            <a:off x="9079474" y="5328307"/>
+            <a:ext cx="1131326" cy="430355"/>
+          </a:xfrm>
+          <a:prstGeom prst="roundRect">
+            <a:avLst/>
+          </a:prstGeom>
+        </p:spPr>
+        <p:style>
+          <a:lnRef idx="2">
+            <a:schemeClr val="accent1">
+              <a:shade val="50000"/>
+            </a:schemeClr>
+          </a:lnRef>
+          <a:fillRef idx="1">
+            <a:schemeClr val="accent1"/>
+          </a:fillRef>
+          <a:effectRef idx="0">
+            <a:schemeClr val="accent1"/>
+          </a:effectRef>
+          <a:fontRef idx="minor">
+            <a:schemeClr val="lt1"/>
+          </a:fontRef>
+        </p:style>
+        <p:txBody>
+          <a:bodyPr rtlCol="0" anchor="ctr"/>
+          <a:lstStyle/>
+          <a:p>
+            <a:pPr algn="ctr"/>
+            <a:r>
+              <a:rPr lang="en-US" dirty="0" err="1"/>
+              <a:t>Github</a:t>
+            </a:r>
+            <a:endParaRPr lang="en-US" dirty="0"/>
+          </a:p>
+        </p:txBody>
+      </p:sp>
+      <p:sp>
+        <p:nvSpPr>
+          <p:cNvPr id="23" name="Rectangle: Rounded Corners 22">
+            <a:extLst>
+              <a:ext uri="{FF2B5EF4-FFF2-40B4-BE49-F238E27FC236}">
+                <a16:creationId xmlns:a16="http://schemas.microsoft.com/office/drawing/2014/main" id="{211FC2C2-7603-4D93-B8CB-1C5AE3D3BAAC}"/>
+              </a:ext>
+            </a:extLst>
+          </p:cNvPr>
+          <p:cNvSpPr/>
+          <p:nvPr/>
+        </p:nvSpPr>
+        <p:spPr>
+          <a:xfrm>
+            <a:off x="10365351" y="5328306"/>
+            <a:ext cx="1255745" cy="430355"/>
+          </a:xfrm>
+          <a:prstGeom prst="roundRect">
+            <a:avLst/>
+          </a:prstGeom>
+        </p:spPr>
+        <p:style>
+          <a:lnRef idx="2">
+            <a:schemeClr val="accent1">
+              <a:shade val="50000"/>
+            </a:schemeClr>
+          </a:lnRef>
+          <a:fillRef idx="1">
+            <a:schemeClr val="accent1"/>
+          </a:fillRef>
+          <a:effectRef idx="0">
+            <a:schemeClr val="accent1"/>
+          </a:effectRef>
+          <a:fontRef idx="minor">
+            <a:schemeClr val="lt1"/>
+          </a:fontRef>
+        </p:style>
+        <p:txBody>
+          <a:bodyPr rtlCol="0" anchor="ctr"/>
+          <a:lstStyle/>
+          <a:p>
+            <a:pPr algn="ctr"/>
+            <a:r>
+              <a:rPr lang="en-US" dirty="0" err="1"/>
+              <a:t>Whatsapp</a:t>
+            </a:r>
+            <a:endParaRPr lang="en-US" dirty="0"/>
+          </a:p>
+        </p:txBody>
+      </p:sp>
+      <p:sp>
+        <p:nvSpPr>
+          <p:cNvPr id="24" name="Rectangle: Rounded Corners 23">
+            <a:extLst>
+              <a:ext uri="{FF2B5EF4-FFF2-40B4-BE49-F238E27FC236}">
+                <a16:creationId xmlns:a16="http://schemas.microsoft.com/office/drawing/2014/main" id="{0FEC75C1-A38E-43F2-B49E-BCCC98B7E5E2}"/>
+              </a:ext>
+            </a:extLst>
+          </p:cNvPr>
+          <p:cNvSpPr/>
+          <p:nvPr/>
+        </p:nvSpPr>
+        <p:spPr>
+          <a:xfrm>
+            <a:off x="7879325" y="6118362"/>
+            <a:ext cx="1550427" cy="430355"/>
+          </a:xfrm>
+          <a:prstGeom prst="roundRect">
+            <a:avLst/>
+          </a:prstGeom>
+          <a:solidFill>
+            <a:schemeClr val="accent2">
+              <a:lumMod val="75000"/>
+            </a:schemeClr>
+          </a:solidFill>
+        </p:spPr>
+        <p:style>
+          <a:lnRef idx="2">
+            <a:schemeClr val="accent1">
+              <a:shade val="50000"/>
+            </a:schemeClr>
+          </a:lnRef>
+          <a:fillRef idx="1">
+            <a:schemeClr val="accent1"/>
+          </a:fillRef>
+          <a:effectRef idx="0">
+            <a:schemeClr val="accent1"/>
+          </a:effectRef>
+          <a:fontRef idx="minor">
+            <a:schemeClr val="lt1"/>
+          </a:fontRef>
+        </p:style>
+        <p:txBody>
+          <a:bodyPr rtlCol="0" anchor="ctr"/>
+          <a:lstStyle/>
+          <a:p>
+            <a:pPr algn="ctr"/>
+            <a:r>
+              <a:rPr lang="en-US" dirty="0"/>
+              <a:t>Hire Me ?</a:t>
+            </a:r>
+          </a:p>
+        </p:txBody>
+      </p:sp>
+      <p:sp>
+        <p:nvSpPr>
+          <p:cNvPr id="25" name="Rectangle: Rounded Corners 24">
+            <a:extLst>
+              <a:ext uri="{FF2B5EF4-FFF2-40B4-BE49-F238E27FC236}">
+                <a16:creationId xmlns:a16="http://schemas.microsoft.com/office/drawing/2014/main" id="{CC98E4B8-21AD-454F-9CC3-10CB34CFD04D}"/>
+              </a:ext>
+            </a:extLst>
+          </p:cNvPr>
+          <p:cNvSpPr/>
+          <p:nvPr/>
+        </p:nvSpPr>
+        <p:spPr>
+          <a:xfrm>
+            <a:off x="9645139" y="6080915"/>
+            <a:ext cx="1550427" cy="430355"/>
+          </a:xfrm>
+          <a:prstGeom prst="roundRect">
+            <a:avLst/>
+          </a:prstGeom>
+          <a:solidFill>
+            <a:schemeClr val="tx1">
+              <a:lumMod val="75000"/>
+              <a:lumOff val="25000"/>
+            </a:schemeClr>
+          </a:solidFill>
+        </p:spPr>
+        <p:style>
+          <a:lnRef idx="2">
+            <a:schemeClr val="accent1">
+              <a:shade val="50000"/>
+            </a:schemeClr>
+          </a:lnRef>
+          <a:fillRef idx="1">
+            <a:schemeClr val="accent1"/>
+          </a:fillRef>
+          <a:effectRef idx="0">
+            <a:schemeClr val="accent1"/>
+          </a:effectRef>
+          <a:fontRef idx="minor">
+            <a:schemeClr val="lt1"/>
+          </a:fontRef>
+        </p:style>
+        <p:txBody>
+          <a:bodyPr rtlCol="0" anchor="ctr"/>
+          <a:lstStyle/>
+          <a:p>
+            <a:pPr algn="ctr"/>
+            <a:r>
+              <a:rPr lang="en-US" dirty="0"/>
+              <a:t>My Resume</a:t>
+            </a:r>
+          </a:p>
+        </p:txBody>
+      </p:sp>
+      <p:sp>
+        <p:nvSpPr>
+          <p:cNvPr id="4" name="TextBox 3">
+            <a:extLst>
+              <a:ext uri="{FF2B5EF4-FFF2-40B4-BE49-F238E27FC236}">
+                <a16:creationId xmlns:a16="http://schemas.microsoft.com/office/drawing/2014/main" id="{F37D2F9F-32C2-4007-9386-FF912BAC6DD1}"/>
+              </a:ext>
+            </a:extLst>
+          </p:cNvPr>
+          <p:cNvSpPr txBox="1"/>
+          <p:nvPr/>
+        </p:nvSpPr>
+        <p:spPr>
+          <a:xfrm>
+            <a:off x="324133" y="5260595"/>
+            <a:ext cx="7606787" cy="1661993"/>
+          </a:xfrm>
+          <a:prstGeom prst="rect">
+            <a:avLst/>
+          </a:prstGeom>
+          <a:noFill/>
+        </p:spPr>
+        <p:txBody>
+          <a:bodyPr wrap="square" rtlCol="0">
+            <a:spAutoFit/>
+          </a:bodyPr>
+          <a:lstStyle/>
+          <a:p>
+            <a:r>
+              <a:rPr lang="en-US" sz="1400" dirty="0">
+                <a:solidFill>
+                  <a:schemeClr val="bg1"/>
+                </a:solidFill>
+                <a:latin typeface="Calibri" panose="020F0502020204030204" pitchFamily="34" charset="0"/>
+                <a:ea typeface="Calibri" panose="020F0502020204030204" pitchFamily="34" charset="0"/>
+                <a:cs typeface="Times New Roman" panose="02020603050405020304" pitchFamily="18" charset="0"/>
+              </a:rPr>
+              <a:t>Hi 👍</a:t>
+            </a:r>
+            <a:br>
+              <a:rPr lang="en-US" sz="1400" dirty="0">
+                <a:solidFill>
+                  <a:schemeClr val="bg1"/>
+                </a:solidFill>
+                <a:latin typeface="Calibri" panose="020F0502020204030204" pitchFamily="34" charset="0"/>
+                <a:ea typeface="Calibri" panose="020F0502020204030204" pitchFamily="34" charset="0"/>
+                <a:cs typeface="Times New Roman" panose="02020603050405020304" pitchFamily="18" charset="0"/>
+              </a:rPr>
+            </a:br>
+            <a:r>
+              <a:rPr lang="en-US" sz="1400" dirty="0">
+                <a:solidFill>
+                  <a:schemeClr val="bg1"/>
+                </a:solidFill>
+                <a:latin typeface="Calibri" panose="020F0502020204030204" pitchFamily="34" charset="0"/>
+                <a:ea typeface="Calibri" panose="020F0502020204030204" pitchFamily="34" charset="0"/>
+                <a:cs typeface="Times New Roman" panose="02020603050405020304" pitchFamily="18" charset="0"/>
+              </a:rPr>
+              <a:t>Thank you so much for come into my profile / portfolio. To know me.</a:t>
+            </a:r>
+            <a:br>
+              <a:rPr lang="en-US" sz="1400" dirty="0">
+                <a:solidFill>
+                  <a:schemeClr val="bg1"/>
+                </a:solidFill>
+                <a:latin typeface="Calibri" panose="020F0502020204030204" pitchFamily="34" charset="0"/>
+                <a:ea typeface="Calibri" panose="020F0502020204030204" pitchFamily="34" charset="0"/>
+                <a:cs typeface="Times New Roman" panose="02020603050405020304" pitchFamily="18" charset="0"/>
+              </a:rPr>
+            </a:br>
+            <a:r>
+              <a:rPr lang="en-US" sz="1400" dirty="0">
+                <a:solidFill>
+                  <a:schemeClr val="bg1"/>
+                </a:solidFill>
+                <a:latin typeface="Calibri" panose="020F0502020204030204" pitchFamily="34" charset="0"/>
+                <a:ea typeface="Calibri" panose="020F0502020204030204" pitchFamily="34" charset="0"/>
+                <a:cs typeface="Times New Roman" panose="02020603050405020304" pitchFamily="18" charset="0"/>
+              </a:rPr>
+              <a:t>Simply I love to introduce myself As Data professional Not specifically Data analyst, ,Data Scientist, or Data engineer, Because In The Data Domain I had to  </a:t>
+            </a:r>
+            <a:r>
+              <a:rPr lang="en-US" sz="1400" dirty="0" err="1">
+                <a:solidFill>
+                  <a:schemeClr val="bg1"/>
+                </a:solidFill>
+                <a:latin typeface="Calibri" panose="020F0502020204030204" pitchFamily="34" charset="0"/>
+                <a:ea typeface="Calibri" panose="020F0502020204030204" pitchFamily="34" charset="0"/>
+                <a:cs typeface="Times New Roman" panose="02020603050405020304" pitchFamily="18" charset="0"/>
+              </a:rPr>
+              <a:t>to</a:t>
+            </a:r>
+            <a:r>
+              <a:rPr lang="en-US" sz="1400" dirty="0">
+                <a:solidFill>
+                  <a:schemeClr val="bg1"/>
+                </a:solidFill>
+                <a:latin typeface="Calibri" panose="020F0502020204030204" pitchFamily="34" charset="0"/>
+                <a:ea typeface="Calibri" panose="020F0502020204030204" pitchFamily="34" charset="0"/>
+                <a:cs typeface="Times New Roman" panose="02020603050405020304" pitchFamily="18" charset="0"/>
+              </a:rPr>
+              <a:t> do a lot of thing from Data collection (Python, SQL, ), to Cleaning (Excel, Python, SQL) to Modeling, Dashboarding (excel Power BI), Predictive analytic s(Machine Learning , AI </a:t>
+            </a:r>
+            <a:r>
+              <a:rPr lang="en-US" sz="1400" dirty="0" err="1">
+                <a:solidFill>
+                  <a:schemeClr val="bg1"/>
+                </a:solidFill>
+                <a:latin typeface="Calibri" panose="020F0502020204030204" pitchFamily="34" charset="0"/>
+                <a:ea typeface="Calibri" panose="020F0502020204030204" pitchFamily="34" charset="0"/>
+                <a:cs typeface="Times New Roman" panose="02020603050405020304" pitchFamily="18" charset="0"/>
+              </a:rPr>
+              <a:t>Aanalytics</a:t>
+            </a:r>
+            <a:r>
+              <a:rPr lang="en-US" sz="1400" dirty="0">
+                <a:solidFill>
+                  <a:schemeClr val="bg1"/>
+                </a:solidFill>
+                <a:latin typeface="Calibri" panose="020F0502020204030204" pitchFamily="34" charset="0"/>
+                <a:ea typeface="Calibri" panose="020F0502020204030204" pitchFamily="34" charset="0"/>
+                <a:cs typeface="Times New Roman" panose="02020603050405020304" pitchFamily="18" charset="0"/>
+              </a:rPr>
+              <a:t>,  and i really love it </a:t>
+            </a:r>
+          </a:p>
+          <a:p>
+            <a:endParaRPr lang="en-US" dirty="0"/>
+          </a:p>
+        </p:txBody>
+      </p:sp>
+    </p:spTree>
+    <p:extLst>
+      <p:ext uri="{BB962C8B-B14F-4D97-AF65-F5344CB8AC3E}">
+        <p14:creationId xmlns:p14="http://schemas.microsoft.com/office/powerpoint/2010/main" val="3383594600"/>
+      </p:ext>
+    </p:extLst>
+  </p:cSld>
+  <p:clrMapOvr>
+    <a:masterClrMapping/>
+  </p:clrMapOvr>
+</p:sld>
+</file>
+
+<file path=ppt/slides/slide4.xml><?xml version="1.0" encoding="utf-8"?>
+<p:sld xmlns:a="http://schemas.openxmlformats.org/drawingml/2006/main" xmlns:r="http://schemas.openxmlformats.org/officeDocument/2006/relationships" xmlns:p="http://schemas.openxmlformats.org/presentationml/2006/main">
+  <p:cSld>
+    <p:bg>
+      <p:bgPr>
+        <a:solidFill>
+          <a:schemeClr val="tx1">
+            <a:lumMod val="85000"/>
+            <a:lumOff val="15000"/>
+          </a:schemeClr>
+        </a:solidFill>
+        <a:effectLst/>
+      </p:bgPr>
+    </p:bg>
+    <p:spTree>
+      <p:nvGrpSpPr>
+        <p:cNvPr id="1" name=""/>
+        <p:cNvGrpSpPr/>
+        <p:nvPr/>
+      </p:nvGrpSpPr>
+      <p:grpSpPr>
+        <a:xfrm>
+          <a:off x="0" y="0"/>
+          <a:ext cx="0" cy="0"/>
+          <a:chOff x="0" y="0"/>
+          <a:chExt cx="0" cy="0"/>
+        </a:xfrm>
+      </p:grpSpPr>
+      <p:sp>
+        <p:nvSpPr>
+          <p:cNvPr id="2" name="Rectangle: Rounded Corners 1">
+            <a:extLst>
+              <a:ext uri="{FF2B5EF4-FFF2-40B4-BE49-F238E27FC236}">
+                <a16:creationId xmlns:a16="http://schemas.microsoft.com/office/drawing/2014/main" id="{E9A5C1B0-9443-4E3E-BC18-A9B5F7BE7ED8}"/>
+              </a:ext>
+            </a:extLst>
+          </p:cNvPr>
+          <p:cNvSpPr/>
+          <p:nvPr/>
+        </p:nvSpPr>
+        <p:spPr>
+          <a:xfrm>
+            <a:off x="7992622" y="461897"/>
+            <a:ext cx="1131326" cy="430355"/>
+          </a:xfrm>
+          <a:prstGeom prst="roundRect">
+            <a:avLst/>
+          </a:prstGeom>
+        </p:spPr>
+        <p:style>
+          <a:lnRef idx="2">
+            <a:schemeClr val="accent1">
+              <a:shade val="50000"/>
+            </a:schemeClr>
+          </a:lnRef>
+          <a:fillRef idx="1">
+            <a:schemeClr val="accent1"/>
+          </a:fillRef>
+          <a:effectRef idx="0">
+            <a:schemeClr val="accent1"/>
+          </a:effectRef>
+          <a:fontRef idx="minor">
+            <a:schemeClr val="lt1"/>
+          </a:fontRef>
+        </p:style>
+        <p:txBody>
+          <a:bodyPr rtlCol="0" anchor="ctr"/>
+          <a:lstStyle/>
+          <a:p>
+            <a:pPr algn="ctr"/>
+            <a:r>
+              <a:rPr lang="en-US" dirty="0" err="1"/>
+              <a:t>Linkedin</a:t>
+            </a:r>
+            <a:endParaRPr lang="en-US" dirty="0"/>
+          </a:p>
+        </p:txBody>
+      </p:sp>
+      <p:sp>
+        <p:nvSpPr>
+          <p:cNvPr id="16" name="Rectangle: Rounded Corners 15">
+            <a:extLst>
+              <a:ext uri="{FF2B5EF4-FFF2-40B4-BE49-F238E27FC236}">
+                <a16:creationId xmlns:a16="http://schemas.microsoft.com/office/drawing/2014/main" id="{F8E02639-D3F0-455E-B31E-69CC5EFF098E}"/>
+              </a:ext>
+            </a:extLst>
+          </p:cNvPr>
+          <p:cNvSpPr/>
+          <p:nvPr/>
+        </p:nvSpPr>
+        <p:spPr>
+          <a:xfrm>
+            <a:off x="9278497" y="470557"/>
+            <a:ext cx="1131326" cy="430355"/>
+          </a:xfrm>
+          <a:prstGeom prst="roundRect">
+            <a:avLst/>
+          </a:prstGeom>
+        </p:spPr>
+        <p:style>
+          <a:lnRef idx="2">
+            <a:schemeClr val="accent1">
+              <a:shade val="50000"/>
+            </a:schemeClr>
+          </a:lnRef>
+          <a:fillRef idx="1">
+            <a:schemeClr val="accent1"/>
+          </a:fillRef>
+          <a:effectRef idx="0">
+            <a:schemeClr val="accent1"/>
+          </a:effectRef>
+          <a:fontRef idx="minor">
+            <a:schemeClr val="lt1"/>
+          </a:fontRef>
+        </p:style>
+        <p:txBody>
+          <a:bodyPr rtlCol="0" anchor="ctr"/>
+          <a:lstStyle/>
+          <a:p>
+            <a:pPr algn="ctr"/>
+            <a:r>
+              <a:rPr lang="en-US" dirty="0" err="1"/>
+              <a:t>Github</a:t>
+            </a:r>
+            <a:endParaRPr lang="en-US" dirty="0"/>
+          </a:p>
+        </p:txBody>
+      </p:sp>
+      <p:sp>
+        <p:nvSpPr>
+          <p:cNvPr id="23" name="Rectangle: Rounded Corners 22">
+            <a:extLst>
+              <a:ext uri="{FF2B5EF4-FFF2-40B4-BE49-F238E27FC236}">
+                <a16:creationId xmlns:a16="http://schemas.microsoft.com/office/drawing/2014/main" id="{211FC2C2-7603-4D93-B8CB-1C5AE3D3BAAC}"/>
+              </a:ext>
+            </a:extLst>
+          </p:cNvPr>
+          <p:cNvSpPr/>
+          <p:nvPr/>
+        </p:nvSpPr>
+        <p:spPr>
+          <a:xfrm>
+            <a:off x="10564374" y="470556"/>
+            <a:ext cx="1255745" cy="430355"/>
+          </a:xfrm>
+          <a:prstGeom prst="roundRect">
+            <a:avLst/>
+          </a:prstGeom>
+        </p:spPr>
+        <p:style>
+          <a:lnRef idx="2">
+            <a:schemeClr val="accent1">
+              <a:shade val="50000"/>
+            </a:schemeClr>
+          </a:lnRef>
+          <a:fillRef idx="1">
+            <a:schemeClr val="accent1"/>
+          </a:fillRef>
+          <a:effectRef idx="0">
+            <a:schemeClr val="accent1"/>
+          </a:effectRef>
+          <a:fontRef idx="minor">
+            <a:schemeClr val="lt1"/>
+          </a:fontRef>
+        </p:style>
+        <p:txBody>
+          <a:bodyPr rtlCol="0" anchor="ctr"/>
+          <a:lstStyle/>
+          <a:p>
+            <a:pPr algn="ctr"/>
+            <a:r>
+              <a:rPr lang="en-US" dirty="0" err="1"/>
+              <a:t>Whatsapp</a:t>
+            </a:r>
+            <a:endParaRPr lang="en-US" dirty="0"/>
+          </a:p>
+        </p:txBody>
+      </p:sp>
+      <p:sp>
+        <p:nvSpPr>
+          <p:cNvPr id="24" name="Rectangle: Rounded Corners 23">
+            <a:extLst>
+              <a:ext uri="{FF2B5EF4-FFF2-40B4-BE49-F238E27FC236}">
+                <a16:creationId xmlns:a16="http://schemas.microsoft.com/office/drawing/2014/main" id="{0FEC75C1-A38E-43F2-B49E-BCCC98B7E5E2}"/>
+              </a:ext>
+            </a:extLst>
+          </p:cNvPr>
+          <p:cNvSpPr/>
+          <p:nvPr/>
+        </p:nvSpPr>
+        <p:spPr>
+          <a:xfrm>
+            <a:off x="7992622" y="1478357"/>
+            <a:ext cx="1550427" cy="430355"/>
+          </a:xfrm>
+          <a:prstGeom prst="roundRect">
+            <a:avLst/>
+          </a:prstGeom>
+          <a:solidFill>
+            <a:schemeClr val="accent2">
+              <a:lumMod val="75000"/>
+            </a:schemeClr>
+          </a:solidFill>
+        </p:spPr>
+        <p:style>
+          <a:lnRef idx="2">
+            <a:schemeClr val="accent1">
+              <a:shade val="50000"/>
+            </a:schemeClr>
+          </a:lnRef>
+          <a:fillRef idx="1">
+            <a:schemeClr val="accent1"/>
+          </a:fillRef>
+          <a:effectRef idx="0">
+            <a:schemeClr val="accent1"/>
+          </a:effectRef>
+          <a:fontRef idx="minor">
+            <a:schemeClr val="lt1"/>
+          </a:fontRef>
+        </p:style>
+        <p:txBody>
+          <a:bodyPr rtlCol="0" anchor="ctr"/>
+          <a:lstStyle/>
+          <a:p>
+            <a:pPr algn="ctr"/>
+            <a:r>
+              <a:rPr lang="en-US" dirty="0"/>
+              <a:t>Hire Me ?</a:t>
+            </a:r>
+          </a:p>
+        </p:txBody>
+      </p:sp>
+      <p:sp>
+        <p:nvSpPr>
+          <p:cNvPr id="25" name="Rectangle: Rounded Corners 24">
+            <a:extLst>
+              <a:ext uri="{FF2B5EF4-FFF2-40B4-BE49-F238E27FC236}">
+                <a16:creationId xmlns:a16="http://schemas.microsoft.com/office/drawing/2014/main" id="{CC98E4B8-21AD-454F-9CC3-10CB34CFD04D}"/>
+              </a:ext>
+            </a:extLst>
+          </p:cNvPr>
+          <p:cNvSpPr/>
+          <p:nvPr/>
+        </p:nvSpPr>
+        <p:spPr>
+          <a:xfrm>
+            <a:off x="9844160" y="1527303"/>
+            <a:ext cx="1550427" cy="430355"/>
+          </a:xfrm>
+          <a:prstGeom prst="roundRect">
+            <a:avLst/>
+          </a:prstGeom>
+          <a:solidFill>
+            <a:schemeClr val="tx1">
+              <a:lumMod val="75000"/>
+              <a:lumOff val="25000"/>
+            </a:schemeClr>
+          </a:solidFill>
+        </p:spPr>
+        <p:style>
+          <a:lnRef idx="2">
+            <a:schemeClr val="accent1">
+              <a:shade val="50000"/>
+            </a:schemeClr>
+          </a:lnRef>
+          <a:fillRef idx="1">
+            <a:schemeClr val="accent1"/>
+          </a:fillRef>
+          <a:effectRef idx="0">
+            <a:schemeClr val="accent1"/>
+          </a:effectRef>
+          <a:fontRef idx="minor">
+            <a:schemeClr val="lt1"/>
+          </a:fontRef>
+        </p:style>
+        <p:txBody>
+          <a:bodyPr rtlCol="0" anchor="ctr"/>
+          <a:lstStyle/>
+          <a:p>
+            <a:pPr algn="ctr"/>
+            <a:r>
+              <a:rPr lang="en-US" dirty="0"/>
+              <a:t>My Resume</a:t>
+            </a:r>
+          </a:p>
+        </p:txBody>
+      </p:sp>
+      <p:sp>
+        <p:nvSpPr>
+          <p:cNvPr id="4" name="TextBox 3">
+            <a:extLst>
+              <a:ext uri="{FF2B5EF4-FFF2-40B4-BE49-F238E27FC236}">
+                <a16:creationId xmlns:a16="http://schemas.microsoft.com/office/drawing/2014/main" id="{F37D2F9F-32C2-4007-9386-FF912BAC6DD1}"/>
+              </a:ext>
+            </a:extLst>
+          </p:cNvPr>
+          <p:cNvSpPr txBox="1"/>
+          <p:nvPr/>
+        </p:nvSpPr>
+        <p:spPr>
+          <a:xfrm>
+            <a:off x="419510" y="461897"/>
+            <a:ext cx="7038567" cy="1661993"/>
+          </a:xfrm>
+          <a:prstGeom prst="rect">
+            <a:avLst/>
+          </a:prstGeom>
+          <a:noFill/>
+        </p:spPr>
+        <p:txBody>
+          <a:bodyPr wrap="square" rtlCol="0">
+            <a:spAutoFit/>
+          </a:bodyPr>
+          <a:lstStyle/>
+          <a:p>
+            <a:r>
+              <a:rPr lang="en-US" sz="1400" dirty="0">
+                <a:solidFill>
+                  <a:schemeClr val="bg1"/>
+                </a:solidFill>
+                <a:latin typeface="Calibri" panose="020F0502020204030204" pitchFamily="34" charset="0"/>
+                <a:ea typeface="Calibri" panose="020F0502020204030204" pitchFamily="34" charset="0"/>
+                <a:cs typeface="Times New Roman" panose="02020603050405020304" pitchFamily="18" charset="0"/>
+              </a:rPr>
+              <a:t>Hi 👍</a:t>
+            </a:r>
+            <a:br>
+              <a:rPr lang="en-US" sz="1400" dirty="0">
+                <a:solidFill>
+                  <a:schemeClr val="bg1"/>
+                </a:solidFill>
+                <a:latin typeface="Calibri" panose="020F0502020204030204" pitchFamily="34" charset="0"/>
+                <a:ea typeface="Calibri" panose="020F0502020204030204" pitchFamily="34" charset="0"/>
+                <a:cs typeface="Times New Roman" panose="02020603050405020304" pitchFamily="18" charset="0"/>
+              </a:rPr>
+            </a:br>
+            <a:r>
+              <a:rPr lang="en-US" sz="1400" dirty="0">
+                <a:solidFill>
+                  <a:schemeClr val="bg1"/>
+                </a:solidFill>
+                <a:latin typeface="Calibri" panose="020F0502020204030204" pitchFamily="34" charset="0"/>
+                <a:ea typeface="Calibri" panose="020F0502020204030204" pitchFamily="34" charset="0"/>
+                <a:cs typeface="Times New Roman" panose="02020603050405020304" pitchFamily="18" charset="0"/>
+              </a:rPr>
+              <a:t>Thank you so much for come into my profile / portfolio. To know me.</a:t>
+            </a:r>
+            <a:br>
+              <a:rPr lang="en-US" sz="1400" dirty="0">
+                <a:solidFill>
+                  <a:schemeClr val="bg1"/>
+                </a:solidFill>
+                <a:latin typeface="Calibri" panose="020F0502020204030204" pitchFamily="34" charset="0"/>
+                <a:ea typeface="Calibri" panose="020F0502020204030204" pitchFamily="34" charset="0"/>
+                <a:cs typeface="Times New Roman" panose="02020603050405020304" pitchFamily="18" charset="0"/>
+              </a:rPr>
+            </a:br>
+            <a:r>
+              <a:rPr lang="en-US" sz="1400" dirty="0">
+                <a:solidFill>
+                  <a:schemeClr val="bg1"/>
+                </a:solidFill>
+                <a:latin typeface="Calibri" panose="020F0502020204030204" pitchFamily="34" charset="0"/>
+                <a:ea typeface="Calibri" panose="020F0502020204030204" pitchFamily="34" charset="0"/>
+                <a:cs typeface="Times New Roman" panose="02020603050405020304" pitchFamily="18" charset="0"/>
+              </a:rPr>
+              <a:t>Simply I love to introduce myself As Data professional Not specifically Data analyst, ,Data Scientist, or Data engineer, Because In The Data Domain I had to  </a:t>
+            </a:r>
+            <a:r>
+              <a:rPr lang="en-US" sz="1400" dirty="0" err="1">
+                <a:solidFill>
+                  <a:schemeClr val="bg1"/>
+                </a:solidFill>
+                <a:latin typeface="Calibri" panose="020F0502020204030204" pitchFamily="34" charset="0"/>
+                <a:ea typeface="Calibri" panose="020F0502020204030204" pitchFamily="34" charset="0"/>
+                <a:cs typeface="Times New Roman" panose="02020603050405020304" pitchFamily="18" charset="0"/>
+              </a:rPr>
+              <a:t>to</a:t>
+            </a:r>
+            <a:r>
+              <a:rPr lang="en-US" sz="1400" dirty="0">
+                <a:solidFill>
+                  <a:schemeClr val="bg1"/>
+                </a:solidFill>
+                <a:latin typeface="Calibri" panose="020F0502020204030204" pitchFamily="34" charset="0"/>
+                <a:ea typeface="Calibri" panose="020F0502020204030204" pitchFamily="34" charset="0"/>
+                <a:cs typeface="Times New Roman" panose="02020603050405020304" pitchFamily="18" charset="0"/>
+              </a:rPr>
+              <a:t> do a lot of thing from Data collection (Python, SQL, ), to Cleaning (Excel, Python, SQL) to Modeling, Dashboarding (excel Power BI), Predictive analytic s(Machine Learning , AI </a:t>
+            </a:r>
+            <a:r>
+              <a:rPr lang="en-US" sz="1400" dirty="0" err="1">
+                <a:solidFill>
+                  <a:schemeClr val="bg1"/>
+                </a:solidFill>
+                <a:latin typeface="Calibri" panose="020F0502020204030204" pitchFamily="34" charset="0"/>
+                <a:ea typeface="Calibri" panose="020F0502020204030204" pitchFamily="34" charset="0"/>
+                <a:cs typeface="Times New Roman" panose="02020603050405020304" pitchFamily="18" charset="0"/>
+              </a:rPr>
+              <a:t>Aanalytics</a:t>
+            </a:r>
+            <a:r>
+              <a:rPr lang="en-US" sz="1400" dirty="0">
+                <a:solidFill>
+                  <a:schemeClr val="bg1"/>
+                </a:solidFill>
+                <a:latin typeface="Calibri" panose="020F0502020204030204" pitchFamily="34" charset="0"/>
+                <a:ea typeface="Calibri" panose="020F0502020204030204" pitchFamily="34" charset="0"/>
+                <a:cs typeface="Times New Roman" panose="02020603050405020304" pitchFamily="18" charset="0"/>
+              </a:rPr>
+              <a:t>,  and i really love it </a:t>
+            </a:r>
+          </a:p>
+          <a:p>
+            <a:endParaRPr lang="en-US" dirty="0"/>
+          </a:p>
+        </p:txBody>
+      </p:sp>
+      <p:sp>
+        <p:nvSpPr>
+          <p:cNvPr id="6" name="Rectangle: Rounded Corners 5">
+            <a:extLst>
+              <a:ext uri="{FF2B5EF4-FFF2-40B4-BE49-F238E27FC236}">
+                <a16:creationId xmlns:a16="http://schemas.microsoft.com/office/drawing/2014/main" id="{28F99EEF-6A16-48CF-904D-B859D99479CA}"/>
+              </a:ext>
+            </a:extLst>
+          </p:cNvPr>
+          <p:cNvSpPr/>
+          <p:nvPr/>
+        </p:nvSpPr>
+        <p:spPr>
+          <a:xfrm>
+            <a:off x="597408" y="2499360"/>
+            <a:ext cx="5327904" cy="3718560"/>
+          </a:xfrm>
+          <a:prstGeom prst="roundRect">
+            <a:avLst/>
+          </a:prstGeom>
+        </p:spPr>
+        <p:style>
+          <a:lnRef idx="2">
+            <a:schemeClr val="accent1">
+              <a:shade val="50000"/>
+            </a:schemeClr>
+          </a:lnRef>
+          <a:fillRef idx="1">
+            <a:schemeClr val="accent1"/>
+          </a:fillRef>
+          <a:effectRef idx="0">
+            <a:schemeClr val="accent1"/>
+          </a:effectRef>
+          <a:fontRef idx="minor">
+            <a:schemeClr val="lt1"/>
+          </a:fontRef>
+        </p:style>
+        <p:txBody>
+          <a:bodyPr rtlCol="0" anchor="ctr"/>
+          <a:lstStyle/>
+          <a:p>
+            <a:pPr algn="ctr"/>
+            <a:endParaRPr lang="en-US"/>
+          </a:p>
+        </p:txBody>
+      </p:sp>
+      <p:sp>
+        <p:nvSpPr>
+          <p:cNvPr id="26" name="Rectangle: Rounded Corners 25">
+            <a:extLst>
+              <a:ext uri="{FF2B5EF4-FFF2-40B4-BE49-F238E27FC236}">
+                <a16:creationId xmlns:a16="http://schemas.microsoft.com/office/drawing/2014/main" id="{C53E798D-ACFB-462C-9A7A-4B420B89CA8F}"/>
+              </a:ext>
+            </a:extLst>
+          </p:cNvPr>
+          <p:cNvSpPr/>
+          <p:nvPr/>
+        </p:nvSpPr>
+        <p:spPr>
+          <a:xfrm>
+            <a:off x="6492215" y="2446143"/>
+            <a:ext cx="5327904" cy="3718560"/>
+          </a:xfrm>
+          <a:prstGeom prst="roundRect">
+            <a:avLst/>
+          </a:prstGeom>
+        </p:spPr>
+        <p:style>
+          <a:lnRef idx="2">
+            <a:schemeClr val="accent1">
+              <a:shade val="50000"/>
+            </a:schemeClr>
+          </a:lnRef>
+          <a:fillRef idx="1">
+            <a:schemeClr val="accent1"/>
+          </a:fillRef>
+          <a:effectRef idx="0">
+            <a:schemeClr val="accent1"/>
+          </a:effectRef>
+          <a:fontRef idx="minor">
+            <a:schemeClr val="lt1"/>
+          </a:fontRef>
+        </p:style>
+        <p:txBody>
+          <a:bodyPr rtlCol="0" anchor="ctr"/>
+          <a:lstStyle/>
+          <a:p>
+            <a:pPr algn="ctr"/>
+            <a:endParaRPr lang="en-US"/>
+          </a:p>
+        </p:txBody>
+      </p:sp>
+      <p:sp>
+        <p:nvSpPr>
+          <p:cNvPr id="7" name="TextBox 6">
+            <a:extLst>
+              <a:ext uri="{FF2B5EF4-FFF2-40B4-BE49-F238E27FC236}">
+                <a16:creationId xmlns:a16="http://schemas.microsoft.com/office/drawing/2014/main" id="{14326564-E564-4F4A-9C43-7D8DD48F5C9E}"/>
+              </a:ext>
+            </a:extLst>
+          </p:cNvPr>
+          <p:cNvSpPr txBox="1"/>
+          <p:nvPr/>
+        </p:nvSpPr>
+        <p:spPr>
+          <a:xfrm>
+            <a:off x="2243328" y="2586061"/>
+            <a:ext cx="2499360" cy="707886"/>
+          </a:xfrm>
+          <a:prstGeom prst="rect">
+            <a:avLst/>
+          </a:prstGeom>
+          <a:noFill/>
+        </p:spPr>
+        <p:txBody>
+          <a:bodyPr wrap="square" rtlCol="0">
+            <a:spAutoFit/>
+          </a:bodyPr>
+          <a:lstStyle/>
+          <a:p>
+            <a:r>
+              <a:rPr lang="en-US" sz="4000" dirty="0">
+                <a:solidFill>
+                  <a:schemeClr val="bg1"/>
+                </a:solidFill>
+              </a:rPr>
+              <a:t>Skills</a:t>
+            </a:r>
+          </a:p>
+        </p:txBody>
+      </p:sp>
+      <p:sp>
+        <p:nvSpPr>
+          <p:cNvPr id="27" name="TextBox 26">
+            <a:extLst>
+              <a:ext uri="{FF2B5EF4-FFF2-40B4-BE49-F238E27FC236}">
+                <a16:creationId xmlns:a16="http://schemas.microsoft.com/office/drawing/2014/main" id="{6D957B00-A015-4A07-8066-DF581A0EC2B5}"/>
+              </a:ext>
+            </a:extLst>
+          </p:cNvPr>
+          <p:cNvSpPr txBox="1"/>
+          <p:nvPr/>
+        </p:nvSpPr>
+        <p:spPr>
+          <a:xfrm>
+            <a:off x="7603881" y="2586061"/>
+            <a:ext cx="2499360" cy="707886"/>
+          </a:xfrm>
+          <a:prstGeom prst="rect">
+            <a:avLst/>
+          </a:prstGeom>
+          <a:noFill/>
+        </p:spPr>
+        <p:txBody>
+          <a:bodyPr wrap="square" rtlCol="0">
+            <a:spAutoFit/>
+          </a:bodyPr>
+          <a:lstStyle/>
+          <a:p>
+            <a:r>
+              <a:rPr lang="en-US" sz="4000" dirty="0">
+                <a:solidFill>
+                  <a:schemeClr val="bg1"/>
+                </a:solidFill>
+              </a:rPr>
+              <a:t>Experience</a:t>
+            </a:r>
+          </a:p>
+        </p:txBody>
+      </p:sp>
+      <p:sp>
+        <p:nvSpPr>
+          <p:cNvPr id="8" name="Rectangle 7">
+            <a:extLst>
+              <a:ext uri="{FF2B5EF4-FFF2-40B4-BE49-F238E27FC236}">
+                <a16:creationId xmlns:a16="http://schemas.microsoft.com/office/drawing/2014/main" id="{81FB074F-5A11-4971-BEB2-7A6BDA026471}"/>
+              </a:ext>
+            </a:extLst>
+          </p:cNvPr>
+          <p:cNvSpPr/>
+          <p:nvPr/>
+        </p:nvSpPr>
+        <p:spPr>
+          <a:xfrm>
+            <a:off x="8095488" y="998532"/>
+            <a:ext cx="3486912" cy="382206"/>
+          </a:xfrm>
+          <a:prstGeom prst="rect">
+            <a:avLst/>
+          </a:prstGeom>
+          <a:solidFill>
+            <a:schemeClr val="accent1">
+              <a:lumMod val="75000"/>
+            </a:schemeClr>
+          </a:solidFill>
+        </p:spPr>
+        <p:style>
+          <a:lnRef idx="2">
+            <a:schemeClr val="accent3">
+              <a:shade val="50000"/>
+            </a:schemeClr>
+          </a:lnRef>
+          <a:fillRef idx="1">
+            <a:schemeClr val="accent3"/>
+          </a:fillRef>
+          <a:effectRef idx="0">
+            <a:schemeClr val="accent3"/>
+          </a:effectRef>
+          <a:fontRef idx="minor">
+            <a:schemeClr val="lt1"/>
+          </a:fontRef>
+        </p:style>
+        <p:txBody>
+          <a:bodyPr rtlCol="0" anchor="ctr"/>
+          <a:lstStyle/>
+          <a:p>
+            <a:pPr algn="ctr"/>
+            <a:r>
+              <a:rPr lang="en-US" dirty="0"/>
+              <a:t>Education : BSc </a:t>
+            </a:r>
+            <a:r>
+              <a:rPr lang="en-US" dirty="0" err="1"/>
+              <a:t>Enginnering</a:t>
+            </a:r>
+            <a:r>
+              <a:rPr lang="en-US" dirty="0"/>
+              <a:t> (CE)</a:t>
+            </a:r>
+          </a:p>
+        </p:txBody>
+      </p:sp>
+    </p:spTree>
+    <p:extLst>
+      <p:ext uri="{BB962C8B-B14F-4D97-AF65-F5344CB8AC3E}">
+        <p14:creationId xmlns:p14="http://schemas.microsoft.com/office/powerpoint/2010/main" val="4142914728"/>
+      </p:ext>
+    </p:extLst>
+  </p:cSld>
+  <p:clrMapOvr>
+    <a:masterClrMapping/>
+  </p:clrMapOvr>
+</p:sld>
+</file>
+
+<file path=ppt/slides/slide5.xml><?xml version="1.0" encoding="utf-8"?>
+<p:sld xmlns:a="http://schemas.openxmlformats.org/drawingml/2006/main" xmlns:r="http://schemas.openxmlformats.org/officeDocument/2006/relationships" xmlns:p="http://schemas.openxmlformats.org/presentationml/2006/main">
+  <p:cSld>
+    <p:bg>
+      <p:bgPr>
+        <a:solidFill>
+          <a:schemeClr val="tx1">
+            <a:lumMod val="85000"/>
+            <a:lumOff val="15000"/>
+          </a:schemeClr>
+        </a:solidFill>
+        <a:effectLst/>
+      </p:bgPr>
+    </p:bg>
+    <p:spTree>
+      <p:nvGrpSpPr>
+        <p:cNvPr id="1" name=""/>
+        <p:cNvGrpSpPr/>
+        <p:nvPr/>
+      </p:nvGrpSpPr>
+      <p:grpSpPr>
+        <a:xfrm>
+          <a:off x="0" y="0"/>
+          <a:ext cx="0" cy="0"/>
+          <a:chOff x="0" y="0"/>
+          <a:chExt cx="0" cy="0"/>
+        </a:xfrm>
+      </p:grpSpPr>
+      <p:sp>
+        <p:nvSpPr>
+          <p:cNvPr id="13" name="Rectangle: Rounded Corners 12">
+            <a:extLst>
+              <a:ext uri="{FF2B5EF4-FFF2-40B4-BE49-F238E27FC236}">
+                <a16:creationId xmlns:a16="http://schemas.microsoft.com/office/drawing/2014/main" id="{99EFF667-58DC-46A8-85E2-75EDC32EAC93}"/>
+              </a:ext>
+            </a:extLst>
+          </p:cNvPr>
+          <p:cNvSpPr/>
+          <p:nvPr/>
+        </p:nvSpPr>
+        <p:spPr>
+          <a:xfrm>
+            <a:off x="892683" y="670560"/>
+            <a:ext cx="6412992" cy="634365"/>
+          </a:xfrm>
+          <a:prstGeom prst="roundRect">
+            <a:avLst/>
+          </a:prstGeom>
+        </p:spPr>
+        <p:style>
+          <a:lnRef idx="2">
+            <a:schemeClr val="accent1">
+              <a:shade val="50000"/>
+            </a:schemeClr>
+          </a:lnRef>
+          <a:fillRef idx="1">
+            <a:schemeClr val="accent1"/>
+          </a:fillRef>
+          <a:effectRef idx="0">
+            <a:schemeClr val="accent1"/>
+          </a:effectRef>
+          <a:fontRef idx="minor">
+            <a:schemeClr val="lt1"/>
+          </a:fontRef>
+        </p:style>
+        <p:txBody>
+          <a:bodyPr rtlCol="0" anchor="ctr"/>
+          <a:lstStyle/>
+          <a:p>
+            <a:pPr algn="ctr"/>
+            <a:r>
+              <a:rPr lang="en-US" dirty="0"/>
+              <a:t>My Projects And Work Sample</a:t>
+            </a:r>
+          </a:p>
+        </p:txBody>
+      </p:sp>
+    </p:spTree>
+    <p:extLst>
+      <p:ext uri="{BB962C8B-B14F-4D97-AF65-F5344CB8AC3E}">
+        <p14:creationId xmlns:p14="http://schemas.microsoft.com/office/powerpoint/2010/main" val="2183014758"/>
+      </p:ext>
+    </p:extLst>
+  </p:cSld>
+  <p:clrMapOvr>
+    <a:masterClrMapping/>
+  </p:clrMapOvr>
+</p:sld>
+</file>
+
+<file path=ppt/slides/slide6.xml><?xml version="1.0" encoding="utf-8"?>
+<p:sld xmlns:a="http://schemas.openxmlformats.org/drawingml/2006/main" xmlns:r="http://schemas.openxmlformats.org/officeDocument/2006/relationships" xmlns:p="http://schemas.openxmlformats.org/presentationml/2006/main">
+  <p:cSld>
+    <p:spTree>
+      <p:nvGrpSpPr>
+        <p:cNvPr id="1" name=""/>
+        <p:cNvGrpSpPr/>
+        <p:nvPr/>
+      </p:nvGrpSpPr>
+      <p:grpSpPr>
+        <a:xfrm>
+          <a:off x="0" y="0"/>
+          <a:ext cx="0" cy="0"/>
+          <a:chOff x="0" y="0"/>
+          <a:chExt cx="0" cy="0"/>
+        </a:xfrm>
+      </p:grpSpPr>
+      <p:sp>
+        <p:nvSpPr>
+          <p:cNvPr id="5" name="TextBox 4">
+            <a:extLst>
+              <a:ext uri="{FF2B5EF4-FFF2-40B4-BE49-F238E27FC236}">
+                <a16:creationId xmlns:a16="http://schemas.microsoft.com/office/drawing/2014/main" id="{8F0E4E01-AEE9-4FB1-ACA5-E62EA177610E}"/>
+              </a:ext>
+            </a:extLst>
+          </p:cNvPr>
+          <p:cNvSpPr txBox="1"/>
+          <p:nvPr/>
+        </p:nvSpPr>
+        <p:spPr>
+          <a:xfrm>
+            <a:off x="3048000" y="2967336"/>
+            <a:ext cx="6096000" cy="1477328"/>
+          </a:xfrm>
+          <a:prstGeom prst="rect">
+            <a:avLst/>
+          </a:prstGeom>
+          <a:noFill/>
+        </p:spPr>
+        <p:txBody>
+          <a:bodyPr wrap="square">
+            <a:spAutoFit/>
+          </a:bodyPr>
+          <a:lstStyle/>
+          <a:p>
+            <a:r>
+              <a:rPr lang="en-US" b="1" dirty="0"/>
+              <a:t>Retail Customer Cohort Analysis</a:t>
+            </a:r>
+          </a:p>
+          <a:p>
+            <a:r>
+              <a:rPr lang="en-US" dirty="0"/>
+              <a:t>The project employs Power BI for retail cohort analysis, covering retention, </a:t>
+            </a:r>
+          </a:p>
+          <a:p>
+            <a:endParaRPr lang="en-US" dirty="0"/>
+          </a:p>
+          <a:p>
+            <a:r>
+              <a:rPr lang="en-US" dirty="0"/>
+              <a:t>The customer profile is good </a:t>
+            </a:r>
+            <a:r>
+              <a:rPr lang="en-US" dirty="0" err="1"/>
+              <a:t>en</a:t>
+            </a:r>
+            <a:endParaRPr lang="en-US" dirty="0"/>
+          </a:p>
+        </p:txBody>
+      </p:sp>
+      <p:pic>
+        <p:nvPicPr>
+          <p:cNvPr id="1026" name="Picture 2" descr="Sree Vignesh">
+            <a:extLst>
+              <a:ext uri="{FF2B5EF4-FFF2-40B4-BE49-F238E27FC236}">
+                <a16:creationId xmlns:a16="http://schemas.microsoft.com/office/drawing/2014/main" id="{75608183-B3AC-40B0-9484-6B971BAAFBC4}"/>
+              </a:ext>
+            </a:extLst>
+          </p:cNvPr>
+          <p:cNvPicPr>
+            <a:picLocks noChangeAspect="1" noChangeArrowheads="1"/>
+          </p:cNvPicPr>
+          <p:nvPr/>
+        </p:nvPicPr>
+        <p:blipFill>
+          <a:blip r:embed="rId2">
+            <a:extLst>
+              <a:ext uri="{28A0092B-C50C-407E-A947-70E740481C1C}">
+                <a14:useLocalDpi xmlns:a14="http://schemas.microsoft.com/office/drawing/2010/main" val="0"/>
+              </a:ext>
+            </a:extLst>
+          </a:blip>
+          <a:srcRect/>
+          <a:stretch>
+            <a:fillRect/>
+          </a:stretch>
+        </p:blipFill>
+        <p:spPr bwMode="auto">
+          <a:xfrm>
+            <a:off x="0" y="1905000"/>
+            <a:ext cx="12192000" cy="3048000"/>
+          </a:xfrm>
+          <a:prstGeom prst="rect">
+            <a:avLst/>
+          </a:prstGeom>
+          <a:noFill/>
+          <a:extLst>
+            <a:ext uri="{909E8E84-426E-40DD-AFC4-6F175D3DCCD1}">
+              <a14:hiddenFill xmlns:a14="http://schemas.microsoft.com/office/drawing/2010/main">
+                <a:solidFill>
+                  <a:srgbClr val="FFFFFF"/>
+                </a:solidFill>
+              </a14:hiddenFill>
+            </a:ext>
+          </a:extLst>
+        </p:spPr>
+      </p:pic>
+    </p:spTree>
+    <p:extLst>
+      <p:ext uri="{BB962C8B-B14F-4D97-AF65-F5344CB8AC3E}">
+        <p14:creationId xmlns:p14="http://schemas.microsoft.com/office/powerpoint/2010/main" val="242927789"/>
       </p:ext>
     </p:extLst>
   </p:cSld>
@@ -4114,4 +8437,299 @@
     </a:ext>
   </a:extLst>
 </a:theme>
+</file>
+
+<file path=ppt/theme/theme2.xml><?xml version="1.0" encoding="utf-8"?>
+<a:theme xmlns:a="http://schemas.openxmlformats.org/drawingml/2006/main" name="Office Theme">
+  <a:themeElements>
+    <a:clrScheme name="Office">
+      <a:dk1>
+        <a:sysClr val="windowText" lastClr="000000"/>
+      </a:dk1>
+      <a:lt1>
+        <a:sysClr val="window" lastClr="FFFFFF"/>
+      </a:lt1>
+      <a:dk2>
+        <a:srgbClr val="44546A"/>
+      </a:dk2>
+      <a:lt2>
+        <a:srgbClr val="E7E6E6"/>
+      </a:lt2>
+      <a:accent1>
+        <a:srgbClr val="4472C4"/>
+      </a:accent1>
+      <a:accent2>
+        <a:srgbClr val="ED7D31"/>
+      </a:accent2>
+      <a:accent3>
+        <a:srgbClr val="A5A5A5"/>
+      </a:accent3>
+      <a:accent4>
+        <a:srgbClr val="FFC000"/>
+      </a:accent4>
+      <a:accent5>
+        <a:srgbClr val="5B9BD5"/>
+      </a:accent5>
+      <a:accent6>
+        <a:srgbClr val="70AD47"/>
+      </a:accent6>
+      <a:hlink>
+        <a:srgbClr val="0563C1"/>
+      </a:hlink>
+      <a:folHlink>
+        <a:srgbClr val="954F72"/>
+      </a:folHlink>
+    </a:clrScheme>
+    <a:fontScheme name="Office">
+      <a:majorFont>
+        <a:latin typeface="Calibri Light" panose="020F0302020204030204"/>
+        <a:ea typeface=""/>
+        <a:cs typeface=""/>
+        <a:font script="Jpan" typeface="游ゴシック Light"/>
+        <a:font script="Hang" typeface="맑은 고딕"/>
+        <a:font script="Hans" typeface="等线 Light"/>
+        <a:font script="Hant" typeface="新細明體"/>
+        <a:font script="Arab" typeface="Times New Roman"/>
+        <a:font script="Hebr" typeface="Times New Roman"/>
+        <a:font script="Thai" typeface="Angsana New"/>
+        <a:font script="Ethi" typeface="Nyala"/>
+        <a:font script="Beng" typeface="Vrinda"/>
+        <a:font script="Gujr" typeface="Shruti"/>
+        <a:font script="Khmr" typeface="MoolBoran"/>
+        <a:font script="Knda" typeface="Tunga"/>
+        <a:font script="Guru" typeface="Raavi"/>
+        <a:font script="Cans" typeface="Euphemia"/>
+        <a:font script="Cher" typeface="Plantagenet Cherokee"/>
+        <a:font script="Yiii" typeface="Microsoft Yi Baiti"/>
+        <a:font script="Tibt" typeface="Microsoft Himalaya"/>
+        <a:font script="Thaa" typeface="MV Boli"/>
+        <a:font script="Deva" typeface="Mangal"/>
+        <a:font script="Telu" typeface="Gautami"/>
+        <a:font script="Taml" typeface="Latha"/>
+        <a:font script="Syrc" typeface="Estrangelo Edessa"/>
+        <a:font script="Orya" typeface="Kalinga"/>
+        <a:font script="Mlym" typeface="Kartika"/>
+        <a:font script="Laoo" typeface="DokChampa"/>
+        <a:font script="Sinh" typeface="Iskoola Pota"/>
+        <a:font script="Mong" typeface="Mongolian Baiti"/>
+        <a:font script="Viet" typeface="Times New Roman"/>
+        <a:font script="Uigh" typeface="Microsoft Uighur"/>
+        <a:font script="Geor" typeface="Sylfaen"/>
+        <a:font script="Armn" typeface="Arial"/>
+        <a:font script="Bugi" typeface="Leelawadee UI"/>
+        <a:font script="Bopo" typeface="Microsoft JhengHei"/>
+        <a:font script="Java" typeface="Javanese Text"/>
+        <a:font script="Lisu" typeface="Segoe UI"/>
+        <a:font script="Mymr" typeface="Myanmar Text"/>
+        <a:font script="Nkoo" typeface="Ebrima"/>
+        <a:font script="Olck" typeface="Nirmala UI"/>
+        <a:font script="Osma" typeface="Ebrima"/>
+        <a:font script="Phag" typeface="Phagspa"/>
+        <a:font script="Syrn" typeface="Estrangelo Edessa"/>
+        <a:font script="Syrj" typeface="Estrangelo Edessa"/>
+        <a:font script="Syre" typeface="Estrangelo Edessa"/>
+        <a:font script="Sora" typeface="Nirmala UI"/>
+        <a:font script="Tale" typeface="Microsoft Tai Le"/>
+        <a:font script="Talu" typeface="Microsoft New Tai Lue"/>
+        <a:font script="Tfng" typeface="Ebrima"/>
+      </a:majorFont>
+      <a:minorFont>
+        <a:latin typeface="Calibri" panose="020F0502020204030204"/>
+        <a:ea typeface=""/>
+        <a:cs typeface=""/>
+        <a:font script="Jpan" typeface="游ゴシック"/>
+        <a:font script="Hang" typeface="맑은 고딕"/>
+        <a:font script="Hans" typeface="等线"/>
+        <a:font script="Hant" typeface="新細明體"/>
+        <a:font script="Arab" typeface="Arial"/>
+        <a:font script="Hebr" typeface="Arial"/>
+        <a:font script="Thai" typeface="Cordia New"/>
+        <a:font script="Ethi" typeface="Nyala"/>
+        <a:font script="Beng" typeface="Vrinda"/>
+        <a:font script="Gujr" typeface="Shruti"/>
+        <a:font script="Khmr" typeface="DaunPenh"/>
+        <a:font script="Knda" typeface="Tunga"/>
+        <a:font script="Guru" typeface="Raavi"/>
+        <a:font script="Cans" typeface="Euphemia"/>
+        <a:font script="Cher" typeface="Plantagenet Cherokee"/>
+        <a:font script="Yiii" typeface="Microsoft Yi Baiti"/>
+        <a:font script="Tibt" typeface="Microsoft Himalaya"/>
+        <a:font script="Thaa" typeface="MV Boli"/>
+        <a:font script="Deva" typeface="Mangal"/>
+        <a:font script="Telu" typeface="Gautami"/>
+        <a:font script="Taml" typeface="Latha"/>
+        <a:font script="Syrc" typeface="Estrangelo Edessa"/>
+        <a:font script="Orya" typeface="Kalinga"/>
+        <a:font script="Mlym" typeface="Kartika"/>
+        <a:font script="Laoo" typeface="DokChampa"/>
+        <a:font script="Sinh" typeface="Iskoola Pota"/>
+        <a:font script="Mong" typeface="Mongolian Baiti"/>
+        <a:font script="Viet" typeface="Arial"/>
+        <a:font script="Uigh" typeface="Microsoft Uighur"/>
+        <a:font script="Geor" typeface="Sylfaen"/>
+        <a:font script="Armn" typeface="Arial"/>
+        <a:font script="Bugi" typeface="Leelawadee UI"/>
+        <a:font script="Bopo" typeface="Microsoft JhengHei"/>
+        <a:font script="Java" typeface="Javanese Text"/>
+        <a:font script="Lisu" typeface="Segoe UI"/>
+        <a:font script="Mymr" typeface="Myanmar Text"/>
+        <a:font script="Nkoo" typeface="Ebrima"/>
+        <a:font script="Olck" typeface="Nirmala UI"/>
+        <a:font script="Osma" typeface="Ebrima"/>
+        <a:font script="Phag" typeface="Phagspa"/>
+        <a:font script="Syrn" typeface="Estrangelo Edessa"/>
+        <a:font script="Syrj" typeface="Estrangelo Edessa"/>
+        <a:font script="Syre" typeface="Estrangelo Edessa"/>
+        <a:font script="Sora" typeface="Nirmala UI"/>
+        <a:font script="Tale" typeface="Microsoft Tai Le"/>
+        <a:font script="Talu" typeface="Microsoft New Tai Lue"/>
+        <a:font script="Tfng" typeface="Ebrima"/>
+      </a:minorFont>
+    </a:fontScheme>
+    <a:fmtScheme name="Office">
+      <a:fillStyleLst>
+        <a:solidFill>
+          <a:schemeClr val="phClr"/>
+        </a:solidFill>
+        <a:gradFill rotWithShape="1">
+          <a:gsLst>
+            <a:gs pos="0">
+              <a:schemeClr val="phClr">
+                <a:lumMod val="110000"/>
+                <a:satMod val="105000"/>
+                <a:tint val="67000"/>
+              </a:schemeClr>
+            </a:gs>
+            <a:gs pos="50000">
+              <a:schemeClr val="phClr">
+                <a:lumMod val="105000"/>
+                <a:satMod val="103000"/>
+                <a:tint val="73000"/>
+              </a:schemeClr>
+            </a:gs>
+            <a:gs pos="100000">
+              <a:schemeClr val="phClr">
+                <a:lumMod val="105000"/>
+                <a:satMod val="109000"/>
+                <a:tint val="81000"/>
+              </a:schemeClr>
+            </a:gs>
+          </a:gsLst>
+          <a:lin ang="5400000" scaled="0"/>
+        </a:gradFill>
+        <a:gradFill rotWithShape="1">
+          <a:gsLst>
+            <a:gs pos="0">
+              <a:schemeClr val="phClr">
+                <a:satMod val="103000"/>
+                <a:lumMod val="102000"/>
+                <a:tint val="94000"/>
+              </a:schemeClr>
+            </a:gs>
+            <a:gs pos="50000">
+              <a:schemeClr val="phClr">
+                <a:satMod val="110000"/>
+                <a:lumMod val="100000"/>
+                <a:shade val="100000"/>
+              </a:schemeClr>
+            </a:gs>
+            <a:gs pos="100000">
+              <a:schemeClr val="phClr">
+                <a:lumMod val="99000"/>
+                <a:satMod val="120000"/>
+                <a:shade val="78000"/>
+              </a:schemeClr>
+            </a:gs>
+          </a:gsLst>
+          <a:lin ang="5400000" scaled="0"/>
+        </a:gradFill>
+      </a:fillStyleLst>
+      <a:lnStyleLst>
+        <a:ln w="6350" cap="flat" cmpd="sng" algn="ctr">
+          <a:solidFill>
+            <a:schemeClr val="phClr"/>
+          </a:solidFill>
+          <a:prstDash val="solid"/>
+          <a:miter lim="800000"/>
+        </a:ln>
+        <a:ln w="12700" cap="flat" cmpd="sng" algn="ctr">
+          <a:solidFill>
+            <a:schemeClr val="phClr"/>
+          </a:solidFill>
+          <a:prstDash val="solid"/>
+          <a:miter lim="800000"/>
+        </a:ln>
+        <a:ln w="19050" cap="flat" cmpd="sng" algn="ctr">
+          <a:solidFill>
+            <a:schemeClr val="phClr"/>
+          </a:solidFill>
+          <a:prstDash val="solid"/>
+          <a:miter lim="800000"/>
+        </a:ln>
+      </a:lnStyleLst>
+      <a:effectStyleLst>
+        <a:effectStyle>
+          <a:effectLst/>
+        </a:effectStyle>
+        <a:effectStyle>
+          <a:effectLst/>
+        </a:effectStyle>
+        <a:effectStyle>
+          <a:effectLst>
+            <a:outerShdw blurRad="57150" dist="19050" dir="5400000" algn="ctr" rotWithShape="0">
+              <a:srgbClr val="000000">
+                <a:alpha val="63000"/>
+              </a:srgbClr>
+            </a:outerShdw>
+          </a:effectLst>
+        </a:effectStyle>
+      </a:effectStyleLst>
+      <a:bgFillStyleLst>
+        <a:solidFill>
+          <a:schemeClr val="phClr"/>
+        </a:solidFill>
+        <a:solidFill>
+          <a:schemeClr val="phClr">
+            <a:tint val="95000"/>
+            <a:satMod val="170000"/>
+          </a:schemeClr>
+        </a:solidFill>
+        <a:gradFill rotWithShape="1">
+          <a:gsLst>
+            <a:gs pos="0">
+              <a:schemeClr val="phClr">
+                <a:tint val="93000"/>
+                <a:satMod val="150000"/>
+                <a:shade val="98000"/>
+                <a:lumMod val="102000"/>
+              </a:schemeClr>
+            </a:gs>
+            <a:gs pos="50000">
+              <a:schemeClr val="phClr">
+                <a:tint val="98000"/>
+                <a:satMod val="130000"/>
+                <a:shade val="90000"/>
+                <a:lumMod val="103000"/>
+              </a:schemeClr>
+            </a:gs>
+            <a:gs pos="100000">
+              <a:schemeClr val="phClr">
+                <a:shade val="63000"/>
+                <a:satMod val="120000"/>
+              </a:schemeClr>
+            </a:gs>
+          </a:gsLst>
+          <a:lin ang="5400000" scaled="0"/>
+        </a:gradFill>
+      </a:bgFillStyleLst>
+    </a:fmtScheme>
+  </a:themeElements>
+  <a:objectDefaults/>
+  <a:extraClrSchemeLst/>
+  <a:extLst>
+    <a:ext uri="{05A4C25C-085E-4340-85A3-A5531E510DB2}">
+      <thm15:themeFamily xmlns:thm15="http://schemas.microsoft.com/office/thememl/2012/main" name="Office Theme" id="{62F939B6-93AF-4DB8-9C6B-D6C7DFDC589F}" vid="{4A3C46E8-61CC-4603-A589-7422A47A8E4A}"/>
+    </a:ext>
+  </a:extLst>
+</a:theme>
 </file>